--- a/USL_MusicRecommender.pptx
+++ b/USL_MusicRecommender.pptx
@@ -4,19 +4,24 @@
   <p:sldMasterIdLst>
     <p:sldMasterId id="2147483678" r:id="rId1"/>
   </p:sldMasterIdLst>
+  <p:notesMasterIdLst>
+    <p:notesMasterId r:id="rId16"/>
+  </p:notesMasterIdLst>
   <p:sldIdLst>
     <p:sldId id="256" r:id="rId2"/>
     <p:sldId id="257" r:id="rId3"/>
     <p:sldId id="265" r:id="rId4"/>
-    <p:sldId id="266" r:id="rId5"/>
-    <p:sldId id="259" r:id="rId6"/>
-    <p:sldId id="260" r:id="rId7"/>
-    <p:sldId id="268" r:id="rId8"/>
-    <p:sldId id="267" r:id="rId9"/>
-    <p:sldId id="261" r:id="rId10"/>
-    <p:sldId id="262" r:id="rId11"/>
-    <p:sldId id="263" r:id="rId12"/>
-    <p:sldId id="264" r:id="rId13"/>
+    <p:sldId id="269" r:id="rId5"/>
+    <p:sldId id="270" r:id="rId6"/>
+    <p:sldId id="266" r:id="rId7"/>
+    <p:sldId id="259" r:id="rId8"/>
+    <p:sldId id="260" r:id="rId9"/>
+    <p:sldId id="268" r:id="rId10"/>
+    <p:sldId id="267" r:id="rId11"/>
+    <p:sldId id="261" r:id="rId12"/>
+    <p:sldId id="262" r:id="rId13"/>
+    <p:sldId id="263" r:id="rId14"/>
+    <p:sldId id="264" r:id="rId15"/>
   </p:sldIdLst>
   <p:sldSz cx="12192000" cy="6858000"/>
   <p:notesSz cx="6858000" cy="9144000"/>
@@ -123,6 +128,471 @@
 </p:presentation>
 </file>
 
+<file path=ppt/notesMasters/notesMaster1.xml><?xml version="1.0" encoding="utf-8"?>
+<p:notesMaster xmlns:a="http://schemas.openxmlformats.org/drawingml/2006/main" xmlns:r="http://schemas.openxmlformats.org/officeDocument/2006/relationships" xmlns:p="http://schemas.openxmlformats.org/presentationml/2006/main">
+  <p:cSld>
+    <p:bg>
+      <p:bgRef idx="1001">
+        <a:schemeClr val="bg1"/>
+      </p:bgRef>
+    </p:bg>
+    <p:spTree>
+      <p:nvGrpSpPr>
+        <p:cNvPr id="1" name=""/>
+        <p:cNvGrpSpPr/>
+        <p:nvPr/>
+      </p:nvGrpSpPr>
+      <p:grpSpPr>
+        <a:xfrm>
+          <a:off x="0" y="0"/>
+          <a:ext cx="0" cy="0"/>
+          <a:chOff x="0" y="0"/>
+          <a:chExt cx="0" cy="0"/>
+        </a:xfrm>
+      </p:grpSpPr>
+      <p:sp>
+        <p:nvSpPr>
+          <p:cNvPr id="2" name="ヘッダー プレースホルダー 1"/>
+          <p:cNvSpPr>
+            <a:spLocks noGrp="1"/>
+          </p:cNvSpPr>
+          <p:nvPr>
+            <p:ph type="hdr" sz="quarter"/>
+          </p:nvPr>
+        </p:nvSpPr>
+        <p:spPr>
+          <a:xfrm>
+            <a:off x="0" y="0"/>
+            <a:ext cx="2971800" cy="458788"/>
+          </a:xfrm>
+          <a:prstGeom prst="rect">
+            <a:avLst/>
+          </a:prstGeom>
+        </p:spPr>
+        <p:txBody>
+          <a:bodyPr vert="horz" lIns="91440" tIns="45720" rIns="91440" bIns="45720" rtlCol="0"/>
+          <a:lstStyle>
+            <a:lvl1pPr algn="l">
+              <a:defRPr sz="1200"/>
+            </a:lvl1pPr>
+          </a:lstStyle>
+          <a:p>
+            <a:endParaRPr kumimoji="1" lang="ja-JP" altLang="en-US"/>
+          </a:p>
+        </p:txBody>
+      </p:sp>
+      <p:sp>
+        <p:nvSpPr>
+          <p:cNvPr id="3" name="日付プレースホルダー 2"/>
+          <p:cNvSpPr>
+            <a:spLocks noGrp="1"/>
+          </p:cNvSpPr>
+          <p:nvPr>
+            <p:ph type="dt" idx="1"/>
+          </p:nvPr>
+        </p:nvSpPr>
+        <p:spPr>
+          <a:xfrm>
+            <a:off x="3884613" y="0"/>
+            <a:ext cx="2971800" cy="458788"/>
+          </a:xfrm>
+          <a:prstGeom prst="rect">
+            <a:avLst/>
+          </a:prstGeom>
+        </p:spPr>
+        <p:txBody>
+          <a:bodyPr vert="horz" lIns="91440" tIns="45720" rIns="91440" bIns="45720" rtlCol="0"/>
+          <a:lstStyle>
+            <a:lvl1pPr algn="r">
+              <a:defRPr sz="1200"/>
+            </a:lvl1pPr>
+          </a:lstStyle>
+          <a:p>
+            <a:fld id="{1E364987-6AC6-4E1F-98B2-1E5437049DF7}" type="datetimeFigureOut">
+              <a:rPr kumimoji="1" lang="ja-JP" altLang="en-US" smtClean="0"/>
+              <a:t>2023/4/1</a:t>
+            </a:fld>
+            <a:endParaRPr kumimoji="1" lang="ja-JP" altLang="en-US"/>
+          </a:p>
+        </p:txBody>
+      </p:sp>
+      <p:sp>
+        <p:nvSpPr>
+          <p:cNvPr id="4" name="スライド イメージ プレースホルダー 3"/>
+          <p:cNvSpPr>
+            <a:spLocks noGrp="1" noRot="1" noChangeAspect="1"/>
+          </p:cNvSpPr>
+          <p:nvPr>
+            <p:ph type="sldImg" idx="2"/>
+          </p:nvPr>
+        </p:nvSpPr>
+        <p:spPr>
+          <a:xfrm>
+            <a:off x="685800" y="1143000"/>
+            <a:ext cx="5486400" cy="3086100"/>
+          </a:xfrm>
+          <a:prstGeom prst="rect">
+            <a:avLst/>
+          </a:prstGeom>
+          <a:noFill/>
+          <a:ln w="12700">
+            <a:solidFill>
+              <a:prstClr val="black"/>
+            </a:solidFill>
+          </a:ln>
+        </p:spPr>
+        <p:txBody>
+          <a:bodyPr vert="horz" lIns="91440" tIns="45720" rIns="91440" bIns="45720" rtlCol="0" anchor="ctr"/>
+          <a:lstStyle/>
+          <a:p>
+            <a:endParaRPr lang="ja-JP" altLang="en-US"/>
+          </a:p>
+        </p:txBody>
+      </p:sp>
+      <p:sp>
+        <p:nvSpPr>
+          <p:cNvPr id="5" name="ノート プレースホルダー 4"/>
+          <p:cNvSpPr>
+            <a:spLocks noGrp="1"/>
+          </p:cNvSpPr>
+          <p:nvPr>
+            <p:ph type="body" sz="quarter" idx="3"/>
+          </p:nvPr>
+        </p:nvSpPr>
+        <p:spPr>
+          <a:xfrm>
+            <a:off x="685800" y="4400550"/>
+            <a:ext cx="5486400" cy="3600450"/>
+          </a:xfrm>
+          <a:prstGeom prst="rect">
+            <a:avLst/>
+          </a:prstGeom>
+        </p:spPr>
+        <p:txBody>
+          <a:bodyPr vert="horz" lIns="91440" tIns="45720" rIns="91440" bIns="45720" rtlCol="0"/>
+          <a:lstStyle/>
+          <a:p>
+            <a:pPr lvl="0"/>
+            <a:r>
+              <a:rPr kumimoji="1" lang="ja-JP" altLang="en-US"/>
+              <a:t>マスター テキストの書式設定</a:t>
+            </a:r>
+          </a:p>
+          <a:p>
+            <a:pPr lvl="1"/>
+            <a:r>
+              <a:rPr kumimoji="1" lang="ja-JP" altLang="en-US"/>
+              <a:t>第 </a:t>
+            </a:r>
+            <a:r>
+              <a:rPr kumimoji="1" lang="en-US" altLang="ja-JP"/>
+              <a:t>2 </a:t>
+            </a:r>
+            <a:r>
+              <a:rPr kumimoji="1" lang="ja-JP" altLang="en-US"/>
+              <a:t>レベル</a:t>
+            </a:r>
+          </a:p>
+          <a:p>
+            <a:pPr lvl="2"/>
+            <a:r>
+              <a:rPr kumimoji="1" lang="ja-JP" altLang="en-US"/>
+              <a:t>第 </a:t>
+            </a:r>
+            <a:r>
+              <a:rPr kumimoji="1" lang="en-US" altLang="ja-JP"/>
+              <a:t>3 </a:t>
+            </a:r>
+            <a:r>
+              <a:rPr kumimoji="1" lang="ja-JP" altLang="en-US"/>
+              <a:t>レベル</a:t>
+            </a:r>
+          </a:p>
+          <a:p>
+            <a:pPr lvl="3"/>
+            <a:r>
+              <a:rPr kumimoji="1" lang="ja-JP" altLang="en-US"/>
+              <a:t>第 </a:t>
+            </a:r>
+            <a:r>
+              <a:rPr kumimoji="1" lang="en-US" altLang="ja-JP"/>
+              <a:t>4 </a:t>
+            </a:r>
+            <a:r>
+              <a:rPr kumimoji="1" lang="ja-JP" altLang="en-US"/>
+              <a:t>レベル</a:t>
+            </a:r>
+          </a:p>
+          <a:p>
+            <a:pPr lvl="4"/>
+            <a:r>
+              <a:rPr kumimoji="1" lang="ja-JP" altLang="en-US"/>
+              <a:t>第 </a:t>
+            </a:r>
+            <a:r>
+              <a:rPr kumimoji="1" lang="en-US" altLang="ja-JP"/>
+              <a:t>5 </a:t>
+            </a:r>
+            <a:r>
+              <a:rPr kumimoji="1" lang="ja-JP" altLang="en-US"/>
+              <a:t>レベル</a:t>
+            </a:r>
+          </a:p>
+        </p:txBody>
+      </p:sp>
+      <p:sp>
+        <p:nvSpPr>
+          <p:cNvPr id="6" name="フッター プレースホルダー 5"/>
+          <p:cNvSpPr>
+            <a:spLocks noGrp="1"/>
+          </p:cNvSpPr>
+          <p:nvPr>
+            <p:ph type="ftr" sz="quarter" idx="4"/>
+          </p:nvPr>
+        </p:nvSpPr>
+        <p:spPr>
+          <a:xfrm>
+            <a:off x="0" y="8685213"/>
+            <a:ext cx="2971800" cy="458787"/>
+          </a:xfrm>
+          <a:prstGeom prst="rect">
+            <a:avLst/>
+          </a:prstGeom>
+        </p:spPr>
+        <p:txBody>
+          <a:bodyPr vert="horz" lIns="91440" tIns="45720" rIns="91440" bIns="45720" rtlCol="0" anchor="b"/>
+          <a:lstStyle>
+            <a:lvl1pPr algn="l">
+              <a:defRPr sz="1200"/>
+            </a:lvl1pPr>
+          </a:lstStyle>
+          <a:p>
+            <a:endParaRPr kumimoji="1" lang="ja-JP" altLang="en-US"/>
+          </a:p>
+        </p:txBody>
+      </p:sp>
+      <p:sp>
+        <p:nvSpPr>
+          <p:cNvPr id="7" name="スライド番号プレースホルダー 6"/>
+          <p:cNvSpPr>
+            <a:spLocks noGrp="1"/>
+          </p:cNvSpPr>
+          <p:nvPr>
+            <p:ph type="sldNum" sz="quarter" idx="5"/>
+          </p:nvPr>
+        </p:nvSpPr>
+        <p:spPr>
+          <a:xfrm>
+            <a:off x="3884613" y="8685213"/>
+            <a:ext cx="2971800" cy="458787"/>
+          </a:xfrm>
+          <a:prstGeom prst="rect">
+            <a:avLst/>
+          </a:prstGeom>
+        </p:spPr>
+        <p:txBody>
+          <a:bodyPr vert="horz" lIns="91440" tIns="45720" rIns="91440" bIns="45720" rtlCol="0" anchor="b"/>
+          <a:lstStyle>
+            <a:lvl1pPr algn="r">
+              <a:defRPr sz="1200"/>
+            </a:lvl1pPr>
+          </a:lstStyle>
+          <a:p>
+            <a:fld id="{15D42D29-8420-451E-9543-39A649E6C458}" type="slidenum">
+              <a:rPr kumimoji="1" lang="ja-JP" altLang="en-US" smtClean="0"/>
+              <a:t>‹#›</a:t>
+            </a:fld>
+            <a:endParaRPr kumimoji="1" lang="ja-JP" altLang="en-US"/>
+          </a:p>
+        </p:txBody>
+      </p:sp>
+    </p:spTree>
+    <p:extLst>
+      <p:ext uri="{BB962C8B-B14F-4D97-AF65-F5344CB8AC3E}">
+        <p14:creationId xmlns:p14="http://schemas.microsoft.com/office/powerpoint/2010/main" val="2381335573"/>
+      </p:ext>
+    </p:extLst>
+  </p:cSld>
+  <p:clrMap bg1="lt1" tx1="dk1" bg2="lt2" tx2="dk2" accent1="accent1" accent2="accent2" accent3="accent3" accent4="accent4" accent5="accent5" accent6="accent6" hlink="hlink" folHlink="folHlink"/>
+  <p:notesStyle>
+    <a:lvl1pPr marL="0" algn="l" defTabSz="914400" rtl="0" eaLnBrk="1" latinLnBrk="0" hangingPunct="1">
+      <a:defRPr kumimoji="1" sz="1200" kern="1200">
+        <a:solidFill>
+          <a:schemeClr val="tx1"/>
+        </a:solidFill>
+        <a:latin typeface="+mn-lt"/>
+        <a:ea typeface="+mn-ea"/>
+        <a:cs typeface="+mn-cs"/>
+      </a:defRPr>
+    </a:lvl1pPr>
+    <a:lvl2pPr marL="457200" algn="l" defTabSz="914400" rtl="0" eaLnBrk="1" latinLnBrk="0" hangingPunct="1">
+      <a:defRPr kumimoji="1" sz="1200" kern="1200">
+        <a:solidFill>
+          <a:schemeClr val="tx1"/>
+        </a:solidFill>
+        <a:latin typeface="+mn-lt"/>
+        <a:ea typeface="+mn-ea"/>
+        <a:cs typeface="+mn-cs"/>
+      </a:defRPr>
+    </a:lvl2pPr>
+    <a:lvl3pPr marL="914400" algn="l" defTabSz="914400" rtl="0" eaLnBrk="1" latinLnBrk="0" hangingPunct="1">
+      <a:defRPr kumimoji="1" sz="1200" kern="1200">
+        <a:solidFill>
+          <a:schemeClr val="tx1"/>
+        </a:solidFill>
+        <a:latin typeface="+mn-lt"/>
+        <a:ea typeface="+mn-ea"/>
+        <a:cs typeface="+mn-cs"/>
+      </a:defRPr>
+    </a:lvl3pPr>
+    <a:lvl4pPr marL="1371600" algn="l" defTabSz="914400" rtl="0" eaLnBrk="1" latinLnBrk="0" hangingPunct="1">
+      <a:defRPr kumimoji="1" sz="1200" kern="1200">
+        <a:solidFill>
+          <a:schemeClr val="tx1"/>
+        </a:solidFill>
+        <a:latin typeface="+mn-lt"/>
+        <a:ea typeface="+mn-ea"/>
+        <a:cs typeface="+mn-cs"/>
+      </a:defRPr>
+    </a:lvl4pPr>
+    <a:lvl5pPr marL="1828800" algn="l" defTabSz="914400" rtl="0" eaLnBrk="1" latinLnBrk="0" hangingPunct="1">
+      <a:defRPr kumimoji="1" sz="1200" kern="1200">
+        <a:solidFill>
+          <a:schemeClr val="tx1"/>
+        </a:solidFill>
+        <a:latin typeface="+mn-lt"/>
+        <a:ea typeface="+mn-ea"/>
+        <a:cs typeface="+mn-cs"/>
+      </a:defRPr>
+    </a:lvl5pPr>
+    <a:lvl6pPr marL="2286000" algn="l" defTabSz="914400" rtl="0" eaLnBrk="1" latinLnBrk="0" hangingPunct="1">
+      <a:defRPr kumimoji="1" sz="1200" kern="1200">
+        <a:solidFill>
+          <a:schemeClr val="tx1"/>
+        </a:solidFill>
+        <a:latin typeface="+mn-lt"/>
+        <a:ea typeface="+mn-ea"/>
+        <a:cs typeface="+mn-cs"/>
+      </a:defRPr>
+    </a:lvl6pPr>
+    <a:lvl7pPr marL="2743200" algn="l" defTabSz="914400" rtl="0" eaLnBrk="1" latinLnBrk="0" hangingPunct="1">
+      <a:defRPr kumimoji="1" sz="1200" kern="1200">
+        <a:solidFill>
+          <a:schemeClr val="tx1"/>
+        </a:solidFill>
+        <a:latin typeface="+mn-lt"/>
+        <a:ea typeface="+mn-ea"/>
+        <a:cs typeface="+mn-cs"/>
+      </a:defRPr>
+    </a:lvl7pPr>
+    <a:lvl8pPr marL="3200400" algn="l" defTabSz="914400" rtl="0" eaLnBrk="1" latinLnBrk="0" hangingPunct="1">
+      <a:defRPr kumimoji="1" sz="1200" kern="1200">
+        <a:solidFill>
+          <a:schemeClr val="tx1"/>
+        </a:solidFill>
+        <a:latin typeface="+mn-lt"/>
+        <a:ea typeface="+mn-ea"/>
+        <a:cs typeface="+mn-cs"/>
+      </a:defRPr>
+    </a:lvl8pPr>
+    <a:lvl9pPr marL="3657600" algn="l" defTabSz="914400" rtl="0" eaLnBrk="1" latinLnBrk="0" hangingPunct="1">
+      <a:defRPr kumimoji="1" sz="1200" kern="1200">
+        <a:solidFill>
+          <a:schemeClr val="tx1"/>
+        </a:solidFill>
+        <a:latin typeface="+mn-lt"/>
+        <a:ea typeface="+mn-ea"/>
+        <a:cs typeface="+mn-cs"/>
+      </a:defRPr>
+    </a:lvl9pPr>
+  </p:notesStyle>
+</p:notesMaster>
+</file>
+
+<file path=ppt/notesSlides/notesSlide1.xml><?xml version="1.0" encoding="utf-8"?>
+<p:notes xmlns:a="http://schemas.openxmlformats.org/drawingml/2006/main" xmlns:r="http://schemas.openxmlformats.org/officeDocument/2006/relationships" xmlns:p="http://schemas.openxmlformats.org/presentationml/2006/main">
+  <p:cSld>
+    <p:spTree>
+      <p:nvGrpSpPr>
+        <p:cNvPr id="1" name=""/>
+        <p:cNvGrpSpPr/>
+        <p:nvPr/>
+      </p:nvGrpSpPr>
+      <p:grpSpPr>
+        <a:xfrm>
+          <a:off x="0" y="0"/>
+          <a:ext cx="0" cy="0"/>
+          <a:chOff x="0" y="0"/>
+          <a:chExt cx="0" cy="0"/>
+        </a:xfrm>
+      </p:grpSpPr>
+      <p:sp>
+        <p:nvSpPr>
+          <p:cNvPr id="2" name="スライド イメージ プレースホルダー 1"/>
+          <p:cNvSpPr>
+            <a:spLocks noGrp="1" noRot="1" noChangeAspect="1"/>
+          </p:cNvSpPr>
+          <p:nvPr>
+            <p:ph type="sldImg"/>
+          </p:nvPr>
+        </p:nvSpPr>
+        <p:spPr/>
+      </p:sp>
+      <p:sp>
+        <p:nvSpPr>
+          <p:cNvPr id="3" name="ノート プレースホルダー 2"/>
+          <p:cNvSpPr>
+            <a:spLocks noGrp="1"/>
+          </p:cNvSpPr>
+          <p:nvPr>
+            <p:ph type="body" idx="1"/>
+          </p:nvPr>
+        </p:nvSpPr>
+        <p:spPr/>
+        <p:txBody>
+          <a:bodyPr/>
+          <a:lstStyle/>
+          <a:p>
+            <a:endParaRPr kumimoji="1" lang="ja-JP" altLang="en-US" dirty="0"/>
+          </a:p>
+        </p:txBody>
+      </p:sp>
+      <p:sp>
+        <p:nvSpPr>
+          <p:cNvPr id="4" name="スライド番号プレースホルダー 3"/>
+          <p:cNvSpPr>
+            <a:spLocks noGrp="1"/>
+          </p:cNvSpPr>
+          <p:nvPr>
+            <p:ph type="sldNum" sz="quarter" idx="5"/>
+          </p:nvPr>
+        </p:nvSpPr>
+        <p:spPr/>
+        <p:txBody>
+          <a:bodyPr/>
+          <a:lstStyle/>
+          <a:p>
+            <a:fld id="{15D42D29-8420-451E-9543-39A649E6C458}" type="slidenum">
+              <a:rPr kumimoji="1" lang="ja-JP" altLang="en-US" smtClean="0"/>
+              <a:t>14</a:t>
+            </a:fld>
+            <a:endParaRPr kumimoji="1" lang="ja-JP" altLang="en-US"/>
+          </a:p>
+        </p:txBody>
+      </p:sp>
+    </p:spTree>
+    <p:extLst>
+      <p:ext uri="{BB962C8B-B14F-4D97-AF65-F5344CB8AC3E}">
+        <p14:creationId xmlns:p14="http://schemas.microsoft.com/office/powerpoint/2010/main" val="959203990"/>
+      </p:ext>
+    </p:extLst>
+  </p:cSld>
+  <p:clrMapOvr>
+    <a:masterClrMapping/>
+  </p:clrMapOvr>
+</p:notes>
+</file>
+
 <file path=ppt/slideLayouts/slideLayout1.xml><?xml version="1.0" encoding="utf-8"?>
 <p:sldLayout xmlns:a="http://schemas.openxmlformats.org/drawingml/2006/main" xmlns:r="http://schemas.openxmlformats.org/officeDocument/2006/relationships" xmlns:p="http://schemas.openxmlformats.org/presentationml/2006/main" type="title" preserve="1">
   <p:cSld name="タイトル スライド">
@@ -308,7 +778,7 @@
           <a:p>
             <a:fld id="{F2A07739-8280-4B44-B12B-2D5405EB88C3}" type="datetimeFigureOut">
               <a:rPr kumimoji="1" lang="ja-JP" altLang="en-US" smtClean="0"/>
-              <a:t>2023/3/30</a:t>
+              <a:t>2023/4/1</a:t>
             </a:fld>
             <a:endParaRPr kumimoji="1" lang="ja-JP" altLang="en-US"/>
           </a:p>
@@ -606,7 +1076,7 @@
           <a:p>
             <a:fld id="{F2A07739-8280-4B44-B12B-2D5405EB88C3}" type="datetimeFigureOut">
               <a:rPr kumimoji="1" lang="ja-JP" altLang="en-US" smtClean="0"/>
-              <a:t>2023/3/30</a:t>
+              <a:t>2023/4/1</a:t>
             </a:fld>
             <a:endParaRPr kumimoji="1" lang="ja-JP" altLang="en-US"/>
           </a:p>
@@ -798,7 +1268,7 @@
           <a:p>
             <a:fld id="{F2A07739-8280-4B44-B12B-2D5405EB88C3}" type="datetimeFigureOut">
               <a:rPr kumimoji="1" lang="ja-JP" altLang="en-US" smtClean="0"/>
-              <a:t>2023/3/30</a:t>
+              <a:t>2023/4/1</a:t>
             </a:fld>
             <a:endParaRPr kumimoji="1" lang="ja-JP" altLang="en-US"/>
           </a:p>
@@ -1059,7 +1529,7 @@
           <a:p>
             <a:fld id="{F2A07739-8280-4B44-B12B-2D5405EB88C3}" type="datetimeFigureOut">
               <a:rPr kumimoji="1" lang="ja-JP" altLang="en-US" smtClean="0"/>
-              <a:t>2023/3/30</a:t>
+              <a:t>2023/4/1</a:t>
             </a:fld>
             <a:endParaRPr kumimoji="1" lang="ja-JP" altLang="en-US"/>
           </a:p>
@@ -1483,7 +1953,7 @@
           <a:p>
             <a:fld id="{F2A07739-8280-4B44-B12B-2D5405EB88C3}" type="datetimeFigureOut">
               <a:rPr kumimoji="1" lang="ja-JP" altLang="en-US" smtClean="0"/>
-              <a:t>2023/3/30</a:t>
+              <a:t>2023/4/1</a:t>
             </a:fld>
             <a:endParaRPr kumimoji="1" lang="ja-JP" altLang="en-US"/>
           </a:p>
@@ -2020,7 +2490,7 @@
           <a:p>
             <a:fld id="{F2A07739-8280-4B44-B12B-2D5405EB88C3}" type="datetimeFigureOut">
               <a:rPr kumimoji="1" lang="ja-JP" altLang="en-US" smtClean="0"/>
-              <a:t>2023/3/30</a:t>
+              <a:t>2023/4/1</a:t>
             </a:fld>
             <a:endParaRPr kumimoji="1" lang="ja-JP" altLang="en-US"/>
           </a:p>
@@ -2884,7 +3354,7 @@
           <a:p>
             <a:fld id="{F2A07739-8280-4B44-B12B-2D5405EB88C3}" type="datetimeFigureOut">
               <a:rPr kumimoji="1" lang="ja-JP" altLang="en-US" smtClean="0"/>
-              <a:t>2023/3/30</a:t>
+              <a:t>2023/4/1</a:t>
             </a:fld>
             <a:endParaRPr kumimoji="1" lang="ja-JP" altLang="en-US"/>
           </a:p>
@@ -3086,7 +3556,7 @@
           <a:p>
             <a:fld id="{F2A07739-8280-4B44-B12B-2D5405EB88C3}" type="datetimeFigureOut">
               <a:rPr kumimoji="1" lang="ja-JP" altLang="en-US" smtClean="0"/>
-              <a:t>2023/3/30</a:t>
+              <a:t>2023/4/1</a:t>
             </a:fld>
             <a:endParaRPr kumimoji="1" lang="ja-JP" altLang="en-US"/>
           </a:p>
@@ -3302,7 +3772,7 @@
           <a:p>
             <a:fld id="{F2A07739-8280-4B44-B12B-2D5405EB88C3}" type="datetimeFigureOut">
               <a:rPr kumimoji="1" lang="ja-JP" altLang="en-US" smtClean="0"/>
-              <a:t>2023/3/30</a:t>
+              <a:t>2023/4/1</a:t>
             </a:fld>
             <a:endParaRPr kumimoji="1" lang="ja-JP" altLang="en-US"/>
           </a:p>
@@ -3504,7 +3974,7 @@
           <a:p>
             <a:fld id="{F2A07739-8280-4B44-B12B-2D5405EB88C3}" type="datetimeFigureOut">
               <a:rPr kumimoji="1" lang="ja-JP" altLang="en-US" smtClean="0"/>
-              <a:t>2023/3/30</a:t>
+              <a:t>2023/4/1</a:t>
             </a:fld>
             <a:endParaRPr kumimoji="1" lang="ja-JP" altLang="en-US"/>
           </a:p>
@@ -3748,7 +4218,7 @@
           <a:p>
             <a:fld id="{F2A07739-8280-4B44-B12B-2D5405EB88C3}" type="datetimeFigureOut">
               <a:rPr kumimoji="1" lang="ja-JP" altLang="en-US" smtClean="0"/>
-              <a:t>2023/3/30</a:t>
+              <a:t>2023/4/1</a:t>
             </a:fld>
             <a:endParaRPr kumimoji="1" lang="ja-JP" altLang="en-US"/>
           </a:p>
@@ -4048,7 +4518,7 @@
           <a:p>
             <a:fld id="{F2A07739-8280-4B44-B12B-2D5405EB88C3}" type="datetimeFigureOut">
               <a:rPr kumimoji="1" lang="ja-JP" altLang="en-US" smtClean="0"/>
-              <a:t>2023/3/30</a:t>
+              <a:t>2023/4/1</a:t>
             </a:fld>
             <a:endParaRPr kumimoji="1" lang="ja-JP" altLang="en-US"/>
           </a:p>
@@ -4578,7 +5048,7 @@
           <a:p>
             <a:fld id="{F2A07739-8280-4B44-B12B-2D5405EB88C3}" type="datetimeFigureOut">
               <a:rPr kumimoji="1" lang="ja-JP" altLang="en-US" smtClean="0"/>
-              <a:t>2023/3/30</a:t>
+              <a:t>2023/4/1</a:t>
             </a:fld>
             <a:endParaRPr kumimoji="1" lang="ja-JP" altLang="en-US"/>
           </a:p>
@@ -4696,7 +5166,7 @@
           <a:p>
             <a:fld id="{F2A07739-8280-4B44-B12B-2D5405EB88C3}" type="datetimeFigureOut">
               <a:rPr kumimoji="1" lang="ja-JP" altLang="en-US" smtClean="0"/>
-              <a:t>2023/3/30</a:t>
+              <a:t>2023/4/1</a:t>
             </a:fld>
             <a:endParaRPr kumimoji="1" lang="ja-JP" altLang="en-US"/>
           </a:p>
@@ -4791,7 +5261,7 @@
           <a:p>
             <a:fld id="{F2A07739-8280-4B44-B12B-2D5405EB88C3}" type="datetimeFigureOut">
               <a:rPr kumimoji="1" lang="ja-JP" altLang="en-US" smtClean="0"/>
-              <a:t>2023/3/30</a:t>
+              <a:t>2023/4/1</a:t>
             </a:fld>
             <a:endParaRPr kumimoji="1" lang="ja-JP" altLang="en-US"/>
           </a:p>
@@ -5078,7 +5548,7 @@
           <a:p>
             <a:fld id="{F2A07739-8280-4B44-B12B-2D5405EB88C3}" type="datetimeFigureOut">
               <a:rPr kumimoji="1" lang="ja-JP" altLang="en-US" smtClean="0"/>
-              <a:t>2023/3/30</a:t>
+              <a:t>2023/4/1</a:t>
             </a:fld>
             <a:endParaRPr kumimoji="1" lang="ja-JP" altLang="en-US"/>
           </a:p>
@@ -5378,7 +5848,7 @@
           <a:p>
             <a:fld id="{F2A07739-8280-4B44-B12B-2D5405EB88C3}" type="datetimeFigureOut">
               <a:rPr kumimoji="1" lang="ja-JP" altLang="en-US" smtClean="0"/>
-              <a:t>2023/3/30</a:t>
+              <a:t>2023/4/1</a:t>
             </a:fld>
             <a:endParaRPr kumimoji="1" lang="ja-JP" altLang="en-US"/>
           </a:p>
@@ -5644,7 +6114,7 @@
           <a:p>
             <a:fld id="{F2A07739-8280-4B44-B12B-2D5405EB88C3}" type="datetimeFigureOut">
               <a:rPr kumimoji="1" lang="ja-JP" altLang="en-US" smtClean="0"/>
-              <a:t>2023/3/30</a:t>
+              <a:t>2023/4/1</a:t>
             </a:fld>
             <a:endParaRPr kumimoji="1" lang="ja-JP" altLang="en-US"/>
           </a:p>
@@ -6431,6 +6901,937 @@
           <p:cNvPr id="2" name="タイトル 1">
             <a:extLst>
               <a:ext uri="{FF2B5EF4-FFF2-40B4-BE49-F238E27FC236}">
+                <a16:creationId xmlns:a16="http://schemas.microsoft.com/office/drawing/2014/main" id="{EC8E20D5-12AF-6682-0D58-C7F1611B7999}"/>
+              </a:ext>
+            </a:extLst>
+          </p:cNvPr>
+          <p:cNvSpPr>
+            <a:spLocks noGrp="1"/>
+          </p:cNvSpPr>
+          <p:nvPr>
+            <p:ph type="title"/>
+          </p:nvPr>
+        </p:nvSpPr>
+        <p:spPr>
+          <a:xfrm>
+            <a:off x="913795" y="150603"/>
+            <a:ext cx="10353762" cy="970450"/>
+          </a:xfrm>
+        </p:spPr>
+        <p:txBody>
+          <a:bodyPr/>
+          <a:lstStyle/>
+          <a:p>
+            <a:r>
+              <a:rPr kumimoji="1" lang="en-US" altLang="ja-JP" dirty="0">
+                <a:solidFill>
+                  <a:schemeClr val="tx1"/>
+                </a:solidFill>
+              </a:rPr>
+              <a:t>Content based approach</a:t>
+            </a:r>
+            <a:endParaRPr kumimoji="1" lang="ja-JP" altLang="en-US" dirty="0">
+              <a:solidFill>
+                <a:schemeClr val="tx1"/>
+              </a:solidFill>
+            </a:endParaRPr>
+          </a:p>
+        </p:txBody>
+      </p:sp>
+      <p:sp>
+        <p:nvSpPr>
+          <p:cNvPr id="3" name="テキスト ボックス 2">
+            <a:extLst>
+              <a:ext uri="{FF2B5EF4-FFF2-40B4-BE49-F238E27FC236}">
+                <a16:creationId xmlns:a16="http://schemas.microsoft.com/office/drawing/2014/main" id="{E75A09CF-456A-C7BA-B8FD-38C4E4C03000}"/>
+              </a:ext>
+            </a:extLst>
+          </p:cNvPr>
+          <p:cNvSpPr txBox="1"/>
+          <p:nvPr/>
+        </p:nvSpPr>
+        <p:spPr>
+          <a:xfrm>
+            <a:off x="441788" y="1999579"/>
+            <a:ext cx="8075488" cy="2677656"/>
+          </a:xfrm>
+          <a:prstGeom prst="rect">
+            <a:avLst/>
+          </a:prstGeom>
+          <a:noFill/>
+        </p:spPr>
+        <p:txBody>
+          <a:bodyPr wrap="square" rtlCol="0">
+            <a:spAutoFit/>
+          </a:bodyPr>
+          <a:lstStyle/>
+          <a:p>
+            <a:r>
+              <a:rPr kumimoji="1" lang="en-US" altLang="ja-JP" sz="2400" b="1" dirty="0"/>
+              <a:t>Feature only CB</a:t>
+            </a:r>
+          </a:p>
+          <a:p>
+            <a:r>
+              <a:rPr kumimoji="1" lang="en-US" altLang="ja-JP" sz="2400" b="1" dirty="0"/>
+              <a:t>mean (artist, song minute, time)				0.6046</a:t>
+            </a:r>
+          </a:p>
+          <a:p>
+            <a:endParaRPr kumimoji="1" lang="en-US" altLang="ja-JP" sz="2400" b="1" dirty="0"/>
+          </a:p>
+          <a:p>
+            <a:r>
+              <a:rPr kumimoji="1" lang="en-US" altLang="ja-JP" sz="2400" b="1" dirty="0"/>
+              <a:t>CB + item bias (for frequent items)			0.6217</a:t>
+            </a:r>
+          </a:p>
+          <a:p>
+            <a:endParaRPr kumimoji="1" lang="en-US" altLang="ja-JP" sz="2400" b="1" dirty="0"/>
+          </a:p>
+          <a:p>
+            <a:r>
+              <a:rPr kumimoji="1" lang="en-US" altLang="ja-JP" sz="2400" b="1" dirty="0"/>
+              <a:t>0.5*(CB + item bias) + 0.5*user bias 			0.6565</a:t>
+            </a:r>
+          </a:p>
+          <a:p>
+            <a:endParaRPr kumimoji="1" lang="ja-JP" altLang="en-US" sz="2400" b="1" dirty="0"/>
+          </a:p>
+        </p:txBody>
+      </p:sp>
+      <p:sp>
+        <p:nvSpPr>
+          <p:cNvPr id="5" name="テキスト ボックス 4">
+            <a:extLst>
+              <a:ext uri="{FF2B5EF4-FFF2-40B4-BE49-F238E27FC236}">
+                <a16:creationId xmlns:a16="http://schemas.microsoft.com/office/drawing/2014/main" id="{6DCCE55F-9DC1-27D5-4B22-9BBA165751DF}"/>
+              </a:ext>
+            </a:extLst>
+          </p:cNvPr>
+          <p:cNvSpPr txBox="1"/>
+          <p:nvPr/>
+        </p:nvSpPr>
+        <p:spPr>
+          <a:xfrm>
+            <a:off x="1494893" y="4968811"/>
+            <a:ext cx="2270588" cy="400110"/>
+          </a:xfrm>
+          <a:prstGeom prst="rect">
+            <a:avLst/>
+          </a:prstGeom>
+          <a:noFill/>
+        </p:spPr>
+        <p:txBody>
+          <a:bodyPr wrap="square" rtlCol="0">
+            <a:spAutoFit/>
+          </a:bodyPr>
+          <a:lstStyle/>
+          <a:p>
+            <a:r>
+              <a:rPr kumimoji="1" lang="en-US" altLang="ja-JP" sz="2000" b="1" dirty="0">
+                <a:solidFill>
+                  <a:schemeClr val="accent1">
+                    <a:lumMod val="20000"/>
+                    <a:lumOff val="80000"/>
+                  </a:schemeClr>
+                </a:solidFill>
+              </a:rPr>
+              <a:t>Tuned </a:t>
+            </a:r>
+            <a:r>
+              <a:rPr kumimoji="1" lang="en-US" altLang="ja-JP" sz="2000" b="1" dirty="0" err="1">
+                <a:solidFill>
+                  <a:schemeClr val="accent1">
+                    <a:lumMod val="20000"/>
+                    <a:lumOff val="80000"/>
+                  </a:schemeClr>
+                </a:solidFill>
+              </a:rPr>
+              <a:t>mix_rate</a:t>
+            </a:r>
+            <a:endParaRPr kumimoji="1" lang="ja-JP" altLang="en-US" sz="2000" b="1" dirty="0">
+              <a:solidFill>
+                <a:schemeClr val="accent1">
+                  <a:lumMod val="20000"/>
+                  <a:lumOff val="80000"/>
+                </a:schemeClr>
+              </a:solidFill>
+            </a:endParaRPr>
+          </a:p>
+        </p:txBody>
+      </p:sp>
+      <p:cxnSp>
+        <p:nvCxnSpPr>
+          <p:cNvPr id="6" name="直線矢印コネクタ 5">
+            <a:extLst>
+              <a:ext uri="{FF2B5EF4-FFF2-40B4-BE49-F238E27FC236}">
+                <a16:creationId xmlns:a16="http://schemas.microsoft.com/office/drawing/2014/main" id="{BFA7F6C5-B89F-9D82-9BF0-CB00DF8E4FC6}"/>
+              </a:ext>
+            </a:extLst>
+          </p:cNvPr>
+          <p:cNvCxnSpPr>
+            <a:cxnSpLocks/>
+          </p:cNvCxnSpPr>
+          <p:nvPr/>
+        </p:nvCxnSpPr>
+        <p:spPr>
+          <a:xfrm flipV="1">
+            <a:off x="3010328" y="4321539"/>
+            <a:ext cx="698643" cy="647272"/>
+          </a:xfrm>
+          <a:prstGeom prst="straightConnector1">
+            <a:avLst/>
+          </a:prstGeom>
+          <a:ln w="19050">
+            <a:solidFill>
+              <a:schemeClr val="tx1"/>
+            </a:solidFill>
+            <a:tailEnd type="arrow"/>
+          </a:ln>
+        </p:spPr>
+        <p:style>
+          <a:lnRef idx="1">
+            <a:schemeClr val="accent1"/>
+          </a:lnRef>
+          <a:fillRef idx="0">
+            <a:schemeClr val="accent1"/>
+          </a:fillRef>
+          <a:effectRef idx="0">
+            <a:schemeClr val="accent1"/>
+          </a:effectRef>
+          <a:fontRef idx="minor">
+            <a:schemeClr val="tx1"/>
+          </a:fontRef>
+        </p:style>
+      </p:cxnSp>
+      <p:cxnSp>
+        <p:nvCxnSpPr>
+          <p:cNvPr id="8" name="直線矢印コネクタ 7">
+            <a:extLst>
+              <a:ext uri="{FF2B5EF4-FFF2-40B4-BE49-F238E27FC236}">
+                <a16:creationId xmlns:a16="http://schemas.microsoft.com/office/drawing/2014/main" id="{19F9D81A-BDE2-668A-0CBA-60CE8346B4F0}"/>
+              </a:ext>
+            </a:extLst>
+          </p:cNvPr>
+          <p:cNvCxnSpPr>
+            <a:cxnSpLocks/>
+          </p:cNvCxnSpPr>
+          <p:nvPr/>
+        </p:nvCxnSpPr>
+        <p:spPr>
+          <a:xfrm flipH="1" flipV="1">
+            <a:off x="996593" y="4321539"/>
+            <a:ext cx="914400" cy="647272"/>
+          </a:xfrm>
+          <a:prstGeom prst="straightConnector1">
+            <a:avLst/>
+          </a:prstGeom>
+          <a:ln w="19050">
+            <a:solidFill>
+              <a:schemeClr val="tx1"/>
+            </a:solidFill>
+            <a:tailEnd type="arrow"/>
+          </a:ln>
+        </p:spPr>
+        <p:style>
+          <a:lnRef idx="1">
+            <a:schemeClr val="accent1"/>
+          </a:lnRef>
+          <a:fillRef idx="0">
+            <a:schemeClr val="accent1"/>
+          </a:fillRef>
+          <a:effectRef idx="0">
+            <a:schemeClr val="accent1"/>
+          </a:effectRef>
+          <a:fontRef idx="minor">
+            <a:schemeClr val="tx1"/>
+          </a:fontRef>
+        </p:style>
+      </p:cxnSp>
+      <p:sp>
+        <p:nvSpPr>
+          <p:cNvPr id="16" name="テキスト ボックス 15">
+            <a:extLst>
+              <a:ext uri="{FF2B5EF4-FFF2-40B4-BE49-F238E27FC236}">
+                <a16:creationId xmlns:a16="http://schemas.microsoft.com/office/drawing/2014/main" id="{562100FD-19EA-6999-72FA-D00BF5645F99}"/>
+              </a:ext>
+            </a:extLst>
+          </p:cNvPr>
+          <p:cNvSpPr txBox="1"/>
+          <p:nvPr/>
+        </p:nvSpPr>
+        <p:spPr>
+          <a:xfrm>
+            <a:off x="5650786" y="4911246"/>
+            <a:ext cx="3698697" cy="461665"/>
+          </a:xfrm>
+          <a:prstGeom prst="rect">
+            <a:avLst/>
+          </a:prstGeom>
+          <a:noFill/>
+        </p:spPr>
+        <p:txBody>
+          <a:bodyPr wrap="square" rtlCol="0">
+            <a:spAutoFit/>
+          </a:bodyPr>
+          <a:lstStyle/>
+          <a:p>
+            <a:r>
+              <a:rPr kumimoji="1" lang="en-US" altLang="ja-JP" sz="2400" b="1" dirty="0">
+                <a:solidFill>
+                  <a:srgbClr val="FFFF00"/>
+                </a:solidFill>
+              </a:rPr>
+              <a:t>Ensemble is effective </a:t>
+            </a:r>
+            <a:endParaRPr kumimoji="1" lang="ja-JP" altLang="en-US" sz="2400" b="1" dirty="0">
+              <a:solidFill>
+                <a:srgbClr val="FFFF00"/>
+              </a:solidFill>
+            </a:endParaRPr>
+          </a:p>
+        </p:txBody>
+      </p:sp>
+      <p:sp>
+        <p:nvSpPr>
+          <p:cNvPr id="17" name="テキスト ボックス 16">
+            <a:extLst>
+              <a:ext uri="{FF2B5EF4-FFF2-40B4-BE49-F238E27FC236}">
+                <a16:creationId xmlns:a16="http://schemas.microsoft.com/office/drawing/2014/main" id="{36CEDBB1-B440-A80F-A5D4-E6EE0FE26465}"/>
+              </a:ext>
+            </a:extLst>
+          </p:cNvPr>
+          <p:cNvSpPr txBox="1"/>
+          <p:nvPr/>
+        </p:nvSpPr>
+        <p:spPr>
+          <a:xfrm>
+            <a:off x="6090676" y="1765568"/>
+            <a:ext cx="1599344" cy="400110"/>
+          </a:xfrm>
+          <a:prstGeom prst="rect">
+            <a:avLst/>
+          </a:prstGeom>
+          <a:noFill/>
+        </p:spPr>
+        <p:txBody>
+          <a:bodyPr wrap="square" rtlCol="0">
+            <a:spAutoFit/>
+          </a:bodyPr>
+          <a:lstStyle/>
+          <a:p>
+            <a:pPr algn="ctr"/>
+            <a:r>
+              <a:rPr kumimoji="1" lang="en-US" altLang="ja-JP" sz="2000" b="1" dirty="0">
+                <a:solidFill>
+                  <a:schemeClr val="accent1">
+                    <a:lumMod val="20000"/>
+                    <a:lumOff val="80000"/>
+                  </a:schemeClr>
+                </a:solidFill>
+              </a:rPr>
+              <a:t>Val AUC</a:t>
+            </a:r>
+            <a:endParaRPr kumimoji="1" lang="ja-JP" altLang="en-US" sz="2000" b="1" dirty="0">
+              <a:solidFill>
+                <a:schemeClr val="accent1">
+                  <a:lumMod val="20000"/>
+                  <a:lumOff val="80000"/>
+                </a:schemeClr>
+              </a:solidFill>
+            </a:endParaRPr>
+          </a:p>
+        </p:txBody>
+      </p:sp>
+      <p:pic>
+        <p:nvPicPr>
+          <p:cNvPr id="1026" name="Picture 2">
+            <a:extLst>
+              <a:ext uri="{FF2B5EF4-FFF2-40B4-BE49-F238E27FC236}">
+                <a16:creationId xmlns:a16="http://schemas.microsoft.com/office/drawing/2014/main" id="{B360E330-FAFA-BC7F-EAFC-1B05B13FD9CE}"/>
+              </a:ext>
+            </a:extLst>
+          </p:cNvPr>
+          <p:cNvPicPr>
+            <a:picLocks noChangeAspect="1" noChangeArrowheads="1"/>
+          </p:cNvPicPr>
+          <p:nvPr/>
+        </p:nvPicPr>
+        <p:blipFill>
+          <a:blip r:embed="rId2">
+            <a:extLst>
+              <a:ext uri="{28A0092B-C50C-407E-A947-70E740481C1C}">
+                <a14:useLocalDpi xmlns:a14="http://schemas.microsoft.com/office/drawing/2010/main" val="0"/>
+              </a:ext>
+            </a:extLst>
+          </a:blip>
+          <a:srcRect/>
+          <a:stretch>
+            <a:fillRect/>
+          </a:stretch>
+        </p:blipFill>
+        <p:spPr bwMode="auto">
+          <a:xfrm>
+            <a:off x="8034389" y="1752066"/>
+            <a:ext cx="4021871" cy="2911667"/>
+          </a:xfrm>
+          <a:prstGeom prst="rect">
+            <a:avLst/>
+          </a:prstGeom>
+          <a:solidFill>
+            <a:schemeClr val="tx1"/>
+          </a:solidFill>
+        </p:spPr>
+      </p:pic>
+      <p:cxnSp>
+        <p:nvCxnSpPr>
+          <p:cNvPr id="7" name="直線コネクタ 6">
+            <a:extLst>
+              <a:ext uri="{FF2B5EF4-FFF2-40B4-BE49-F238E27FC236}">
+                <a16:creationId xmlns:a16="http://schemas.microsoft.com/office/drawing/2014/main" id="{C64ADBF5-DCB2-6419-45AE-A4AAFB569519}"/>
+              </a:ext>
+            </a:extLst>
+          </p:cNvPr>
+          <p:cNvCxnSpPr/>
+          <p:nvPr/>
+        </p:nvCxnSpPr>
+        <p:spPr>
+          <a:xfrm flipV="1">
+            <a:off x="7500135" y="2165678"/>
+            <a:ext cx="1952090" cy="1796265"/>
+          </a:xfrm>
+          <a:prstGeom prst="line">
+            <a:avLst/>
+          </a:prstGeom>
+          <a:ln w="19050">
+            <a:tailEnd type="arrow"/>
+          </a:ln>
+        </p:spPr>
+        <p:style>
+          <a:lnRef idx="1">
+            <a:schemeClr val="accent1"/>
+          </a:lnRef>
+          <a:fillRef idx="0">
+            <a:schemeClr val="accent1"/>
+          </a:fillRef>
+          <a:effectRef idx="0">
+            <a:schemeClr val="accent1"/>
+          </a:effectRef>
+          <a:fontRef idx="minor">
+            <a:schemeClr val="tx1"/>
+          </a:fontRef>
+        </p:style>
+      </p:cxnSp>
+    </p:spTree>
+    <p:extLst>
+      <p:ext uri="{BB962C8B-B14F-4D97-AF65-F5344CB8AC3E}">
+        <p14:creationId xmlns:p14="http://schemas.microsoft.com/office/powerpoint/2010/main" val="2305374949"/>
+      </p:ext>
+    </p:extLst>
+  </p:cSld>
+  <p:clrMapOvr>
+    <a:masterClrMapping/>
+  </p:clrMapOvr>
+</p:sld>
+</file>
+
+<file path=ppt/slides/slide11.xml><?xml version="1.0" encoding="utf-8"?>
+<p:sld xmlns:a="http://schemas.openxmlformats.org/drawingml/2006/main" xmlns:r="http://schemas.openxmlformats.org/officeDocument/2006/relationships" xmlns:p="http://schemas.openxmlformats.org/presentationml/2006/main">
+  <p:cSld>
+    <p:spTree>
+      <p:nvGrpSpPr>
+        <p:cNvPr id="1" name=""/>
+        <p:cNvGrpSpPr/>
+        <p:nvPr/>
+      </p:nvGrpSpPr>
+      <p:grpSpPr>
+        <a:xfrm>
+          <a:off x="0" y="0"/>
+          <a:ext cx="0" cy="0"/>
+          <a:chOff x="0" y="0"/>
+          <a:chExt cx="0" cy="0"/>
+        </a:xfrm>
+      </p:grpSpPr>
+      <p:sp>
+        <p:nvSpPr>
+          <p:cNvPr id="2" name="タイトル 1">
+            <a:extLst>
+              <a:ext uri="{FF2B5EF4-FFF2-40B4-BE49-F238E27FC236}">
+                <a16:creationId xmlns:a16="http://schemas.microsoft.com/office/drawing/2014/main" id="{4350E44F-8D1B-A5FA-A39E-B102D8273D38}"/>
+              </a:ext>
+            </a:extLst>
+          </p:cNvPr>
+          <p:cNvSpPr>
+            <a:spLocks noGrp="1"/>
+          </p:cNvSpPr>
+          <p:nvPr>
+            <p:ph type="title"/>
+          </p:nvPr>
+        </p:nvSpPr>
+        <p:spPr>
+          <a:xfrm>
+            <a:off x="919119" y="280827"/>
+            <a:ext cx="10353762" cy="684944"/>
+          </a:xfrm>
+        </p:spPr>
+        <p:txBody>
+          <a:bodyPr>
+            <a:normAutofit fontScale="90000"/>
+          </a:bodyPr>
+          <a:lstStyle/>
+          <a:p>
+            <a:r>
+              <a:rPr kumimoji="1" lang="en-US" altLang="ja-JP" dirty="0">
+                <a:solidFill>
+                  <a:schemeClr val="tx1"/>
+                </a:solidFill>
+              </a:rPr>
+              <a:t>Collaborative filtering: SVD</a:t>
+            </a:r>
+            <a:endParaRPr kumimoji="1" lang="ja-JP" altLang="en-US" dirty="0">
+              <a:solidFill>
+                <a:schemeClr val="tx1"/>
+              </a:solidFill>
+            </a:endParaRPr>
+          </a:p>
+        </p:txBody>
+      </p:sp>
+      <p:sp>
+        <p:nvSpPr>
+          <p:cNvPr id="3" name="コンテンツ プレースホルダー 2">
+            <a:extLst>
+              <a:ext uri="{FF2B5EF4-FFF2-40B4-BE49-F238E27FC236}">
+                <a16:creationId xmlns:a16="http://schemas.microsoft.com/office/drawing/2014/main" id="{95DCC4D1-9B47-267C-F16D-029C0CAF16E1}"/>
+              </a:ext>
+            </a:extLst>
+          </p:cNvPr>
+          <p:cNvSpPr>
+            <a:spLocks noGrp="1"/>
+          </p:cNvSpPr>
+          <p:nvPr>
+            <p:ph idx="1"/>
+          </p:nvPr>
+        </p:nvSpPr>
+        <p:spPr>
+          <a:xfrm>
+            <a:off x="913795" y="1243174"/>
+            <a:ext cx="10963880" cy="2085654"/>
+          </a:xfrm>
+        </p:spPr>
+        <p:txBody>
+          <a:bodyPr>
+            <a:normAutofit/>
+          </a:bodyPr>
+          <a:lstStyle/>
+          <a:p>
+            <a:pPr marL="36900" indent="0">
+              <a:buNone/>
+            </a:pPr>
+            <a:r>
+              <a:rPr kumimoji="1" lang="en-US" altLang="ja-JP" sz="2400" b="1" dirty="0">
+                <a:solidFill>
+                  <a:schemeClr val="tx1"/>
+                </a:solidFill>
+              </a:rPr>
+              <a:t>SVD (of </a:t>
+            </a:r>
+            <a:r>
+              <a:rPr kumimoji="1" lang="en-US" altLang="ja-JP" sz="2400" b="1" dirty="0" err="1">
+                <a:solidFill>
+                  <a:schemeClr val="tx1"/>
+                </a:solidFill>
+              </a:rPr>
+              <a:t>numpy</a:t>
+            </a:r>
+            <a:r>
+              <a:rPr kumimoji="1" lang="en-US" altLang="ja-JP" sz="2400" b="1" dirty="0">
+                <a:solidFill>
+                  <a:schemeClr val="tx1"/>
+                </a:solidFill>
+              </a:rPr>
+              <a:t>, </a:t>
+            </a:r>
+            <a:r>
+              <a:rPr kumimoji="1" lang="en-US" altLang="ja-JP" sz="2400" b="1" dirty="0" err="1">
+                <a:solidFill>
+                  <a:schemeClr val="tx1"/>
+                </a:solidFill>
+              </a:rPr>
+              <a:t>sklearn</a:t>
+            </a:r>
+            <a:r>
+              <a:rPr kumimoji="1" lang="en-US" altLang="ja-JP" sz="2400" b="1" dirty="0">
+                <a:solidFill>
+                  <a:schemeClr val="tx1"/>
+                </a:solidFill>
+              </a:rPr>
+              <a:t>)</a:t>
+            </a:r>
+            <a:r>
+              <a:rPr lang="ja-JP" altLang="en-US" sz="2400" b="1" dirty="0">
+                <a:solidFill>
+                  <a:schemeClr val="tx1"/>
+                </a:solidFill>
+              </a:rPr>
+              <a:t> </a:t>
+            </a:r>
+            <a:r>
+              <a:rPr lang="en-US" altLang="ja-JP" sz="2400" b="1" dirty="0">
+                <a:solidFill>
+                  <a:schemeClr val="tx1"/>
+                </a:solidFill>
+              </a:rPr>
+              <a:t>needs</a:t>
+            </a:r>
+            <a:r>
+              <a:rPr lang="ja-JP" altLang="en-US" sz="2400" b="1" dirty="0">
+                <a:solidFill>
+                  <a:schemeClr val="tx1"/>
+                </a:solidFill>
+              </a:rPr>
+              <a:t> </a:t>
+            </a:r>
+            <a:r>
+              <a:rPr lang="en-US" altLang="ja-JP" sz="2400" b="1" dirty="0">
+                <a:solidFill>
+                  <a:schemeClr val="tx1"/>
+                </a:solidFill>
+              </a:rPr>
+              <a:t>rating</a:t>
+            </a:r>
+            <a:r>
+              <a:rPr lang="ja-JP" altLang="en-US" sz="2400" b="1" dirty="0">
+                <a:solidFill>
+                  <a:schemeClr val="tx1"/>
+                </a:solidFill>
+              </a:rPr>
+              <a:t> </a:t>
+            </a:r>
+            <a:r>
+              <a:rPr lang="en-US" altLang="ja-JP" sz="2400" b="1" dirty="0">
+                <a:solidFill>
+                  <a:schemeClr val="tx1"/>
+                </a:solidFill>
+              </a:rPr>
+              <a:t>matrix and NaN shall be imputed</a:t>
+            </a:r>
+            <a:endParaRPr kumimoji="1" lang="en-US" altLang="ja-JP" sz="2400" b="1" dirty="0">
+              <a:solidFill>
+                <a:schemeClr val="tx1"/>
+              </a:solidFill>
+            </a:endParaRPr>
+          </a:p>
+          <a:p>
+            <a:pPr marL="36900" indent="0">
+              <a:buNone/>
+            </a:pPr>
+            <a:r>
+              <a:rPr lang="en-US" altLang="ja-JP" sz="2400" b="1" dirty="0">
+                <a:solidFill>
+                  <a:srgbClr val="FFFF00"/>
+                </a:solidFill>
+              </a:rPr>
+              <a:t>Surprise package’s SVD does not need rating matrix</a:t>
+            </a:r>
+          </a:p>
+          <a:p>
+            <a:pPr marL="36900" indent="0">
+              <a:buNone/>
+            </a:pPr>
+            <a:r>
+              <a:rPr lang="en-US" altLang="ja-JP" sz="2400" b="1" dirty="0">
+                <a:solidFill>
+                  <a:schemeClr val="tx1"/>
+                </a:solidFill>
+              </a:rPr>
+              <a:t>Hyper parameter: </a:t>
+            </a:r>
+            <a:r>
+              <a:rPr lang="en-US" altLang="ja-JP" sz="2400" b="1" dirty="0" err="1">
+                <a:solidFill>
+                  <a:schemeClr val="accent1">
+                    <a:lumMod val="20000"/>
+                    <a:lumOff val="80000"/>
+                  </a:schemeClr>
+                </a:solidFill>
+              </a:rPr>
+              <a:t>n_factor</a:t>
+            </a:r>
+            <a:r>
+              <a:rPr lang="en-US" altLang="ja-JP" sz="2400" b="1" dirty="0">
+                <a:solidFill>
+                  <a:schemeClr val="tx1"/>
+                </a:solidFill>
+              </a:rPr>
+              <a:t>, </a:t>
+            </a:r>
+            <a:r>
+              <a:rPr lang="en-US" altLang="ja-JP" sz="2400" b="1" dirty="0" err="1">
+                <a:solidFill>
+                  <a:schemeClr val="accent1">
+                    <a:lumMod val="20000"/>
+                    <a:lumOff val="80000"/>
+                  </a:schemeClr>
+                </a:solidFill>
+              </a:rPr>
+              <a:t>mix_rate</a:t>
+            </a:r>
+            <a:r>
+              <a:rPr lang="en-US" altLang="ja-JP" sz="2400" b="1" dirty="0">
+                <a:solidFill>
+                  <a:schemeClr val="accent1">
+                    <a:lumMod val="20000"/>
+                    <a:lumOff val="80000"/>
+                  </a:schemeClr>
+                </a:solidFill>
+              </a:rPr>
+              <a:t> </a:t>
+            </a:r>
+            <a:r>
+              <a:rPr lang="en-US" altLang="ja-JP" sz="2400" b="1" dirty="0">
+                <a:solidFill>
+                  <a:schemeClr val="tx1"/>
+                </a:solidFill>
+              </a:rPr>
+              <a:t>for hybridization</a:t>
+            </a:r>
+          </a:p>
+          <a:p>
+            <a:pPr marL="36900" indent="0">
+              <a:buNone/>
+            </a:pPr>
+            <a:endParaRPr kumimoji="1" lang="en-US" altLang="ja-JP" sz="2400" b="1" dirty="0">
+              <a:solidFill>
+                <a:schemeClr val="tx1"/>
+              </a:solidFill>
+            </a:endParaRPr>
+          </a:p>
+          <a:p>
+            <a:pPr marL="36900" indent="0">
+              <a:buNone/>
+            </a:pPr>
+            <a:endParaRPr kumimoji="1" lang="ja-JP" altLang="en-US" sz="2400" dirty="0">
+              <a:solidFill>
+                <a:schemeClr val="tx1"/>
+              </a:solidFill>
+            </a:endParaRPr>
+          </a:p>
+        </p:txBody>
+      </p:sp>
+      <p:pic>
+        <p:nvPicPr>
+          <p:cNvPr id="4098" name="Picture 2">
+            <a:extLst>
+              <a:ext uri="{FF2B5EF4-FFF2-40B4-BE49-F238E27FC236}">
+                <a16:creationId xmlns:a16="http://schemas.microsoft.com/office/drawing/2014/main" id="{92A57616-5C48-76FC-2BE0-DC8B5B02DF79}"/>
+              </a:ext>
+            </a:extLst>
+          </p:cNvPr>
+          <p:cNvPicPr>
+            <a:picLocks noChangeAspect="1" noChangeArrowheads="1"/>
+          </p:cNvPicPr>
+          <p:nvPr/>
+        </p:nvPicPr>
+        <p:blipFill>
+          <a:blip r:embed="rId2">
+            <a:extLst>
+              <a:ext uri="{28A0092B-C50C-407E-A947-70E740481C1C}">
+                <a14:useLocalDpi xmlns:a14="http://schemas.microsoft.com/office/drawing/2010/main" val="0"/>
+              </a:ext>
+            </a:extLst>
+          </a:blip>
+          <a:srcRect/>
+          <a:stretch>
+            <a:fillRect/>
+          </a:stretch>
+        </p:blipFill>
+        <p:spPr bwMode="auto">
+          <a:xfrm>
+            <a:off x="3232240" y="2884507"/>
+            <a:ext cx="5213117" cy="3578387"/>
+          </a:xfrm>
+          <a:prstGeom prst="rect">
+            <a:avLst/>
+          </a:prstGeom>
+          <a:solidFill>
+            <a:schemeClr val="tx1"/>
+          </a:solidFill>
+        </p:spPr>
+      </p:pic>
+      <p:sp>
+        <p:nvSpPr>
+          <p:cNvPr id="4" name="テキスト ボックス 3">
+            <a:extLst>
+              <a:ext uri="{FF2B5EF4-FFF2-40B4-BE49-F238E27FC236}">
+                <a16:creationId xmlns:a16="http://schemas.microsoft.com/office/drawing/2014/main" id="{01E84E7F-E19B-28C4-BE8A-FAC7F7DC0874}"/>
+              </a:ext>
+            </a:extLst>
+          </p:cNvPr>
+          <p:cNvSpPr txBox="1"/>
+          <p:nvPr/>
+        </p:nvSpPr>
+        <p:spPr>
+          <a:xfrm>
+            <a:off x="256853" y="3529173"/>
+            <a:ext cx="2640459" cy="2677656"/>
+          </a:xfrm>
+          <a:prstGeom prst="rect">
+            <a:avLst/>
+          </a:prstGeom>
+          <a:noFill/>
+        </p:spPr>
+        <p:txBody>
+          <a:bodyPr wrap="square" rtlCol="0">
+            <a:spAutoFit/>
+          </a:bodyPr>
+          <a:lstStyle/>
+          <a:p>
+            <a:r>
+              <a:rPr kumimoji="1" lang="en-US" altLang="ja-JP" sz="2400" dirty="0"/>
+              <a:t>Best params:</a:t>
+            </a:r>
+          </a:p>
+          <a:p>
+            <a:pPr marL="342900" indent="-342900">
+              <a:buFont typeface="Arial" panose="020B0604020202020204" pitchFamily="34" charset="0"/>
+              <a:buChar char="•"/>
+            </a:pPr>
+            <a:r>
+              <a:rPr kumimoji="1" lang="en-US" altLang="ja-JP" sz="2400" dirty="0" err="1"/>
+              <a:t>n_factor</a:t>
+            </a:r>
+            <a:r>
+              <a:rPr kumimoji="1" lang="en-US" altLang="ja-JP" sz="2400" dirty="0"/>
+              <a:t> = 25</a:t>
+            </a:r>
+          </a:p>
+          <a:p>
+            <a:pPr marL="342900" indent="-342900">
+              <a:buFont typeface="Arial" panose="020B0604020202020204" pitchFamily="34" charset="0"/>
+              <a:buChar char="•"/>
+            </a:pPr>
+            <a:r>
+              <a:rPr kumimoji="1" lang="en-US" altLang="ja-JP" sz="2400" dirty="0" err="1"/>
+              <a:t>mix_rate</a:t>
+            </a:r>
+            <a:r>
+              <a:rPr kumimoji="1" lang="en-US" altLang="ja-JP" sz="2400" dirty="0"/>
+              <a:t> = 0.5</a:t>
+            </a:r>
+          </a:p>
+          <a:p>
+            <a:pPr marL="342900" indent="-342900">
+              <a:buFont typeface="Arial" panose="020B0604020202020204" pitchFamily="34" charset="0"/>
+              <a:buChar char="•"/>
+            </a:pPr>
+            <a:endParaRPr kumimoji="1" lang="en-US" altLang="ja-JP" sz="2400" dirty="0"/>
+          </a:p>
+          <a:p>
+            <a:pPr marL="342900" indent="-342900">
+              <a:buFont typeface="Arial" panose="020B0604020202020204" pitchFamily="34" charset="0"/>
+              <a:buChar char="•"/>
+            </a:pPr>
+            <a:endParaRPr kumimoji="1" lang="en-US" altLang="ja-JP" sz="2400" dirty="0"/>
+          </a:p>
+          <a:p>
+            <a:r>
+              <a:rPr kumimoji="1" lang="en-US" altLang="ja-JP" sz="2400" dirty="0"/>
+              <a:t>AUC: 0.6659</a:t>
+            </a:r>
+          </a:p>
+          <a:p>
+            <a:r>
+              <a:rPr kumimoji="1" lang="en-US" altLang="ja-JP" sz="2400" dirty="0"/>
+              <a:t>(0.6565</a:t>
+            </a:r>
+            <a:r>
+              <a:rPr kumimoji="1" lang="en-US" altLang="ja-JP" sz="2400" b="1" dirty="0"/>
+              <a:t> + </a:t>
+            </a:r>
+            <a:r>
+              <a:rPr kumimoji="1" lang="en-US" altLang="ja-JP" sz="2400" dirty="0"/>
+              <a:t>0.013)</a:t>
+            </a:r>
+          </a:p>
+        </p:txBody>
+      </p:sp>
+      <p:cxnSp>
+        <p:nvCxnSpPr>
+          <p:cNvPr id="5" name="直線矢印コネクタ 4">
+            <a:extLst>
+              <a:ext uri="{FF2B5EF4-FFF2-40B4-BE49-F238E27FC236}">
+                <a16:creationId xmlns:a16="http://schemas.microsoft.com/office/drawing/2014/main" id="{0E72E41E-684D-99E4-E131-0B29B16873E9}"/>
+              </a:ext>
+            </a:extLst>
+          </p:cNvPr>
+          <p:cNvCxnSpPr>
+            <a:cxnSpLocks/>
+          </p:cNvCxnSpPr>
+          <p:nvPr/>
+        </p:nvCxnSpPr>
+        <p:spPr>
+          <a:xfrm flipV="1">
+            <a:off x="4972050" y="3309778"/>
+            <a:ext cx="323850" cy="71597"/>
+          </a:xfrm>
+          <a:prstGeom prst="straightConnector1">
+            <a:avLst/>
+          </a:prstGeom>
+          <a:ln>
+            <a:tailEnd type="triangle"/>
+          </a:ln>
+        </p:spPr>
+        <p:style>
+          <a:lnRef idx="1">
+            <a:schemeClr val="accent1"/>
+          </a:lnRef>
+          <a:fillRef idx="0">
+            <a:schemeClr val="accent1"/>
+          </a:fillRef>
+          <a:effectRef idx="0">
+            <a:schemeClr val="accent1"/>
+          </a:effectRef>
+          <a:fontRef idx="minor">
+            <a:schemeClr val="tx1"/>
+          </a:fontRef>
+        </p:style>
+      </p:cxnSp>
+    </p:spTree>
+    <p:extLst>
+      <p:ext uri="{BB962C8B-B14F-4D97-AF65-F5344CB8AC3E}">
+        <p14:creationId xmlns:p14="http://schemas.microsoft.com/office/powerpoint/2010/main" val="3205628383"/>
+      </p:ext>
+    </p:extLst>
+  </p:cSld>
+  <p:clrMapOvr>
+    <a:masterClrMapping/>
+  </p:clrMapOvr>
+</p:sld>
+</file>
+
+<file path=ppt/slides/slide12.xml><?xml version="1.0" encoding="utf-8"?>
+<p:sld xmlns:a="http://schemas.openxmlformats.org/drawingml/2006/main" xmlns:r="http://schemas.openxmlformats.org/officeDocument/2006/relationships" xmlns:p="http://schemas.openxmlformats.org/presentationml/2006/main">
+  <p:cSld>
+    <p:spTree>
+      <p:nvGrpSpPr>
+        <p:cNvPr id="1" name=""/>
+        <p:cNvGrpSpPr/>
+        <p:nvPr/>
+      </p:nvGrpSpPr>
+      <p:grpSpPr>
+        <a:xfrm>
+          <a:off x="0" y="0"/>
+          <a:ext cx="0" cy="0"/>
+          <a:chOff x="0" y="0"/>
+          <a:chExt cx="0" cy="0"/>
+        </a:xfrm>
+      </p:grpSpPr>
+      <p:sp>
+        <p:nvSpPr>
+          <p:cNvPr id="2" name="タイトル 1">
+            <a:extLst>
+              <a:ext uri="{FF2B5EF4-FFF2-40B4-BE49-F238E27FC236}">
                 <a16:creationId xmlns:a16="http://schemas.microsoft.com/office/drawing/2014/main" id="{4350E44F-8D1B-A5FA-A39E-B102D8273D38}"/>
               </a:ext>
             </a:extLst>
@@ -6578,7 +7979,19 @@
           <a:p>
             <a:r>
               <a:rPr kumimoji="1" lang="en-US" altLang="ja-JP" sz="2400" dirty="0"/>
-              <a:t>1. Calculation of similarity from rating data</a:t>
+              <a:t>1. Calculate similarity from rating data (</a:t>
+            </a:r>
+            <a:r>
+              <a:rPr kumimoji="1" lang="en-US" altLang="ja-JP" sz="2400" dirty="0">
+                <a:solidFill>
+                  <a:srgbClr val="FFFF00"/>
+                </a:solidFill>
+              </a:rPr>
+              <a:t>RAM issue</a:t>
+            </a:r>
+            <a:r>
+              <a:rPr kumimoji="1" lang="en-US" altLang="ja-JP" sz="2400" dirty="0"/>
+              <a:t>)</a:t>
             </a:r>
           </a:p>
           <a:p>
@@ -6612,7 +8025,7 @@
         </p:nvSpPr>
         <p:spPr>
           <a:xfrm>
-            <a:off x="3690554" y="5693058"/>
+            <a:off x="1759012" y="5682784"/>
             <a:ext cx="6203460" cy="461665"/>
           </a:xfrm>
           <a:prstGeom prst="rect">
@@ -6655,7 +8068,7 @@
 </p:sld>
 </file>
 
-<file path=ppt/slides/slide11.xml><?xml version="1.0" encoding="utf-8"?>
+<file path=ppt/slides/slide13.xml><?xml version="1.0" encoding="utf-8"?>
 <p:sld xmlns:a="http://schemas.openxmlformats.org/drawingml/2006/main" xmlns:r="http://schemas.openxmlformats.org/officeDocument/2006/relationships" xmlns:p="http://schemas.openxmlformats.org/presentationml/2006/main">
   <p:cSld>
     <p:spTree>
@@ -6743,7 +8156,7 @@
         </p:blipFill>
         <p:spPr bwMode="auto">
           <a:xfrm>
-            <a:off x="1170648" y="1491893"/>
+            <a:off x="369161" y="1419974"/>
             <a:ext cx="9201256" cy="3874213"/>
           </a:xfrm>
           <a:prstGeom prst="rect">
@@ -6756,10 +8169,10 @@
       </p:pic>
       <p:sp>
         <p:nvSpPr>
-          <p:cNvPr id="4" name="テキスト ボックス 3">
+          <p:cNvPr id="5" name="テキスト ボックス 4">
             <a:extLst>
               <a:ext uri="{FF2B5EF4-FFF2-40B4-BE49-F238E27FC236}">
-                <a16:creationId xmlns:a16="http://schemas.microsoft.com/office/drawing/2014/main" id="{61582CD7-0A54-509A-9CD0-52FEFF7F4DA6}"/>
+                <a16:creationId xmlns:a16="http://schemas.microsoft.com/office/drawing/2014/main" id="{5C0560A4-1891-0127-7017-F83766E221AF}"/>
               </a:ext>
             </a:extLst>
           </p:cNvPr>
@@ -6768,8 +8181,8 @@
         </p:nvSpPr>
         <p:spPr>
           <a:xfrm>
-            <a:off x="7202185" y="5763264"/>
-            <a:ext cx="4171307" cy="461665"/>
+            <a:off x="3181073" y="3006799"/>
+            <a:ext cx="1714500" cy="338554"/>
           </a:xfrm>
           <a:prstGeom prst="rect">
             <a:avLst/>
@@ -6783,27 +8196,139 @@
           <a:lstStyle/>
           <a:p>
             <a:r>
-              <a:rPr kumimoji="1" lang="en-US" altLang="ja-JP" sz="2400" dirty="0"/>
-              <a:t>Target: </a:t>
-            </a:r>
-            <a:r>
-              <a:rPr kumimoji="1" lang="en-US" altLang="ja-JP" sz="2400" dirty="0" err="1"/>
-              <a:t>auc</a:t>
-            </a:r>
-            <a:r>
-              <a:rPr kumimoji="1" lang="en-US" altLang="ja-JP" sz="2400" dirty="0"/>
-              <a:t> &gt; 0.66 is achieved</a:t>
-            </a:r>
-            <a:endParaRPr kumimoji="1" lang="ja-JP" altLang="en-US" sz="2400" dirty="0"/>
+              <a:rPr kumimoji="1" lang="en-US" altLang="ja-JP" sz="1600" dirty="0" err="1">
+                <a:solidFill>
+                  <a:schemeClr val="bg1"/>
+                </a:solidFill>
+              </a:rPr>
+              <a:t>mix_rate</a:t>
+            </a:r>
+            <a:r>
+              <a:rPr kumimoji="1" lang="en-US" altLang="ja-JP" sz="1600" dirty="0">
+                <a:solidFill>
+                  <a:schemeClr val="bg1"/>
+                </a:solidFill>
+              </a:rPr>
+              <a:t> =1</a:t>
+            </a:r>
+            <a:endParaRPr kumimoji="1" lang="ja-JP" altLang="en-US" sz="1600" dirty="0">
+              <a:solidFill>
+                <a:schemeClr val="bg1"/>
+              </a:solidFill>
+            </a:endParaRPr>
+          </a:p>
+        </p:txBody>
+      </p:sp>
+      <p:sp>
+        <p:nvSpPr>
+          <p:cNvPr id="7" name="テキスト ボックス 6">
+            <a:extLst>
+              <a:ext uri="{FF2B5EF4-FFF2-40B4-BE49-F238E27FC236}">
+                <a16:creationId xmlns:a16="http://schemas.microsoft.com/office/drawing/2014/main" id="{5D6B1A20-552B-A344-2631-5DD61FF93998}"/>
+              </a:ext>
+            </a:extLst>
+          </p:cNvPr>
+          <p:cNvSpPr txBox="1"/>
+          <p:nvPr/>
+        </p:nvSpPr>
+        <p:spPr>
+          <a:xfrm>
+            <a:off x="3121939" y="3878116"/>
+            <a:ext cx="1714500" cy="338554"/>
+          </a:xfrm>
+          <a:prstGeom prst="rect">
+            <a:avLst/>
+          </a:prstGeom>
+          <a:noFill/>
+        </p:spPr>
+        <p:txBody>
+          <a:bodyPr wrap="square" rtlCol="0">
+            <a:spAutoFit/>
+          </a:bodyPr>
+          <a:lstStyle/>
+          <a:p>
+            <a:r>
+              <a:rPr kumimoji="1" lang="en-US" altLang="ja-JP" sz="1600" dirty="0" err="1">
+                <a:solidFill>
+                  <a:schemeClr val="bg1"/>
+                </a:solidFill>
+              </a:rPr>
+              <a:t>mix_rate</a:t>
+            </a:r>
+            <a:r>
+              <a:rPr kumimoji="1" lang="en-US" altLang="ja-JP" sz="1600" dirty="0">
+                <a:solidFill>
+                  <a:schemeClr val="bg1"/>
+                </a:solidFill>
+              </a:rPr>
+              <a:t> =0.5</a:t>
+            </a:r>
+            <a:endParaRPr kumimoji="1" lang="ja-JP" altLang="en-US" sz="1600" dirty="0">
+              <a:solidFill>
+                <a:schemeClr val="bg1"/>
+              </a:solidFill>
+            </a:endParaRPr>
+          </a:p>
+        </p:txBody>
+      </p:sp>
+      <p:sp>
+        <p:nvSpPr>
+          <p:cNvPr id="8" name="テキスト ボックス 7">
+            <a:extLst>
+              <a:ext uri="{FF2B5EF4-FFF2-40B4-BE49-F238E27FC236}">
+                <a16:creationId xmlns:a16="http://schemas.microsoft.com/office/drawing/2014/main" id="{115D7BDF-3970-F0AE-0F93-27FB79F416BE}"/>
+              </a:ext>
+            </a:extLst>
+          </p:cNvPr>
+          <p:cNvSpPr txBox="1"/>
+          <p:nvPr/>
+        </p:nvSpPr>
+        <p:spPr>
+          <a:xfrm>
+            <a:off x="3255289" y="4747641"/>
+            <a:ext cx="1714500" cy="338554"/>
+          </a:xfrm>
+          <a:prstGeom prst="rect">
+            <a:avLst/>
+          </a:prstGeom>
+          <a:noFill/>
+        </p:spPr>
+        <p:txBody>
+          <a:bodyPr wrap="square" rtlCol="0">
+            <a:spAutoFit/>
+          </a:bodyPr>
+          <a:lstStyle/>
+          <a:p>
+            <a:r>
+              <a:rPr kumimoji="1" lang="en-US" altLang="ja-JP" sz="1600" dirty="0" err="1">
+                <a:solidFill>
+                  <a:schemeClr val="bg1"/>
+                </a:solidFill>
+              </a:rPr>
+              <a:t>mix_rate</a:t>
+            </a:r>
+            <a:r>
+              <a:rPr kumimoji="1" lang="en-US" altLang="ja-JP" sz="1600" dirty="0">
+                <a:solidFill>
+                  <a:schemeClr val="bg1"/>
+                </a:solidFill>
+              </a:rPr>
+              <a:t> =0.5</a:t>
+            </a:r>
+            <a:endParaRPr kumimoji="1" lang="ja-JP" altLang="en-US" sz="1600" dirty="0">
+              <a:solidFill>
+                <a:schemeClr val="bg1"/>
+              </a:solidFill>
+            </a:endParaRPr>
           </a:p>
         </p:txBody>
       </p:sp>
       <p:cxnSp>
         <p:nvCxnSpPr>
-          <p:cNvPr id="6" name="直線矢印コネクタ 5">
+          <p:cNvPr id="10" name="直線コネクタ 9">
             <a:extLst>
               <a:ext uri="{FF2B5EF4-FFF2-40B4-BE49-F238E27FC236}">
-                <a16:creationId xmlns:a16="http://schemas.microsoft.com/office/drawing/2014/main" id="{76AA53BE-5E32-DC61-0127-8056BF4E76BE}"/>
+                <a16:creationId xmlns:a16="http://schemas.microsoft.com/office/drawing/2014/main" id="{F5B650A5-6BDC-2EE6-A246-287DD2CBD5A6}"/>
               </a:ext>
             </a:extLst>
           </p:cNvPr>
@@ -6813,17 +8338,181 @@
           <p:nvPr/>
         </p:nvCxnSpPr>
         <p:spPr>
-          <a:xfrm flipV="1">
-            <a:off x="9370031" y="5047876"/>
-            <a:ext cx="0" cy="636460"/>
-          </a:xfrm>
-          <a:prstGeom prst="straightConnector1">
+          <a:xfrm>
+            <a:off x="8568544" y="3017674"/>
+            <a:ext cx="0" cy="1539467"/>
+          </a:xfrm>
+          <a:prstGeom prst="line">
             <a:avLst/>
           </a:prstGeom>
           <a:ln w="19050">
             <a:solidFill>
               <a:srgbClr val="FF0000"/>
             </a:solidFill>
+            <a:prstDash val="dash"/>
+            <a:tailEnd type="none"/>
+          </a:ln>
+        </p:spPr>
+        <p:style>
+          <a:lnRef idx="1">
+            <a:schemeClr val="accent1"/>
+          </a:lnRef>
+          <a:fillRef idx="0">
+            <a:schemeClr val="accent1"/>
+          </a:fillRef>
+          <a:effectRef idx="0">
+            <a:schemeClr val="accent1"/>
+          </a:effectRef>
+          <a:fontRef idx="minor">
+            <a:schemeClr val="tx1"/>
+          </a:fontRef>
+        </p:style>
+      </p:cxnSp>
+      <p:sp>
+        <p:nvSpPr>
+          <p:cNvPr id="11" name="テキスト ボックス 10">
+            <a:extLst>
+              <a:ext uri="{FF2B5EF4-FFF2-40B4-BE49-F238E27FC236}">
+                <a16:creationId xmlns:a16="http://schemas.microsoft.com/office/drawing/2014/main" id="{6D79E380-D815-6880-73DB-049C8A3472A6}"/>
+              </a:ext>
+            </a:extLst>
+          </p:cNvPr>
+          <p:cNvSpPr txBox="1"/>
+          <p:nvPr/>
+        </p:nvSpPr>
+        <p:spPr>
+          <a:xfrm>
+            <a:off x="8157064" y="2553720"/>
+            <a:ext cx="1188720" cy="369332"/>
+          </a:xfrm>
+          <a:prstGeom prst="rect">
+            <a:avLst/>
+          </a:prstGeom>
+          <a:noFill/>
+        </p:spPr>
+        <p:txBody>
+          <a:bodyPr wrap="square" rtlCol="0">
+            <a:spAutoFit/>
+          </a:bodyPr>
+          <a:lstStyle/>
+          <a:p>
+            <a:r>
+              <a:rPr kumimoji="1" lang="en-US" altLang="ja-JP" dirty="0">
+                <a:solidFill>
+                  <a:srgbClr val="FF0000"/>
+                </a:solidFill>
+              </a:rPr>
+              <a:t>target</a:t>
+            </a:r>
+            <a:endParaRPr kumimoji="1" lang="ja-JP" altLang="en-US" dirty="0">
+              <a:solidFill>
+                <a:srgbClr val="FF0000"/>
+              </a:solidFill>
+            </a:endParaRPr>
+          </a:p>
+        </p:txBody>
+      </p:sp>
+      <p:cxnSp>
+        <p:nvCxnSpPr>
+          <p:cNvPr id="4" name="直線矢印コネクタ 3">
+            <a:extLst>
+              <a:ext uri="{FF2B5EF4-FFF2-40B4-BE49-F238E27FC236}">
+                <a16:creationId xmlns:a16="http://schemas.microsoft.com/office/drawing/2014/main" id="{A603D6D0-A439-551E-F183-6520E95499CF}"/>
+              </a:ext>
+            </a:extLst>
+          </p:cNvPr>
+          <p:cNvCxnSpPr/>
+          <p:nvPr/>
+        </p:nvCxnSpPr>
+        <p:spPr>
+          <a:xfrm flipV="1">
+            <a:off x="3838575" y="4615374"/>
+            <a:ext cx="207289" cy="204276"/>
+          </a:xfrm>
+          <a:prstGeom prst="straightConnector1">
+            <a:avLst/>
+          </a:prstGeom>
+          <a:ln>
+            <a:tailEnd type="triangle"/>
+          </a:ln>
+        </p:spPr>
+        <p:style>
+          <a:lnRef idx="1">
+            <a:schemeClr val="accent1"/>
+          </a:lnRef>
+          <a:fillRef idx="0">
+            <a:schemeClr val="accent1"/>
+          </a:fillRef>
+          <a:effectRef idx="0">
+            <a:schemeClr val="accent1"/>
+          </a:effectRef>
+          <a:fontRef idx="minor">
+            <a:schemeClr val="tx1"/>
+          </a:fontRef>
+        </p:style>
+      </p:cxnSp>
+      <p:cxnSp>
+        <p:nvCxnSpPr>
+          <p:cNvPr id="6" name="直線矢印コネクタ 5">
+            <a:extLst>
+              <a:ext uri="{FF2B5EF4-FFF2-40B4-BE49-F238E27FC236}">
+                <a16:creationId xmlns:a16="http://schemas.microsoft.com/office/drawing/2014/main" id="{DFC5AD74-C8E4-71A5-E6A3-729A5A8DAA92}"/>
+              </a:ext>
+            </a:extLst>
+          </p:cNvPr>
+          <p:cNvCxnSpPr/>
+          <p:nvPr/>
+        </p:nvCxnSpPr>
+        <p:spPr>
+          <a:xfrm flipV="1">
+            <a:off x="3771900" y="3748599"/>
+            <a:ext cx="207289" cy="204276"/>
+          </a:xfrm>
+          <a:prstGeom prst="straightConnector1">
+            <a:avLst/>
+          </a:prstGeom>
+          <a:ln>
+            <a:tailEnd type="triangle"/>
+          </a:ln>
+        </p:spPr>
+        <p:style>
+          <a:lnRef idx="1">
+            <a:schemeClr val="accent1"/>
+          </a:lnRef>
+          <a:fillRef idx="0">
+            <a:schemeClr val="accent1"/>
+          </a:fillRef>
+          <a:effectRef idx="0">
+            <a:schemeClr val="accent1"/>
+          </a:effectRef>
+          <a:fontRef idx="minor">
+            <a:schemeClr val="tx1"/>
+          </a:fontRef>
+        </p:style>
+      </p:cxnSp>
+      <p:cxnSp>
+        <p:nvCxnSpPr>
+          <p:cNvPr id="9" name="直線矢印コネクタ 8">
+            <a:extLst>
+              <a:ext uri="{FF2B5EF4-FFF2-40B4-BE49-F238E27FC236}">
+                <a16:creationId xmlns:a16="http://schemas.microsoft.com/office/drawing/2014/main" id="{58454F3B-5377-69F9-1CCF-DF146448ED14}"/>
+              </a:ext>
+            </a:extLst>
+          </p:cNvPr>
+          <p:cNvCxnSpPr>
+            <a:cxnSpLocks/>
+          </p:cNvCxnSpPr>
+          <p:nvPr/>
+        </p:nvCxnSpPr>
+        <p:spPr>
+          <a:xfrm flipV="1">
+            <a:off x="3838575" y="2879532"/>
+            <a:ext cx="122417" cy="229869"/>
+          </a:xfrm>
+          <a:prstGeom prst="straightConnector1">
+            <a:avLst/>
+          </a:prstGeom>
+          <a:ln>
             <a:tailEnd type="triangle"/>
           </a:ln>
         </p:spPr>
@@ -6855,7 +8544,7 @@
 </p:sld>
 </file>
 
-<file path=ppt/slides/slide12.xml><?xml version="1.0" encoding="utf-8"?>
+<file path=ppt/slides/slide14.xml><?xml version="1.0" encoding="utf-8"?>
 <p:sld xmlns:a="http://schemas.openxmlformats.org/drawingml/2006/main" xmlns:r="http://schemas.openxmlformats.org/officeDocument/2006/relationships" xmlns:p="http://schemas.openxmlformats.org/presentationml/2006/main">
   <p:cSld>
     <p:spTree>
@@ -6925,7 +8614,12 @@
             <p:ph idx="1"/>
           </p:nvPr>
         </p:nvSpPr>
-        <p:spPr/>
+        <p:spPr>
+          <a:xfrm>
+            <a:off x="913795" y="1732449"/>
+            <a:ext cx="10757648" cy="4058751"/>
+          </a:xfrm>
+        </p:spPr>
         <p:txBody>
           <a:bodyPr>
             <a:normAutofit/>
@@ -6938,7 +8632,7 @@
                   <a:schemeClr val="tx1"/>
                 </a:solidFill>
               </a:rPr>
-              <a:t>Cold start problem and RAM limitation are solved by Hybridization </a:t>
+              <a:t>Hybridization solved cold-start problem.</a:t>
             </a:r>
           </a:p>
           <a:p>
@@ -6948,7 +8642,7 @@
                   <a:schemeClr val="tx1"/>
                 </a:solidFill>
               </a:rPr>
-              <a:t>E</a:t>
+              <a:t>Effect of ensemble </a:t>
             </a:r>
             <a:r>
               <a:rPr lang="en-US" altLang="ja-JP" sz="2400" b="1" dirty="0">
@@ -6956,21 +8650,42 @@
                   <a:schemeClr val="tx1"/>
                 </a:solidFill>
               </a:rPr>
-              <a:t>nsemble is more effective than single predictors</a:t>
-            </a:r>
-          </a:p>
-          <a:p>
+              <a:t>is confirmed</a:t>
+            </a:r>
+            <a:endParaRPr lang="en-US" altLang="ja-JP" sz="2400" b="1" dirty="0">
+              <a:solidFill>
+                <a:srgbClr val="FFFF00"/>
+              </a:solidFill>
+            </a:endParaRPr>
+          </a:p>
+          <a:p>
+            <a:r>
+              <a:rPr lang="en-US" altLang="ja-JP" sz="2400" b="1" dirty="0">
+                <a:solidFill>
+                  <a:schemeClr val="tx1"/>
+                </a:solidFill>
+              </a:rPr>
+              <a:t>Efficiency of s</a:t>
+            </a:r>
             <a:r>
               <a:rPr kumimoji="1" lang="en-US" altLang="ja-JP" sz="2400" b="1" dirty="0">
                 <a:solidFill>
                   <a:schemeClr val="tx1"/>
                 </a:solidFill>
               </a:rPr>
-              <a:t>Surprise’s SVD is efficient in computation and accuracy</a:t>
+              <a:t>urprise’s SVD: </a:t>
+            </a:r>
+            <a:r>
+              <a:rPr kumimoji="1" lang="en-US" altLang="ja-JP" sz="2400" b="1" dirty="0">
+                <a:solidFill>
+                  <a:srgbClr val="FFFF00"/>
+                </a:solidFill>
+              </a:rPr>
+              <a:t>It does not need rating matrix</a:t>
             </a:r>
             <a:endParaRPr kumimoji="1" lang="ja-JP" altLang="en-US" sz="2400" b="1" dirty="0">
               <a:solidFill>
-                <a:schemeClr val="tx1"/>
+                <a:srgbClr val="FFFF00"/>
               </a:solidFill>
             </a:endParaRPr>
           </a:p>
@@ -7234,12 +8949,14 @@
         </p:nvSpPr>
         <p:spPr>
           <a:xfrm>
-            <a:off x="913794" y="1016001"/>
-            <a:ext cx="10572713" cy="3233877"/>
-          </a:xfrm>
-        </p:spPr>
-        <p:txBody>
-          <a:bodyPr/>
+            <a:off x="978593" y="1048199"/>
+            <a:ext cx="10100097" cy="3233876"/>
+          </a:xfrm>
+        </p:spPr>
+        <p:txBody>
+          <a:bodyPr>
+            <a:normAutofit/>
+          </a:bodyPr>
           <a:lstStyle/>
           <a:p>
             <a:pPr marL="36900" indent="0">
@@ -7251,7 +8968,7 @@
                   <a:schemeClr val="tx1"/>
                 </a:solidFill>
               </a:rPr>
-              <a:t>Purpose: To predict user rating of songs 0 – 1 (liked) in probability</a:t>
+              <a:t>Purpose: To predict user liked song or not in probability</a:t>
             </a:r>
             <a:r>
               <a:rPr lang="en-US" altLang="ja-JP" b="1" dirty="0">
@@ -7273,34 +8990,24 @@
             <a:r>
               <a:rPr lang="en-US" altLang="ja-JP" b="1" dirty="0">
                 <a:solidFill>
-                  <a:schemeClr val="accent1">
-                    <a:lumMod val="40000"/>
-                    <a:lumOff val="60000"/>
-                  </a:schemeClr>
+                  <a:srgbClr val="FFFF00"/>
                 </a:solidFill>
               </a:rPr>
-              <a:t>Target: AUC &gt; 0.66</a:t>
-            </a:r>
-            <a:r>
-              <a:rPr lang="en-US" altLang="ja-JP" b="1" dirty="0"/>
-              <a:t> </a:t>
-            </a:r>
+              <a:t>Target: AUC &gt; 0.66 by Unsupervised approach</a:t>
+            </a:r>
+          </a:p>
+          <a:p>
+            <a:pPr marL="36900" indent="0">
+              <a:buNone/>
+            </a:pPr>
             <a:r>
               <a:rPr lang="en-US" altLang="ja-JP" b="1" dirty="0">
                 <a:solidFill>
-                  <a:schemeClr val="accent1">
-                    <a:lumMod val="40000"/>
-                    <a:lumOff val="60000"/>
-                  </a:schemeClr>
+                  <a:schemeClr val="tx1"/>
                 </a:solidFill>
               </a:rPr>
-              <a:t>by Unsupervised approach</a:t>
-            </a:r>
-          </a:p>
-          <a:p>
-            <a:pPr marL="36900" indent="0">
-              <a:buNone/>
-            </a:pPr>
+              <a:t>		</a:t>
+            </a:r>
             <a:r>
               <a:rPr lang="en-US" altLang="ja-JP" b="1" dirty="0" err="1">
                 <a:solidFill>
@@ -7315,7 +9022,23 @@
                   <a:schemeClr val="tx1"/>
                 </a:solidFill>
               </a:rPr>
-              <a:t> Benchmark = 0.613, My RF = 0.653</a:t>
+              <a:t> Benchmark = 0.613, My </a:t>
+            </a:r>
+            <a:r>
+              <a:rPr lang="en-US" altLang="ja-JP" b="1" dirty="0" err="1">
+                <a:solidFill>
+                  <a:schemeClr val="tx1"/>
+                </a:solidFill>
+              </a:rPr>
+              <a:t>RandomForest</a:t>
+            </a:r>
+            <a:r>
+              <a:rPr lang="en-US" altLang="ja-JP" b="1" dirty="0">
+                <a:solidFill>
+                  <a:schemeClr val="tx1"/>
+                </a:solidFill>
+              </a:rPr>
+              <a:t> = 0.65998</a:t>
             </a:r>
           </a:p>
           <a:p>
@@ -7328,7 +9051,7 @@
                   <a:schemeClr val="tx1"/>
                 </a:solidFill>
               </a:rPr>
-              <a:t>Problem:  </a:t>
+              <a:t>Problem:  	</a:t>
             </a:r>
             <a:r>
               <a:rPr lang="fr-FR" altLang="ja-JP" b="1" dirty="0">
@@ -7336,7 +9059,7 @@
                   <a:schemeClr val="tx1"/>
                 </a:solidFill>
               </a:rPr>
-              <a:t>419,781 songs,  34,403 users  </a:t>
+              <a:t>419,781 songs,  34,403 users </a:t>
             </a:r>
             <a:r>
               <a:rPr lang="fr-FR" altLang="ja-JP" b="1" dirty="0">
@@ -7345,16 +9068,24 @@
                 </a:solidFill>
                 <a:sym typeface="Wingdings" panose="05000000000000000000" pitchFamily="2" charset="2"/>
               </a:rPr>
-              <a:t> </a:t>
+              <a:t></a:t>
             </a:r>
             <a:r>
               <a:rPr lang="fr-FR" altLang="ja-JP" b="1" dirty="0">
                 <a:solidFill>
-                  <a:srgbClr val="FFC000"/>
+                  <a:schemeClr val="tx1"/>
+                </a:solidFill>
+              </a:rPr>
+              <a:t> </a:t>
+            </a:r>
+            <a:r>
+              <a:rPr lang="fr-FR" altLang="ja-JP" b="1" dirty="0">
+                <a:solidFill>
+                  <a:srgbClr val="FFFF00"/>
                 </a:solidFill>
                 <a:sym typeface="Wingdings" panose="05000000000000000000" pitchFamily="2" charset="2"/>
               </a:rPr>
-              <a:t>full rating matrix needs 100GB RAM</a:t>
+              <a:t>rating matrix needs 100GB RAM</a:t>
             </a:r>
           </a:p>
           <a:p>
@@ -7367,28 +9098,46 @@
                   <a:schemeClr val="tx1"/>
                 </a:solidFill>
               </a:rPr>
-              <a:t>Rare items and users, new items and users in test data </a:t>
+              <a:t>			Rare items and users </a:t>
+            </a:r>
+            <a:r>
+              <a:rPr lang="en-US" altLang="ja-JP" b="1" dirty="0">
+                <a:solidFill>
+                  <a:schemeClr val="tx1"/>
+                </a:solidFill>
+                <a:sym typeface="Wingdings" panose="05000000000000000000" pitchFamily="2" charset="2"/>
+              </a:rPr>
+              <a:t></a:t>
             </a:r>
             <a:r>
               <a:rPr lang="en-US" altLang="ja-JP" b="1" dirty="0">
                 <a:sym typeface="Wingdings" panose="05000000000000000000" pitchFamily="2" charset="2"/>
               </a:rPr>
-              <a:t> </a:t>
+              <a:t> </a:t>
             </a:r>
             <a:r>
               <a:rPr lang="en-US" altLang="ja-JP" b="1" dirty="0">
                 <a:solidFill>
-                  <a:srgbClr val="FFC000"/>
+                  <a:srgbClr val="FFFF00"/>
                 </a:solidFill>
                 <a:sym typeface="Wingdings" panose="05000000000000000000" pitchFamily="2" charset="2"/>
               </a:rPr>
               <a:t>cold start problem</a:t>
             </a:r>
-            <a:endParaRPr lang="en-US" altLang="ja-JP" b="1" dirty="0">
-              <a:solidFill>
-                <a:srgbClr val="FFC000"/>
-              </a:solidFill>
-            </a:endParaRPr>
+          </a:p>
+          <a:p>
+            <a:pPr marL="36900" indent="0">
+              <a:buNone/>
+            </a:pPr>
+            <a:r>
+              <a:rPr lang="en-US" altLang="ja-JP" b="1" dirty="0">
+                <a:solidFill>
+                  <a:schemeClr val="tx1"/>
+                </a:solidFill>
+                <a:sym typeface="Wingdings" panose="05000000000000000000" pitchFamily="2" charset="2"/>
+              </a:rPr>
+              <a:t>Method:  Hybrid Recommender (Content-based + Collaborative filtering)</a:t>
+            </a:r>
           </a:p>
         </p:txBody>
       </p:sp>
@@ -7592,13 +9341,58 @@
       </p:grpSpPr>
       <p:sp>
         <p:nvSpPr>
-          <p:cNvPr id="2" name="タイトル 1">
+          <p:cNvPr id="10" name="テキスト ボックス 9">
             <a:extLst>
               <a:ext uri="{FF2B5EF4-FFF2-40B4-BE49-F238E27FC236}">
-                <a16:creationId xmlns:a16="http://schemas.microsoft.com/office/drawing/2014/main" id="{7728889D-8DD0-68ED-5725-96899479F151}"/>
+                <a16:creationId xmlns:a16="http://schemas.microsoft.com/office/drawing/2014/main" id="{E4BFD1CA-79D5-A391-A0D2-9FEF0299A210}"/>
               </a:ext>
             </a:extLst>
           </p:cNvPr>
+          <p:cNvSpPr txBox="1"/>
+          <p:nvPr/>
+        </p:nvSpPr>
+        <p:spPr>
+          <a:xfrm>
+            <a:off x="7762550" y="2370653"/>
+            <a:ext cx="1830826" cy="461665"/>
+          </a:xfrm>
+          <a:prstGeom prst="rect">
+            <a:avLst/>
+          </a:prstGeom>
+          <a:noFill/>
+        </p:spPr>
+        <p:txBody>
+          <a:bodyPr wrap="square" rtlCol="0">
+            <a:spAutoFit/>
+          </a:bodyPr>
+          <a:lstStyle/>
+          <a:p>
+            <a:pPr algn="ctr"/>
+            <a:r>
+              <a:rPr kumimoji="1" lang="en-US" altLang="ja-JP" sz="2400" dirty="0">
+                <a:solidFill>
+                  <a:srgbClr val="FFC000"/>
+                </a:solidFill>
+              </a:rPr>
+              <a:t>No user info</a:t>
+            </a:r>
+            <a:endParaRPr kumimoji="1" lang="ja-JP" altLang="en-US" sz="2400" dirty="0">
+              <a:solidFill>
+                <a:srgbClr val="FFC000"/>
+              </a:solidFill>
+            </a:endParaRPr>
+          </a:p>
+        </p:txBody>
+      </p:sp>
+      <p:sp>
+        <p:nvSpPr>
+          <p:cNvPr id="11" name="タイトル 1">
+            <a:extLst>
+              <a:ext uri="{FF2B5EF4-FFF2-40B4-BE49-F238E27FC236}">
+                <a16:creationId xmlns:a16="http://schemas.microsoft.com/office/drawing/2014/main" id="{C740D4BE-57CF-0FD9-9EEB-13F94B259E0D}"/>
+              </a:ext>
+            </a:extLst>
+          </p:cNvPr>
           <p:cNvSpPr>
             <a:spLocks noGrp="1"/>
           </p:cNvSpPr>
@@ -7608,8 +9402,8 @@
         </p:nvSpPr>
         <p:spPr>
           <a:xfrm>
-            <a:off x="913795" y="304800"/>
-            <a:ext cx="10353762" cy="635000"/>
+            <a:off x="913794" y="223324"/>
+            <a:ext cx="10353762" cy="654121"/>
           </a:xfrm>
         </p:spPr>
         <p:txBody>
@@ -7624,7 +9418,7 @@
                   <a:schemeClr val="tx1"/>
                 </a:solidFill>
               </a:rPr>
-              <a:t>Hybrid Recommender Concept</a:t>
+              <a:t>What is Content-based approach ?</a:t>
             </a:r>
             <a:endParaRPr kumimoji="1" lang="ja-JP" altLang="en-US" dirty="0">
               <a:solidFill>
@@ -7636,503 +9430,229 @@
       </p:sp>
       <p:sp>
         <p:nvSpPr>
-          <p:cNvPr id="6" name="正方形/長方形 5">
+          <p:cNvPr id="15" name="テキスト ボックス 14">
             <a:extLst>
               <a:ext uri="{FF2B5EF4-FFF2-40B4-BE49-F238E27FC236}">
-                <a16:creationId xmlns:a16="http://schemas.microsoft.com/office/drawing/2014/main" id="{3B2FEAED-6A11-33A5-C7A7-E23105F4BCB7}"/>
+                <a16:creationId xmlns:a16="http://schemas.microsoft.com/office/drawing/2014/main" id="{585E0769-843B-8520-FB8A-5AE507CFC44E}"/>
               </a:ext>
             </a:extLst>
           </p:cNvPr>
-          <p:cNvSpPr/>
+          <p:cNvSpPr txBox="1"/>
           <p:nvPr/>
         </p:nvSpPr>
         <p:spPr>
           <a:xfrm>
-            <a:off x="3821987" y="1597917"/>
-            <a:ext cx="1931541" cy="472611"/>
+            <a:off x="6598996" y="3348385"/>
+            <a:ext cx="2517560" cy="400110"/>
           </a:xfrm>
           <a:prstGeom prst="rect">
             <a:avLst/>
           </a:prstGeom>
-        </p:spPr>
-        <p:style>
-          <a:lnRef idx="2">
-            <a:schemeClr val="dk1"/>
-          </a:lnRef>
-          <a:fillRef idx="1">
-            <a:schemeClr val="lt1"/>
-          </a:fillRef>
-          <a:effectRef idx="0">
-            <a:schemeClr val="dk1"/>
-          </a:effectRef>
-          <a:fontRef idx="minor">
-            <a:schemeClr val="dk1"/>
-          </a:fontRef>
-        </p:style>
-        <p:txBody>
-          <a:bodyPr rtlCol="0" anchor="ctr"/>
+          <a:noFill/>
+        </p:spPr>
+        <p:txBody>
+          <a:bodyPr wrap="square" rtlCol="0">
+            <a:spAutoFit/>
+          </a:bodyPr>
           <a:lstStyle/>
           <a:p>
             <a:pPr algn="ctr"/>
             <a:r>
-              <a:rPr kumimoji="1" lang="en-US" altLang="ja-JP" b="1" dirty="0"/>
-              <a:t>Rare item</a:t>
-            </a:r>
-            <a:endParaRPr kumimoji="1" lang="ja-JP" altLang="en-US" b="1" dirty="0"/>
-          </a:p>
-        </p:txBody>
-      </p:sp>
-      <p:sp>
-        <p:nvSpPr>
-          <p:cNvPr id="7" name="正方形/長方形 6">
+              <a:rPr kumimoji="1" lang="en-US" altLang="ja-JP" sz="2000" b="1" dirty="0"/>
+              <a:t>Popular products</a:t>
+            </a:r>
+            <a:endParaRPr kumimoji="1" lang="ja-JP" altLang="en-US" sz="2000" b="1" dirty="0"/>
+          </a:p>
+        </p:txBody>
+      </p:sp>
+      <p:sp>
+        <p:nvSpPr>
+          <p:cNvPr id="16" name="テキスト ボックス 15">
             <a:extLst>
               <a:ext uri="{FF2B5EF4-FFF2-40B4-BE49-F238E27FC236}">
-                <a16:creationId xmlns:a16="http://schemas.microsoft.com/office/drawing/2014/main" id="{4B973533-69A4-D079-F27A-B6BBED44349B}"/>
+                <a16:creationId xmlns:a16="http://schemas.microsoft.com/office/drawing/2014/main" id="{DD074FA7-E77E-C274-E768-3EEBA7424182}"/>
               </a:ext>
             </a:extLst>
           </p:cNvPr>
-          <p:cNvSpPr/>
+          <p:cNvSpPr txBox="1"/>
           <p:nvPr/>
         </p:nvSpPr>
         <p:spPr>
           <a:xfrm>
-            <a:off x="1273996" y="2756897"/>
-            <a:ext cx="1931541" cy="472611"/>
+            <a:off x="6829831" y="4628178"/>
+            <a:ext cx="2055891" cy="400110"/>
           </a:xfrm>
           <a:prstGeom prst="rect">
             <a:avLst/>
           </a:prstGeom>
-        </p:spPr>
-        <p:style>
-          <a:lnRef idx="2">
-            <a:schemeClr val="dk1"/>
-          </a:lnRef>
-          <a:fillRef idx="1">
-            <a:schemeClr val="lt1"/>
-          </a:fillRef>
-          <a:effectRef idx="0">
-            <a:schemeClr val="dk1"/>
-          </a:effectRef>
-          <a:fontRef idx="minor">
-            <a:schemeClr val="dk1"/>
-          </a:fontRef>
-        </p:style>
-        <p:txBody>
-          <a:bodyPr rtlCol="0" anchor="ctr"/>
-          <a:lstStyle/>
-          <a:p>
-            <a:pPr algn="ctr"/>
-            <a:r>
-              <a:rPr kumimoji="1" lang="en-US" altLang="ja-JP" b="1" dirty="0"/>
-              <a:t>Rare users</a:t>
-            </a:r>
-            <a:endParaRPr kumimoji="1" lang="ja-JP" altLang="en-US" b="1" dirty="0"/>
-          </a:p>
-        </p:txBody>
-      </p:sp>
-      <p:sp>
-        <p:nvSpPr>
-          <p:cNvPr id="8" name="正方形/長方形 7">
+          <a:noFill/>
+        </p:spPr>
+        <p:txBody>
+          <a:bodyPr wrap="square" rtlCol="0">
+            <a:spAutoFit/>
+          </a:bodyPr>
+          <a:lstStyle/>
+          <a:p>
+            <a:r>
+              <a:rPr kumimoji="1" lang="en-US" altLang="ja-JP" sz="2000" b="1" dirty="0"/>
+              <a:t>Top sellers</a:t>
+            </a:r>
+            <a:endParaRPr kumimoji="1" lang="ja-JP" altLang="en-US" sz="2000" b="1" dirty="0"/>
+          </a:p>
+        </p:txBody>
+      </p:sp>
+      <p:sp>
+        <p:nvSpPr>
+          <p:cNvPr id="17" name="テキスト ボックス 16">
             <a:extLst>
               <a:ext uri="{FF2B5EF4-FFF2-40B4-BE49-F238E27FC236}">
-                <a16:creationId xmlns:a16="http://schemas.microsoft.com/office/drawing/2014/main" id="{1FD7A410-5997-947D-17CC-7A3673FBCFBA}"/>
+                <a16:creationId xmlns:a16="http://schemas.microsoft.com/office/drawing/2014/main" id="{2FE68D4F-174B-D243-79DB-F96812915479}"/>
               </a:ext>
             </a:extLst>
           </p:cNvPr>
-          <p:cNvSpPr/>
+          <p:cNvSpPr txBox="1"/>
           <p:nvPr/>
         </p:nvSpPr>
         <p:spPr>
           <a:xfrm>
-            <a:off x="6565187" y="1597916"/>
-            <a:ext cx="2137022" cy="472611"/>
+            <a:off x="1250716" y="6111456"/>
+            <a:ext cx="5910372" cy="523220"/>
           </a:xfrm>
           <a:prstGeom prst="rect">
             <a:avLst/>
           </a:prstGeom>
-          <a:solidFill>
-            <a:srgbClr val="FFFFCC"/>
-          </a:solidFill>
-        </p:spPr>
-        <p:style>
-          <a:lnRef idx="2">
-            <a:schemeClr val="dk1"/>
-          </a:lnRef>
-          <a:fillRef idx="1">
-            <a:schemeClr val="lt1"/>
-          </a:fillRef>
-          <a:effectRef idx="0">
-            <a:schemeClr val="dk1"/>
-          </a:effectRef>
-          <a:fontRef idx="minor">
-            <a:schemeClr val="dk1"/>
-          </a:fontRef>
-        </p:style>
-        <p:txBody>
-          <a:bodyPr rtlCol="0" anchor="ctr"/>
-          <a:lstStyle/>
-          <a:p>
-            <a:pPr algn="ctr"/>
-            <a:r>
-              <a:rPr kumimoji="1" lang="en-US" altLang="ja-JP" b="1" dirty="0"/>
-              <a:t>Frequent items</a:t>
-            </a:r>
-            <a:endParaRPr kumimoji="1" lang="ja-JP" altLang="en-US" b="1" dirty="0"/>
-          </a:p>
-        </p:txBody>
-      </p:sp>
-      <p:sp>
-        <p:nvSpPr>
-          <p:cNvPr id="9" name="正方形/長方形 8">
+          <a:noFill/>
+        </p:spPr>
+        <p:txBody>
+          <a:bodyPr wrap="square" rtlCol="0">
+            <a:spAutoFit/>
+          </a:bodyPr>
+          <a:lstStyle/>
+          <a:p>
+            <a:r>
+              <a:rPr kumimoji="1" lang="en-US" altLang="ja-JP" sz="2800" b="1" dirty="0">
+                <a:solidFill>
+                  <a:srgbClr val="FFFF00"/>
+                </a:solidFill>
+              </a:rPr>
+              <a:t>Non-personalized Recommendation</a:t>
+            </a:r>
+            <a:endParaRPr kumimoji="1" lang="ja-JP" altLang="en-US" sz="2800" b="1" dirty="0">
+              <a:solidFill>
+                <a:srgbClr val="FFFF00"/>
+              </a:solidFill>
+            </a:endParaRPr>
+          </a:p>
+        </p:txBody>
+      </p:sp>
+      <p:pic>
+        <p:nvPicPr>
+          <p:cNvPr id="18" name="図 17">
             <a:extLst>
               <a:ext uri="{FF2B5EF4-FFF2-40B4-BE49-F238E27FC236}">
-                <a16:creationId xmlns:a16="http://schemas.microsoft.com/office/drawing/2014/main" id="{EB8201D3-1894-B4FB-E729-BBA60D066112}"/>
+                <a16:creationId xmlns:a16="http://schemas.microsoft.com/office/drawing/2014/main" id="{058182D2-2F38-8720-7F73-32798C800D8E}"/>
               </a:ext>
             </a:extLst>
           </p:cNvPr>
-          <p:cNvSpPr/>
+          <p:cNvPicPr>
+            <a:picLocks noChangeAspect="1"/>
+          </p:cNvPicPr>
           <p:nvPr/>
-        </p:nvSpPr>
-        <p:spPr>
-          <a:xfrm>
-            <a:off x="1273996" y="4388779"/>
-            <a:ext cx="1931541" cy="472611"/>
+        </p:nvPicPr>
+        <p:blipFill>
+          <a:blip r:embed="rId2"/>
+          <a:stretch>
+            <a:fillRect/>
+          </a:stretch>
+        </p:blipFill>
+        <p:spPr>
+          <a:xfrm>
+            <a:off x="157433" y="1259122"/>
+            <a:ext cx="6559865" cy="4816257"/>
           </a:xfrm>
           <a:prstGeom prst="rect">
             <a:avLst/>
           </a:prstGeom>
-          <a:solidFill>
-            <a:srgbClr val="FFFFCC"/>
-          </a:solidFill>
-        </p:spPr>
-        <p:style>
-          <a:lnRef idx="2">
-            <a:schemeClr val="dk1"/>
-          </a:lnRef>
-          <a:fillRef idx="1">
-            <a:schemeClr val="lt1"/>
-          </a:fillRef>
-          <a:effectRef idx="0">
-            <a:schemeClr val="dk1"/>
-          </a:effectRef>
-          <a:fontRef idx="minor">
-            <a:schemeClr val="dk1"/>
-          </a:fontRef>
-        </p:style>
-        <p:txBody>
-          <a:bodyPr rtlCol="0" anchor="ctr"/>
-          <a:lstStyle/>
-          <a:p>
-            <a:pPr algn="ctr"/>
-            <a:r>
-              <a:rPr kumimoji="1" lang="en-US" altLang="ja-JP" b="1" dirty="0"/>
-              <a:t>Frequent users</a:t>
-            </a:r>
-            <a:endParaRPr kumimoji="1" lang="ja-JP" altLang="en-US" b="1" dirty="0"/>
-          </a:p>
-        </p:txBody>
-      </p:sp>
-      <p:sp>
-        <p:nvSpPr>
-          <p:cNvPr id="10" name="正方形/長方形 9">
+        </p:spPr>
+      </p:pic>
+      <p:cxnSp>
+        <p:nvCxnSpPr>
+          <p:cNvPr id="19" name="直線矢印コネクタ 18">
             <a:extLst>
               <a:ext uri="{FF2B5EF4-FFF2-40B4-BE49-F238E27FC236}">
-                <a16:creationId xmlns:a16="http://schemas.microsoft.com/office/drawing/2014/main" id="{20FD5EF6-5E89-85C6-72F6-94311D237CB7}"/>
+                <a16:creationId xmlns:a16="http://schemas.microsoft.com/office/drawing/2014/main" id="{7655CD8E-3620-B1DE-091E-4A4FA127BDB7}"/>
               </a:ext>
             </a:extLst>
           </p:cNvPr>
-          <p:cNvSpPr/>
+          <p:cNvCxnSpPr>
+            <a:cxnSpLocks/>
+          </p:cNvCxnSpPr>
           <p:nvPr/>
-        </p:nvSpPr>
-        <p:spPr>
-          <a:xfrm>
-            <a:off x="3821987" y="2494906"/>
-            <a:ext cx="1931540" cy="934094"/>
-          </a:xfrm>
-          <a:prstGeom prst="rect">
+        </p:nvCxnSpPr>
+        <p:spPr>
+          <a:xfrm flipH="1">
+            <a:off x="5727032" y="1965122"/>
+            <a:ext cx="1251284" cy="65809"/>
+          </a:xfrm>
+          <a:prstGeom prst="straightConnector1">
             <a:avLst/>
           </a:prstGeom>
-          <a:solidFill>
-            <a:srgbClr val="CCFFCC"/>
-          </a:solidFill>
+          <a:ln w="19050">
+            <a:solidFill>
+              <a:srgbClr val="FFC000"/>
+            </a:solidFill>
+            <a:tailEnd type="triangle"/>
+          </a:ln>
         </p:spPr>
         <p:style>
-          <a:lnRef idx="2">
-            <a:schemeClr val="accent1">
-              <a:shade val="50000"/>
-            </a:schemeClr>
+          <a:lnRef idx="1">
+            <a:schemeClr val="accent1"/>
           </a:lnRef>
-          <a:fillRef idx="1">
+          <a:fillRef idx="0">
             <a:schemeClr val="accent1"/>
           </a:fillRef>
           <a:effectRef idx="0">
             <a:schemeClr val="accent1"/>
           </a:effectRef>
           <a:fontRef idx="minor">
-            <a:schemeClr val="lt1"/>
+            <a:schemeClr val="tx1"/>
           </a:fontRef>
         </p:style>
-        <p:txBody>
-          <a:bodyPr rtlCol="0" anchor="ctr"/>
-          <a:lstStyle/>
-          <a:p>
-            <a:pPr algn="ctr"/>
-            <a:r>
-              <a:rPr kumimoji="1" lang="en-US" altLang="ja-JP" b="1" dirty="0">
-                <a:solidFill>
-                  <a:schemeClr val="bg1"/>
-                </a:solidFill>
-              </a:rPr>
-              <a:t>Feature only content based (CB)</a:t>
-            </a:r>
-            <a:endParaRPr kumimoji="1" lang="ja-JP" altLang="en-US" b="1" dirty="0">
-              <a:solidFill>
-                <a:schemeClr val="bg1"/>
-              </a:solidFill>
-            </a:endParaRPr>
-          </a:p>
-        </p:txBody>
-      </p:sp>
-      <p:sp>
-        <p:nvSpPr>
-          <p:cNvPr id="11" name="正方形/長方形 10">
+      </p:cxnSp>
+      <p:pic>
+        <p:nvPicPr>
+          <p:cNvPr id="21" name="図 20">
             <a:extLst>
               <a:ext uri="{FF2B5EF4-FFF2-40B4-BE49-F238E27FC236}">
-                <a16:creationId xmlns:a16="http://schemas.microsoft.com/office/drawing/2014/main" id="{2AC33072-1C92-BD0E-F6D2-80DC491C0AD8}"/>
+                <a16:creationId xmlns:a16="http://schemas.microsoft.com/office/drawing/2014/main" id="{32B673CF-A05F-9B0D-7F84-CAC9B5ABC00A}"/>
               </a:ext>
             </a:extLst>
           </p:cNvPr>
-          <p:cNvSpPr/>
+          <p:cNvPicPr>
+            <a:picLocks noChangeAspect="1"/>
+          </p:cNvPicPr>
           <p:nvPr/>
-        </p:nvSpPr>
-        <p:spPr>
-          <a:xfrm>
-            <a:off x="6565186" y="2486343"/>
-            <a:ext cx="2137023" cy="887002"/>
+        </p:nvPicPr>
+        <p:blipFill>
+          <a:blip r:embed="rId3"/>
+          <a:stretch>
+            <a:fillRect/>
+          </a:stretch>
+        </p:blipFill>
+        <p:spPr>
+          <a:xfrm>
+            <a:off x="7075816" y="1536181"/>
+            <a:ext cx="2517560" cy="834472"/>
           </a:xfrm>
           <a:prstGeom prst="rect">
             <a:avLst/>
           </a:prstGeom>
-          <a:solidFill>
-            <a:srgbClr val="92D050"/>
-          </a:solidFill>
-        </p:spPr>
-        <p:style>
-          <a:lnRef idx="2">
-            <a:schemeClr val="accent1">
-              <a:shade val="50000"/>
-            </a:schemeClr>
-          </a:lnRef>
-          <a:fillRef idx="1">
-            <a:schemeClr val="accent1"/>
-          </a:fillRef>
-          <a:effectRef idx="0">
-            <a:schemeClr val="accent1"/>
-          </a:effectRef>
-          <a:fontRef idx="minor">
-            <a:schemeClr val="lt1"/>
-          </a:fontRef>
-        </p:style>
-        <p:txBody>
-          <a:bodyPr rtlCol="0" anchor="ctr"/>
-          <a:lstStyle/>
-          <a:p>
-            <a:pPr algn="ctr"/>
-            <a:r>
-              <a:rPr kumimoji="1" lang="en-US" altLang="ja-JP" b="1" dirty="0">
-                <a:solidFill>
-                  <a:schemeClr val="bg1"/>
-                </a:solidFill>
-              </a:rPr>
-              <a:t>CB + item bias</a:t>
-            </a:r>
-            <a:endParaRPr kumimoji="1" lang="ja-JP" altLang="en-US" b="1" dirty="0">
-              <a:solidFill>
-                <a:schemeClr val="bg1"/>
-              </a:solidFill>
-            </a:endParaRPr>
-          </a:p>
-        </p:txBody>
-      </p:sp>
-      <p:sp>
-        <p:nvSpPr>
-          <p:cNvPr id="12" name="正方形/長方形 11">
-            <a:extLst>
-              <a:ext uri="{FF2B5EF4-FFF2-40B4-BE49-F238E27FC236}">
-                <a16:creationId xmlns:a16="http://schemas.microsoft.com/office/drawing/2014/main" id="{D3E7A3EC-1600-B62A-480C-ADA1641C9A03}"/>
-              </a:ext>
-            </a:extLst>
-          </p:cNvPr>
-          <p:cNvSpPr/>
-          <p:nvPr/>
-        </p:nvSpPr>
-        <p:spPr>
-          <a:xfrm>
-            <a:off x="3821987" y="4158037"/>
-            <a:ext cx="1931540" cy="934094"/>
-          </a:xfrm>
-          <a:prstGeom prst="rect">
-            <a:avLst/>
-          </a:prstGeom>
-          <a:solidFill>
-            <a:srgbClr val="92D050"/>
-          </a:solidFill>
-        </p:spPr>
-        <p:style>
-          <a:lnRef idx="2">
-            <a:schemeClr val="accent1">
-              <a:shade val="50000"/>
-            </a:schemeClr>
-          </a:lnRef>
-          <a:fillRef idx="1">
-            <a:schemeClr val="accent1"/>
-          </a:fillRef>
-          <a:effectRef idx="0">
-            <a:schemeClr val="accent1"/>
-          </a:effectRef>
-          <a:fontRef idx="minor">
-            <a:schemeClr val="lt1"/>
-          </a:fontRef>
-        </p:style>
-        <p:txBody>
-          <a:bodyPr rtlCol="0" anchor="ctr"/>
-          <a:lstStyle/>
-          <a:p>
-            <a:pPr algn="ctr"/>
-            <a:r>
-              <a:rPr kumimoji="1" lang="en-US" altLang="ja-JP" b="1" dirty="0">
-                <a:solidFill>
-                  <a:schemeClr val="bg1"/>
-                </a:solidFill>
-              </a:rPr>
-              <a:t>CB + user bias</a:t>
-            </a:r>
-            <a:endParaRPr kumimoji="1" lang="ja-JP" altLang="en-US" b="1" dirty="0">
-              <a:solidFill>
-                <a:schemeClr val="bg1"/>
-              </a:solidFill>
-            </a:endParaRPr>
-          </a:p>
-        </p:txBody>
-      </p:sp>
-      <p:sp>
-        <p:nvSpPr>
-          <p:cNvPr id="13" name="正方形/長方形 12">
-            <a:extLst>
-              <a:ext uri="{FF2B5EF4-FFF2-40B4-BE49-F238E27FC236}">
-                <a16:creationId xmlns:a16="http://schemas.microsoft.com/office/drawing/2014/main" id="{B6B6D8FE-63EB-31D5-2275-F81A82A284E9}"/>
-              </a:ext>
-            </a:extLst>
-          </p:cNvPr>
-          <p:cNvSpPr/>
-          <p:nvPr/>
-        </p:nvSpPr>
-        <p:spPr>
-          <a:xfrm>
-            <a:off x="6565187" y="4158037"/>
-            <a:ext cx="2137024" cy="887002"/>
-          </a:xfrm>
-          <a:prstGeom prst="rect">
-            <a:avLst/>
-          </a:prstGeom>
-          <a:solidFill>
-            <a:srgbClr val="00B050"/>
-          </a:solidFill>
-        </p:spPr>
-        <p:style>
-          <a:lnRef idx="2">
-            <a:schemeClr val="accent1">
-              <a:shade val="50000"/>
-            </a:schemeClr>
-          </a:lnRef>
-          <a:fillRef idx="1">
-            <a:schemeClr val="accent1"/>
-          </a:fillRef>
-          <a:effectRef idx="0">
-            <a:schemeClr val="accent1"/>
-          </a:effectRef>
-          <a:fontRef idx="minor">
-            <a:schemeClr val="lt1"/>
-          </a:fontRef>
-        </p:style>
-        <p:txBody>
-          <a:bodyPr rtlCol="0" anchor="ctr"/>
-          <a:lstStyle/>
-          <a:p>
-            <a:pPr algn="ctr"/>
-            <a:r>
-              <a:rPr kumimoji="1" lang="en-US" altLang="ja-JP" b="1" dirty="0">
-                <a:solidFill>
-                  <a:schemeClr val="bg1"/>
-                </a:solidFill>
-              </a:rPr>
-              <a:t>CB + item bias + user bias +</a:t>
-            </a:r>
-          </a:p>
-          <a:p>
-            <a:pPr algn="ctr"/>
-            <a:r>
-              <a:rPr kumimoji="1" lang="en-US" altLang="ja-JP" b="1" dirty="0">
-                <a:solidFill>
-                  <a:schemeClr val="tx1"/>
-                </a:solidFill>
-              </a:rPr>
-              <a:t>Collaborative filter</a:t>
-            </a:r>
-            <a:endParaRPr kumimoji="1" lang="ja-JP" altLang="en-US" b="1" dirty="0">
-              <a:solidFill>
-                <a:schemeClr val="tx1"/>
-              </a:solidFill>
-            </a:endParaRPr>
-          </a:p>
-        </p:txBody>
-      </p:sp>
-      <p:sp>
-        <p:nvSpPr>
-          <p:cNvPr id="14" name="テキスト ボックス 13">
-            <a:extLst>
-              <a:ext uri="{FF2B5EF4-FFF2-40B4-BE49-F238E27FC236}">
-                <a16:creationId xmlns:a16="http://schemas.microsoft.com/office/drawing/2014/main" id="{1C26F995-E77A-D7B0-381D-E5004891BFA6}"/>
-              </a:ext>
-            </a:extLst>
-          </p:cNvPr>
-          <p:cNvSpPr txBox="1"/>
-          <p:nvPr/>
-        </p:nvSpPr>
-        <p:spPr>
-          <a:xfrm>
-            <a:off x="1273995" y="5651327"/>
-            <a:ext cx="3811713" cy="646331"/>
-          </a:xfrm>
-          <a:prstGeom prst="rect">
-            <a:avLst/>
-          </a:prstGeom>
-          <a:noFill/>
-        </p:spPr>
-        <p:txBody>
-          <a:bodyPr wrap="square" rtlCol="0">
-            <a:spAutoFit/>
-          </a:bodyPr>
-          <a:lstStyle/>
-          <a:p>
-            <a:r>
-              <a:rPr kumimoji="1" lang="en-US" altLang="ja-JP" dirty="0"/>
-              <a:t>bias: mean rating</a:t>
-            </a:r>
-          </a:p>
-          <a:p>
-            <a:r>
-              <a:rPr kumimoji="1" lang="en-US" altLang="ja-JP" dirty="0"/>
-              <a:t>User bias: users’ mean rating</a:t>
-            </a:r>
-            <a:endParaRPr kumimoji="1" lang="ja-JP" altLang="en-US" dirty="0"/>
-          </a:p>
-        </p:txBody>
-      </p:sp>
+        </p:spPr>
+      </p:pic>
     </p:spTree>
     <p:extLst>
       <p:ext uri="{BB962C8B-B14F-4D97-AF65-F5344CB8AC3E}">
-        <p14:creationId xmlns:p14="http://schemas.microsoft.com/office/powerpoint/2010/main" val="147466885"/>
+        <p14:creationId xmlns:p14="http://schemas.microsoft.com/office/powerpoint/2010/main" val="613776856"/>
       </p:ext>
     </p:extLst>
   </p:cSld>
@@ -8161,6 +9681,1053 @@
       </p:grpSpPr>
       <p:sp>
         <p:nvSpPr>
+          <p:cNvPr id="6" name="タイトル 1">
+            <a:extLst>
+              <a:ext uri="{FF2B5EF4-FFF2-40B4-BE49-F238E27FC236}">
+                <a16:creationId xmlns:a16="http://schemas.microsoft.com/office/drawing/2014/main" id="{A3AEF3D9-C114-7871-F6A3-6D6E533254AC}"/>
+              </a:ext>
+            </a:extLst>
+          </p:cNvPr>
+          <p:cNvSpPr>
+            <a:spLocks noGrp="1"/>
+          </p:cNvSpPr>
+          <p:nvPr>
+            <p:ph type="title"/>
+          </p:nvPr>
+        </p:nvSpPr>
+        <p:spPr>
+          <a:xfrm>
+            <a:off x="913794" y="223324"/>
+            <a:ext cx="10353762" cy="654121"/>
+          </a:xfrm>
+        </p:spPr>
+        <p:txBody>
+          <a:bodyPr>
+            <a:normAutofit fontScale="90000"/>
+          </a:bodyPr>
+          <a:lstStyle/>
+          <a:p>
+            <a:r>
+              <a:rPr kumimoji="1" lang="en-US" altLang="ja-JP" dirty="0">
+                <a:solidFill>
+                  <a:schemeClr val="tx1"/>
+                </a:solidFill>
+              </a:rPr>
+              <a:t>What is Collaborative filtering?</a:t>
+            </a:r>
+            <a:endParaRPr kumimoji="1" lang="ja-JP" altLang="en-US" dirty="0">
+              <a:solidFill>
+                <a:schemeClr val="tx1"/>
+              </a:solidFill>
+            </a:endParaRPr>
+          </a:p>
+        </p:txBody>
+      </p:sp>
+      <p:pic>
+        <p:nvPicPr>
+          <p:cNvPr id="7" name="図 6">
+            <a:extLst>
+              <a:ext uri="{FF2B5EF4-FFF2-40B4-BE49-F238E27FC236}">
+                <a16:creationId xmlns:a16="http://schemas.microsoft.com/office/drawing/2014/main" id="{C4AE8C5A-3BC6-852B-9566-720C50665BE0}"/>
+              </a:ext>
+            </a:extLst>
+          </p:cNvPr>
+          <p:cNvPicPr>
+            <a:picLocks noChangeAspect="1"/>
+          </p:cNvPicPr>
+          <p:nvPr/>
+        </p:nvPicPr>
+        <p:blipFill>
+          <a:blip r:embed="rId2"/>
+          <a:stretch>
+            <a:fillRect/>
+          </a:stretch>
+        </p:blipFill>
+        <p:spPr>
+          <a:xfrm>
+            <a:off x="284677" y="1577693"/>
+            <a:ext cx="6773243" cy="4072481"/>
+          </a:xfrm>
+          <a:prstGeom prst="rect">
+            <a:avLst/>
+          </a:prstGeom>
+        </p:spPr>
+      </p:pic>
+      <p:sp>
+        <p:nvSpPr>
+          <p:cNvPr id="8" name="テキスト ボックス 7">
+            <a:extLst>
+              <a:ext uri="{FF2B5EF4-FFF2-40B4-BE49-F238E27FC236}">
+                <a16:creationId xmlns:a16="http://schemas.microsoft.com/office/drawing/2014/main" id="{EF577C62-51C2-A7EC-F885-AAD7CF612A19}"/>
+              </a:ext>
+            </a:extLst>
+          </p:cNvPr>
+          <p:cNvSpPr txBox="1"/>
+          <p:nvPr/>
+        </p:nvSpPr>
+        <p:spPr>
+          <a:xfrm>
+            <a:off x="7148330" y="2012231"/>
+            <a:ext cx="1830826" cy="369332"/>
+          </a:xfrm>
+          <a:prstGeom prst="rect">
+            <a:avLst/>
+          </a:prstGeom>
+          <a:noFill/>
+        </p:spPr>
+        <p:txBody>
+          <a:bodyPr wrap="square" rtlCol="0">
+            <a:spAutoFit/>
+          </a:bodyPr>
+          <a:lstStyle/>
+          <a:p>
+            <a:pPr algn="ctr"/>
+            <a:r>
+              <a:rPr kumimoji="1" lang="en-US" altLang="ja-JP" dirty="0"/>
+              <a:t>My user ID</a:t>
+            </a:r>
+            <a:endParaRPr kumimoji="1" lang="ja-JP" altLang="en-US" dirty="0"/>
+          </a:p>
+        </p:txBody>
+      </p:sp>
+      <p:cxnSp>
+        <p:nvCxnSpPr>
+          <p:cNvPr id="9" name="直線矢印コネクタ 8">
+            <a:extLst>
+              <a:ext uri="{FF2B5EF4-FFF2-40B4-BE49-F238E27FC236}">
+                <a16:creationId xmlns:a16="http://schemas.microsoft.com/office/drawing/2014/main" id="{AB002DC1-F11C-47E4-9D87-50763638F8E4}"/>
+              </a:ext>
+            </a:extLst>
+          </p:cNvPr>
+          <p:cNvCxnSpPr>
+            <a:cxnSpLocks/>
+          </p:cNvCxnSpPr>
+          <p:nvPr/>
+        </p:nvCxnSpPr>
+        <p:spPr>
+          <a:xfrm flipH="1">
+            <a:off x="5706484" y="2196897"/>
+            <a:ext cx="1608716" cy="184666"/>
+          </a:xfrm>
+          <a:prstGeom prst="straightConnector1">
+            <a:avLst/>
+          </a:prstGeom>
+          <a:ln w="19050">
+            <a:solidFill>
+              <a:schemeClr val="tx1"/>
+            </a:solidFill>
+            <a:tailEnd type="triangle"/>
+          </a:ln>
+        </p:spPr>
+        <p:style>
+          <a:lnRef idx="1">
+            <a:schemeClr val="accent1"/>
+          </a:lnRef>
+          <a:fillRef idx="0">
+            <a:schemeClr val="accent1"/>
+          </a:fillRef>
+          <a:effectRef idx="0">
+            <a:schemeClr val="accent1"/>
+          </a:effectRef>
+          <a:fontRef idx="minor">
+            <a:schemeClr val="tx1"/>
+          </a:fontRef>
+        </p:style>
+      </p:cxnSp>
+      <p:sp>
+        <p:nvSpPr>
+          <p:cNvPr id="12" name="テキスト ボックス 11">
+            <a:extLst>
+              <a:ext uri="{FF2B5EF4-FFF2-40B4-BE49-F238E27FC236}">
+                <a16:creationId xmlns:a16="http://schemas.microsoft.com/office/drawing/2014/main" id="{BE1DA3BB-E49B-C924-5899-DA1D5C478AE5}"/>
+              </a:ext>
+            </a:extLst>
+          </p:cNvPr>
+          <p:cNvSpPr txBox="1"/>
+          <p:nvPr/>
+        </p:nvSpPr>
+        <p:spPr>
+          <a:xfrm>
+            <a:off x="740431" y="5964859"/>
+            <a:ext cx="7961780" cy="523220"/>
+          </a:xfrm>
+          <a:prstGeom prst="rect">
+            <a:avLst/>
+          </a:prstGeom>
+          <a:noFill/>
+        </p:spPr>
+        <p:txBody>
+          <a:bodyPr wrap="square" rtlCol="0">
+            <a:spAutoFit/>
+          </a:bodyPr>
+          <a:lstStyle/>
+          <a:p>
+            <a:r>
+              <a:rPr kumimoji="1" lang="en-US" altLang="ja-JP" sz="2800" b="1" dirty="0">
+                <a:solidFill>
+                  <a:srgbClr val="FFFF00"/>
+                </a:solidFill>
+              </a:rPr>
+              <a:t>Personalized: based on users’ records</a:t>
+            </a:r>
+            <a:endParaRPr kumimoji="1" lang="ja-JP" altLang="en-US" sz="2800" b="1" dirty="0">
+              <a:solidFill>
+                <a:srgbClr val="FFFF00"/>
+              </a:solidFill>
+            </a:endParaRPr>
+          </a:p>
+        </p:txBody>
+      </p:sp>
+      <p:sp>
+        <p:nvSpPr>
+          <p:cNvPr id="13" name="テキスト ボックス 12">
+            <a:extLst>
+              <a:ext uri="{FF2B5EF4-FFF2-40B4-BE49-F238E27FC236}">
+                <a16:creationId xmlns:a16="http://schemas.microsoft.com/office/drawing/2014/main" id="{DE4EDF98-8507-5493-B233-3637870F9DBE}"/>
+              </a:ext>
+            </a:extLst>
+          </p:cNvPr>
+          <p:cNvSpPr txBox="1"/>
+          <p:nvPr/>
+        </p:nvSpPr>
+        <p:spPr>
+          <a:xfrm>
+            <a:off x="3030451" y="3081811"/>
+            <a:ext cx="3914880" cy="369332"/>
+          </a:xfrm>
+          <a:prstGeom prst="rect">
+            <a:avLst/>
+          </a:prstGeom>
+          <a:noFill/>
+        </p:spPr>
+        <p:txBody>
+          <a:bodyPr wrap="square" rtlCol="0">
+            <a:spAutoFit/>
+          </a:bodyPr>
+          <a:lstStyle/>
+          <a:p>
+            <a:pPr algn="ctr"/>
+            <a:r>
+              <a:rPr kumimoji="1" lang="en-US" altLang="ja-JP" b="1" dirty="0">
+                <a:solidFill>
+                  <a:srgbClr val="FFC000"/>
+                </a:solidFill>
+              </a:rPr>
+              <a:t>Recommendation for specific users</a:t>
+            </a:r>
+            <a:endParaRPr kumimoji="1" lang="ja-JP" altLang="en-US" b="1" dirty="0">
+              <a:solidFill>
+                <a:srgbClr val="FFC000"/>
+              </a:solidFill>
+            </a:endParaRPr>
+          </a:p>
+        </p:txBody>
+      </p:sp>
+      <p:cxnSp>
+        <p:nvCxnSpPr>
+          <p:cNvPr id="16" name="直線矢印コネクタ 15">
+            <a:extLst>
+              <a:ext uri="{FF2B5EF4-FFF2-40B4-BE49-F238E27FC236}">
+                <a16:creationId xmlns:a16="http://schemas.microsoft.com/office/drawing/2014/main" id="{CB207784-3C20-5140-25AA-1FD9C584253D}"/>
+              </a:ext>
+            </a:extLst>
+          </p:cNvPr>
+          <p:cNvCxnSpPr>
+            <a:cxnSpLocks/>
+          </p:cNvCxnSpPr>
+          <p:nvPr/>
+        </p:nvCxnSpPr>
+        <p:spPr>
+          <a:xfrm flipH="1">
+            <a:off x="2702103" y="3283073"/>
+            <a:ext cx="452063" cy="0"/>
+          </a:xfrm>
+          <a:prstGeom prst="straightConnector1">
+            <a:avLst/>
+          </a:prstGeom>
+          <a:ln w="19050">
+            <a:solidFill>
+              <a:srgbClr val="FFC000"/>
+            </a:solidFill>
+            <a:tailEnd type="triangle"/>
+          </a:ln>
+        </p:spPr>
+        <p:style>
+          <a:lnRef idx="1">
+            <a:schemeClr val="accent1"/>
+          </a:lnRef>
+          <a:fillRef idx="0">
+            <a:schemeClr val="accent1"/>
+          </a:fillRef>
+          <a:effectRef idx="0">
+            <a:schemeClr val="accent1"/>
+          </a:effectRef>
+          <a:fontRef idx="minor">
+            <a:schemeClr val="tx1"/>
+          </a:fontRef>
+        </p:style>
+      </p:cxnSp>
+    </p:spTree>
+    <p:extLst>
+      <p:ext uri="{BB962C8B-B14F-4D97-AF65-F5344CB8AC3E}">
+        <p14:creationId xmlns:p14="http://schemas.microsoft.com/office/powerpoint/2010/main" val="2849691328"/>
+      </p:ext>
+    </p:extLst>
+  </p:cSld>
+  <p:clrMapOvr>
+    <a:masterClrMapping/>
+  </p:clrMapOvr>
+</p:sld>
+</file>
+
+<file path=ppt/slides/slide6.xml><?xml version="1.0" encoding="utf-8"?>
+<p:sld xmlns:a="http://schemas.openxmlformats.org/drawingml/2006/main" xmlns:r="http://schemas.openxmlformats.org/officeDocument/2006/relationships" xmlns:p="http://schemas.openxmlformats.org/presentationml/2006/main">
+  <p:cSld>
+    <p:spTree>
+      <p:nvGrpSpPr>
+        <p:cNvPr id="1" name=""/>
+        <p:cNvGrpSpPr/>
+        <p:nvPr/>
+      </p:nvGrpSpPr>
+      <p:grpSpPr>
+        <a:xfrm>
+          <a:off x="0" y="0"/>
+          <a:ext cx="0" cy="0"/>
+          <a:chOff x="0" y="0"/>
+          <a:chExt cx="0" cy="0"/>
+        </a:xfrm>
+      </p:grpSpPr>
+      <p:sp>
+        <p:nvSpPr>
+          <p:cNvPr id="2" name="タイトル 1">
+            <a:extLst>
+              <a:ext uri="{FF2B5EF4-FFF2-40B4-BE49-F238E27FC236}">
+                <a16:creationId xmlns:a16="http://schemas.microsoft.com/office/drawing/2014/main" id="{7728889D-8DD0-68ED-5725-96899479F151}"/>
+              </a:ext>
+            </a:extLst>
+          </p:cNvPr>
+          <p:cNvSpPr>
+            <a:spLocks noGrp="1"/>
+          </p:cNvSpPr>
+          <p:nvPr>
+            <p:ph type="title"/>
+          </p:nvPr>
+        </p:nvSpPr>
+        <p:spPr>
+          <a:xfrm>
+            <a:off x="913795" y="304800"/>
+            <a:ext cx="10353762" cy="635000"/>
+          </a:xfrm>
+        </p:spPr>
+        <p:txBody>
+          <a:bodyPr>
+            <a:normAutofit fontScale="90000"/>
+          </a:bodyPr>
+          <a:lstStyle/>
+          <a:p>
+            <a:r>
+              <a:rPr kumimoji="1" lang="en-US" altLang="ja-JP" dirty="0">
+                <a:solidFill>
+                  <a:schemeClr val="tx1"/>
+                </a:solidFill>
+              </a:rPr>
+              <a:t>Hybrid Recommender Concept</a:t>
+            </a:r>
+            <a:endParaRPr kumimoji="1" lang="ja-JP" altLang="en-US" dirty="0">
+              <a:solidFill>
+                <a:schemeClr val="tx1"/>
+              </a:solidFill>
+            </a:endParaRPr>
+          </a:p>
+        </p:txBody>
+      </p:sp>
+      <p:sp>
+        <p:nvSpPr>
+          <p:cNvPr id="6" name="正方形/長方形 5">
+            <a:extLst>
+              <a:ext uri="{FF2B5EF4-FFF2-40B4-BE49-F238E27FC236}">
+                <a16:creationId xmlns:a16="http://schemas.microsoft.com/office/drawing/2014/main" id="{3B2FEAED-6A11-33A5-C7A7-E23105F4BCB7}"/>
+              </a:ext>
+            </a:extLst>
+          </p:cNvPr>
+          <p:cNvSpPr/>
+          <p:nvPr/>
+        </p:nvSpPr>
+        <p:spPr>
+          <a:xfrm>
+            <a:off x="3821987" y="1597917"/>
+            <a:ext cx="1931541" cy="472611"/>
+          </a:xfrm>
+          <a:prstGeom prst="rect">
+            <a:avLst/>
+          </a:prstGeom>
+        </p:spPr>
+        <p:style>
+          <a:lnRef idx="2">
+            <a:schemeClr val="dk1"/>
+          </a:lnRef>
+          <a:fillRef idx="1">
+            <a:schemeClr val="lt1"/>
+          </a:fillRef>
+          <a:effectRef idx="0">
+            <a:schemeClr val="dk1"/>
+          </a:effectRef>
+          <a:fontRef idx="minor">
+            <a:schemeClr val="dk1"/>
+          </a:fontRef>
+        </p:style>
+        <p:txBody>
+          <a:bodyPr rtlCol="0" anchor="ctr"/>
+          <a:lstStyle/>
+          <a:p>
+            <a:pPr algn="ctr"/>
+            <a:r>
+              <a:rPr kumimoji="1" lang="en-US" altLang="ja-JP" b="1" dirty="0"/>
+              <a:t>Rare item</a:t>
+            </a:r>
+            <a:endParaRPr kumimoji="1" lang="ja-JP" altLang="en-US" b="1" dirty="0"/>
+          </a:p>
+        </p:txBody>
+      </p:sp>
+      <p:sp>
+        <p:nvSpPr>
+          <p:cNvPr id="7" name="正方形/長方形 6">
+            <a:extLst>
+              <a:ext uri="{FF2B5EF4-FFF2-40B4-BE49-F238E27FC236}">
+                <a16:creationId xmlns:a16="http://schemas.microsoft.com/office/drawing/2014/main" id="{4B973533-69A4-D079-F27A-B6BBED44349B}"/>
+              </a:ext>
+            </a:extLst>
+          </p:cNvPr>
+          <p:cNvSpPr/>
+          <p:nvPr/>
+        </p:nvSpPr>
+        <p:spPr>
+          <a:xfrm>
+            <a:off x="1273996" y="2756897"/>
+            <a:ext cx="1931541" cy="472611"/>
+          </a:xfrm>
+          <a:prstGeom prst="rect">
+            <a:avLst/>
+          </a:prstGeom>
+        </p:spPr>
+        <p:style>
+          <a:lnRef idx="2">
+            <a:schemeClr val="dk1"/>
+          </a:lnRef>
+          <a:fillRef idx="1">
+            <a:schemeClr val="lt1"/>
+          </a:fillRef>
+          <a:effectRef idx="0">
+            <a:schemeClr val="dk1"/>
+          </a:effectRef>
+          <a:fontRef idx="minor">
+            <a:schemeClr val="dk1"/>
+          </a:fontRef>
+        </p:style>
+        <p:txBody>
+          <a:bodyPr rtlCol="0" anchor="ctr"/>
+          <a:lstStyle/>
+          <a:p>
+            <a:pPr algn="ctr"/>
+            <a:r>
+              <a:rPr kumimoji="1" lang="en-US" altLang="ja-JP" b="1" dirty="0"/>
+              <a:t>Rare users</a:t>
+            </a:r>
+            <a:endParaRPr kumimoji="1" lang="ja-JP" altLang="en-US" b="1" dirty="0"/>
+          </a:p>
+        </p:txBody>
+      </p:sp>
+      <p:sp>
+        <p:nvSpPr>
+          <p:cNvPr id="8" name="正方形/長方形 7">
+            <a:extLst>
+              <a:ext uri="{FF2B5EF4-FFF2-40B4-BE49-F238E27FC236}">
+                <a16:creationId xmlns:a16="http://schemas.microsoft.com/office/drawing/2014/main" id="{1FD7A410-5997-947D-17CC-7A3673FBCFBA}"/>
+              </a:ext>
+            </a:extLst>
+          </p:cNvPr>
+          <p:cNvSpPr/>
+          <p:nvPr/>
+        </p:nvSpPr>
+        <p:spPr>
+          <a:xfrm>
+            <a:off x="6565187" y="1597916"/>
+            <a:ext cx="2137022" cy="472611"/>
+          </a:xfrm>
+          <a:prstGeom prst="rect">
+            <a:avLst/>
+          </a:prstGeom>
+          <a:solidFill>
+            <a:srgbClr val="FFFFCC"/>
+          </a:solidFill>
+        </p:spPr>
+        <p:style>
+          <a:lnRef idx="2">
+            <a:schemeClr val="dk1"/>
+          </a:lnRef>
+          <a:fillRef idx="1">
+            <a:schemeClr val="lt1"/>
+          </a:fillRef>
+          <a:effectRef idx="0">
+            <a:schemeClr val="dk1"/>
+          </a:effectRef>
+          <a:fontRef idx="minor">
+            <a:schemeClr val="dk1"/>
+          </a:fontRef>
+        </p:style>
+        <p:txBody>
+          <a:bodyPr rtlCol="0" anchor="ctr"/>
+          <a:lstStyle/>
+          <a:p>
+            <a:pPr algn="ctr"/>
+            <a:r>
+              <a:rPr kumimoji="1" lang="en-US" altLang="ja-JP" b="1" dirty="0"/>
+              <a:t>Frequent items</a:t>
+            </a:r>
+            <a:endParaRPr kumimoji="1" lang="ja-JP" altLang="en-US" b="1" dirty="0"/>
+          </a:p>
+        </p:txBody>
+      </p:sp>
+      <p:sp>
+        <p:nvSpPr>
+          <p:cNvPr id="9" name="正方形/長方形 8">
+            <a:extLst>
+              <a:ext uri="{FF2B5EF4-FFF2-40B4-BE49-F238E27FC236}">
+                <a16:creationId xmlns:a16="http://schemas.microsoft.com/office/drawing/2014/main" id="{EB8201D3-1894-B4FB-E729-BBA60D066112}"/>
+              </a:ext>
+            </a:extLst>
+          </p:cNvPr>
+          <p:cNvSpPr/>
+          <p:nvPr/>
+        </p:nvSpPr>
+        <p:spPr>
+          <a:xfrm>
+            <a:off x="1273996" y="4388779"/>
+            <a:ext cx="1931541" cy="472611"/>
+          </a:xfrm>
+          <a:prstGeom prst="rect">
+            <a:avLst/>
+          </a:prstGeom>
+          <a:solidFill>
+            <a:srgbClr val="FFFFCC"/>
+          </a:solidFill>
+        </p:spPr>
+        <p:style>
+          <a:lnRef idx="2">
+            <a:schemeClr val="dk1"/>
+          </a:lnRef>
+          <a:fillRef idx="1">
+            <a:schemeClr val="lt1"/>
+          </a:fillRef>
+          <a:effectRef idx="0">
+            <a:schemeClr val="dk1"/>
+          </a:effectRef>
+          <a:fontRef idx="minor">
+            <a:schemeClr val="dk1"/>
+          </a:fontRef>
+        </p:style>
+        <p:txBody>
+          <a:bodyPr rtlCol="0" anchor="ctr"/>
+          <a:lstStyle/>
+          <a:p>
+            <a:pPr algn="ctr"/>
+            <a:r>
+              <a:rPr kumimoji="1" lang="en-US" altLang="ja-JP" b="1" dirty="0"/>
+              <a:t>Frequent users</a:t>
+            </a:r>
+            <a:endParaRPr kumimoji="1" lang="ja-JP" altLang="en-US" b="1" dirty="0"/>
+          </a:p>
+        </p:txBody>
+      </p:sp>
+      <p:sp>
+        <p:nvSpPr>
+          <p:cNvPr id="10" name="正方形/長方形 9">
+            <a:extLst>
+              <a:ext uri="{FF2B5EF4-FFF2-40B4-BE49-F238E27FC236}">
+                <a16:creationId xmlns:a16="http://schemas.microsoft.com/office/drawing/2014/main" id="{20FD5EF6-5E89-85C6-72F6-94311D237CB7}"/>
+              </a:ext>
+            </a:extLst>
+          </p:cNvPr>
+          <p:cNvSpPr/>
+          <p:nvPr/>
+        </p:nvSpPr>
+        <p:spPr>
+          <a:xfrm>
+            <a:off x="3821987" y="2494906"/>
+            <a:ext cx="1931540" cy="934094"/>
+          </a:xfrm>
+          <a:prstGeom prst="rect">
+            <a:avLst/>
+          </a:prstGeom>
+          <a:solidFill>
+            <a:srgbClr val="CCFFCC"/>
+          </a:solidFill>
+        </p:spPr>
+        <p:style>
+          <a:lnRef idx="2">
+            <a:schemeClr val="accent1">
+              <a:shade val="50000"/>
+            </a:schemeClr>
+          </a:lnRef>
+          <a:fillRef idx="1">
+            <a:schemeClr val="accent1"/>
+          </a:fillRef>
+          <a:effectRef idx="0">
+            <a:schemeClr val="accent1"/>
+          </a:effectRef>
+          <a:fontRef idx="minor">
+            <a:schemeClr val="lt1"/>
+          </a:fontRef>
+        </p:style>
+        <p:txBody>
+          <a:bodyPr rtlCol="0" anchor="ctr"/>
+          <a:lstStyle/>
+          <a:p>
+            <a:pPr algn="ctr"/>
+            <a:r>
+              <a:rPr kumimoji="1" lang="en-US" altLang="ja-JP" b="1" dirty="0">
+                <a:solidFill>
+                  <a:schemeClr val="bg1"/>
+                </a:solidFill>
+              </a:rPr>
+              <a:t>Feature only content based (CB)</a:t>
+            </a:r>
+            <a:endParaRPr kumimoji="1" lang="ja-JP" altLang="en-US" b="1" dirty="0">
+              <a:solidFill>
+                <a:schemeClr val="bg1"/>
+              </a:solidFill>
+            </a:endParaRPr>
+          </a:p>
+        </p:txBody>
+      </p:sp>
+      <p:sp>
+        <p:nvSpPr>
+          <p:cNvPr id="11" name="正方形/長方形 10">
+            <a:extLst>
+              <a:ext uri="{FF2B5EF4-FFF2-40B4-BE49-F238E27FC236}">
+                <a16:creationId xmlns:a16="http://schemas.microsoft.com/office/drawing/2014/main" id="{2AC33072-1C92-BD0E-F6D2-80DC491C0AD8}"/>
+              </a:ext>
+            </a:extLst>
+          </p:cNvPr>
+          <p:cNvSpPr/>
+          <p:nvPr/>
+        </p:nvSpPr>
+        <p:spPr>
+          <a:xfrm>
+            <a:off x="6565186" y="2486343"/>
+            <a:ext cx="2137023" cy="887002"/>
+          </a:xfrm>
+          <a:prstGeom prst="rect">
+            <a:avLst/>
+          </a:prstGeom>
+          <a:solidFill>
+            <a:srgbClr val="92D050"/>
+          </a:solidFill>
+        </p:spPr>
+        <p:style>
+          <a:lnRef idx="2">
+            <a:schemeClr val="accent1">
+              <a:shade val="50000"/>
+            </a:schemeClr>
+          </a:lnRef>
+          <a:fillRef idx="1">
+            <a:schemeClr val="accent1"/>
+          </a:fillRef>
+          <a:effectRef idx="0">
+            <a:schemeClr val="accent1"/>
+          </a:effectRef>
+          <a:fontRef idx="minor">
+            <a:schemeClr val="lt1"/>
+          </a:fontRef>
+        </p:style>
+        <p:txBody>
+          <a:bodyPr rtlCol="0" anchor="ctr"/>
+          <a:lstStyle/>
+          <a:p>
+            <a:pPr algn="ctr"/>
+            <a:r>
+              <a:rPr kumimoji="1" lang="en-US" altLang="ja-JP" b="1" dirty="0">
+                <a:solidFill>
+                  <a:schemeClr val="bg1"/>
+                </a:solidFill>
+              </a:rPr>
+              <a:t>CB + item bias</a:t>
+            </a:r>
+            <a:endParaRPr kumimoji="1" lang="ja-JP" altLang="en-US" b="1" dirty="0">
+              <a:solidFill>
+                <a:schemeClr val="bg1"/>
+              </a:solidFill>
+            </a:endParaRPr>
+          </a:p>
+        </p:txBody>
+      </p:sp>
+      <p:sp>
+        <p:nvSpPr>
+          <p:cNvPr id="12" name="正方形/長方形 11">
+            <a:extLst>
+              <a:ext uri="{FF2B5EF4-FFF2-40B4-BE49-F238E27FC236}">
+                <a16:creationId xmlns:a16="http://schemas.microsoft.com/office/drawing/2014/main" id="{D3E7A3EC-1600-B62A-480C-ADA1641C9A03}"/>
+              </a:ext>
+            </a:extLst>
+          </p:cNvPr>
+          <p:cNvSpPr/>
+          <p:nvPr/>
+        </p:nvSpPr>
+        <p:spPr>
+          <a:xfrm>
+            <a:off x="3821987" y="4158037"/>
+            <a:ext cx="1931540" cy="934094"/>
+          </a:xfrm>
+          <a:prstGeom prst="rect">
+            <a:avLst/>
+          </a:prstGeom>
+          <a:solidFill>
+            <a:srgbClr val="92D050"/>
+          </a:solidFill>
+        </p:spPr>
+        <p:style>
+          <a:lnRef idx="2">
+            <a:schemeClr val="accent1">
+              <a:shade val="50000"/>
+            </a:schemeClr>
+          </a:lnRef>
+          <a:fillRef idx="1">
+            <a:schemeClr val="accent1"/>
+          </a:fillRef>
+          <a:effectRef idx="0">
+            <a:schemeClr val="accent1"/>
+          </a:effectRef>
+          <a:fontRef idx="minor">
+            <a:schemeClr val="lt1"/>
+          </a:fontRef>
+        </p:style>
+        <p:txBody>
+          <a:bodyPr rtlCol="0" anchor="ctr"/>
+          <a:lstStyle/>
+          <a:p>
+            <a:pPr algn="ctr"/>
+            <a:r>
+              <a:rPr kumimoji="1" lang="en-US" altLang="ja-JP" b="1" dirty="0">
+                <a:solidFill>
+                  <a:schemeClr val="bg1"/>
+                </a:solidFill>
+              </a:rPr>
+              <a:t>CB + user bias</a:t>
+            </a:r>
+            <a:endParaRPr kumimoji="1" lang="ja-JP" altLang="en-US" b="1" dirty="0">
+              <a:solidFill>
+                <a:schemeClr val="bg1"/>
+              </a:solidFill>
+            </a:endParaRPr>
+          </a:p>
+        </p:txBody>
+      </p:sp>
+      <p:sp>
+        <p:nvSpPr>
+          <p:cNvPr id="13" name="正方形/長方形 12">
+            <a:extLst>
+              <a:ext uri="{FF2B5EF4-FFF2-40B4-BE49-F238E27FC236}">
+                <a16:creationId xmlns:a16="http://schemas.microsoft.com/office/drawing/2014/main" id="{B6B6D8FE-63EB-31D5-2275-F81A82A284E9}"/>
+              </a:ext>
+            </a:extLst>
+          </p:cNvPr>
+          <p:cNvSpPr/>
+          <p:nvPr/>
+        </p:nvSpPr>
+        <p:spPr>
+          <a:xfrm>
+            <a:off x="6565187" y="4158037"/>
+            <a:ext cx="2137024" cy="887002"/>
+          </a:xfrm>
+          <a:prstGeom prst="rect">
+            <a:avLst/>
+          </a:prstGeom>
+          <a:solidFill>
+            <a:srgbClr val="00B050"/>
+          </a:solidFill>
+        </p:spPr>
+        <p:style>
+          <a:lnRef idx="2">
+            <a:schemeClr val="accent1">
+              <a:shade val="50000"/>
+            </a:schemeClr>
+          </a:lnRef>
+          <a:fillRef idx="1">
+            <a:schemeClr val="accent1"/>
+          </a:fillRef>
+          <a:effectRef idx="0">
+            <a:schemeClr val="accent1"/>
+          </a:effectRef>
+          <a:fontRef idx="minor">
+            <a:schemeClr val="lt1"/>
+          </a:fontRef>
+        </p:style>
+        <p:txBody>
+          <a:bodyPr rtlCol="0" anchor="ctr"/>
+          <a:lstStyle/>
+          <a:p>
+            <a:pPr algn="ctr"/>
+            <a:r>
+              <a:rPr kumimoji="1" lang="en-US" altLang="ja-JP" b="1" dirty="0">
+                <a:solidFill>
+                  <a:schemeClr val="bg1"/>
+                </a:solidFill>
+              </a:rPr>
+              <a:t>CB + item bias + user bias +</a:t>
+            </a:r>
+          </a:p>
+          <a:p>
+            <a:pPr algn="ctr"/>
+            <a:r>
+              <a:rPr kumimoji="1" lang="en-US" altLang="ja-JP" b="1" dirty="0">
+                <a:solidFill>
+                  <a:schemeClr val="tx1"/>
+                </a:solidFill>
+              </a:rPr>
+              <a:t>Collaborative filter</a:t>
+            </a:r>
+            <a:endParaRPr kumimoji="1" lang="ja-JP" altLang="en-US" b="1" dirty="0">
+              <a:solidFill>
+                <a:schemeClr val="tx1"/>
+              </a:solidFill>
+            </a:endParaRPr>
+          </a:p>
+        </p:txBody>
+      </p:sp>
+      <p:sp>
+        <p:nvSpPr>
+          <p:cNvPr id="14" name="テキスト ボックス 13">
+            <a:extLst>
+              <a:ext uri="{FF2B5EF4-FFF2-40B4-BE49-F238E27FC236}">
+                <a16:creationId xmlns:a16="http://schemas.microsoft.com/office/drawing/2014/main" id="{1C26F995-E77A-D7B0-381D-E5004891BFA6}"/>
+              </a:ext>
+            </a:extLst>
+          </p:cNvPr>
+          <p:cNvSpPr txBox="1"/>
+          <p:nvPr/>
+        </p:nvSpPr>
+        <p:spPr>
+          <a:xfrm>
+            <a:off x="5322013" y="5659030"/>
+            <a:ext cx="3811713" cy="646331"/>
+          </a:xfrm>
+          <a:prstGeom prst="rect">
+            <a:avLst/>
+          </a:prstGeom>
+          <a:noFill/>
+        </p:spPr>
+        <p:txBody>
+          <a:bodyPr wrap="square" rtlCol="0">
+            <a:spAutoFit/>
+          </a:bodyPr>
+          <a:lstStyle/>
+          <a:p>
+            <a:r>
+              <a:rPr kumimoji="1" lang="en-US" altLang="ja-JP" dirty="0"/>
+              <a:t>bias: mean rating</a:t>
+            </a:r>
+          </a:p>
+          <a:p>
+            <a:r>
+              <a:rPr kumimoji="1" lang="en-US" altLang="ja-JP" dirty="0"/>
+              <a:t>User bias: users’ mean rating</a:t>
+            </a:r>
+            <a:endParaRPr kumimoji="1" lang="ja-JP" altLang="en-US" dirty="0"/>
+          </a:p>
+        </p:txBody>
+      </p:sp>
+      <p:sp>
+        <p:nvSpPr>
+          <p:cNvPr id="3" name="テキスト ボックス 2">
+            <a:extLst>
+              <a:ext uri="{FF2B5EF4-FFF2-40B4-BE49-F238E27FC236}">
+                <a16:creationId xmlns:a16="http://schemas.microsoft.com/office/drawing/2014/main" id="{B5D339F9-3DE3-C216-0434-D6F6B31D0531}"/>
+              </a:ext>
+            </a:extLst>
+          </p:cNvPr>
+          <p:cNvSpPr txBox="1"/>
+          <p:nvPr/>
+        </p:nvSpPr>
+        <p:spPr>
+          <a:xfrm>
+            <a:off x="4941869" y="1048732"/>
+            <a:ext cx="2856216" cy="369332"/>
+          </a:xfrm>
+          <a:prstGeom prst="rect">
+            <a:avLst/>
+          </a:prstGeom>
+          <a:noFill/>
+        </p:spPr>
+        <p:txBody>
+          <a:bodyPr wrap="square" rtlCol="0">
+            <a:spAutoFit/>
+          </a:bodyPr>
+          <a:lstStyle/>
+          <a:p>
+            <a:r>
+              <a:rPr kumimoji="1" lang="en-US" altLang="ja-JP" b="1" dirty="0"/>
+              <a:t>Threshold (count) = 20</a:t>
+            </a:r>
+            <a:endParaRPr kumimoji="1" lang="ja-JP" altLang="en-US" b="1" dirty="0"/>
+          </a:p>
+        </p:txBody>
+      </p:sp>
+      <p:sp>
+        <p:nvSpPr>
+          <p:cNvPr id="4" name="テキスト ボックス 3">
+            <a:extLst>
+              <a:ext uri="{FF2B5EF4-FFF2-40B4-BE49-F238E27FC236}">
+                <a16:creationId xmlns:a16="http://schemas.microsoft.com/office/drawing/2014/main" id="{6E107AE8-6A64-F733-F614-C1E672608E19}"/>
+              </a:ext>
+            </a:extLst>
+          </p:cNvPr>
+          <p:cNvSpPr txBox="1"/>
+          <p:nvPr/>
+        </p:nvSpPr>
+        <p:spPr>
+          <a:xfrm>
+            <a:off x="913795" y="3693773"/>
+            <a:ext cx="2856216" cy="369332"/>
+          </a:xfrm>
+          <a:prstGeom prst="rect">
+            <a:avLst/>
+          </a:prstGeom>
+          <a:noFill/>
+        </p:spPr>
+        <p:txBody>
+          <a:bodyPr wrap="square" rtlCol="0">
+            <a:spAutoFit/>
+          </a:bodyPr>
+          <a:lstStyle/>
+          <a:p>
+            <a:r>
+              <a:rPr kumimoji="1" lang="en-US" altLang="ja-JP" b="1" dirty="0"/>
+              <a:t>Threshold (count) = 20</a:t>
+            </a:r>
+            <a:endParaRPr kumimoji="1" lang="ja-JP" altLang="en-US" b="1" dirty="0"/>
+          </a:p>
+        </p:txBody>
+      </p:sp>
+      <p:cxnSp>
+        <p:nvCxnSpPr>
+          <p:cNvPr id="15" name="直線コネクタ 14">
+            <a:extLst>
+              <a:ext uri="{FF2B5EF4-FFF2-40B4-BE49-F238E27FC236}">
+                <a16:creationId xmlns:a16="http://schemas.microsoft.com/office/drawing/2014/main" id="{9F231D9E-31E9-216A-1D9D-2AFFF25C314A}"/>
+              </a:ext>
+            </a:extLst>
+          </p:cNvPr>
+          <p:cNvCxnSpPr/>
+          <p:nvPr/>
+        </p:nvCxnSpPr>
+        <p:spPr>
+          <a:xfrm>
+            <a:off x="6185043" y="1528405"/>
+            <a:ext cx="0" cy="3563726"/>
+          </a:xfrm>
+          <a:prstGeom prst="line">
+            <a:avLst/>
+          </a:prstGeom>
+          <a:ln w="19050">
+            <a:solidFill>
+              <a:schemeClr val="tx1"/>
+            </a:solidFill>
+            <a:prstDash val="dash"/>
+            <a:tailEnd type="none"/>
+          </a:ln>
+        </p:spPr>
+        <p:style>
+          <a:lnRef idx="1">
+            <a:schemeClr val="accent1"/>
+          </a:lnRef>
+          <a:fillRef idx="0">
+            <a:schemeClr val="accent1"/>
+          </a:fillRef>
+          <a:effectRef idx="0">
+            <a:schemeClr val="accent1"/>
+          </a:effectRef>
+          <a:fontRef idx="minor">
+            <a:schemeClr val="tx1"/>
+          </a:fontRef>
+        </p:style>
+      </p:cxnSp>
+      <p:cxnSp>
+        <p:nvCxnSpPr>
+          <p:cNvPr id="16" name="直線コネクタ 15">
+            <a:extLst>
+              <a:ext uri="{FF2B5EF4-FFF2-40B4-BE49-F238E27FC236}">
+                <a16:creationId xmlns:a16="http://schemas.microsoft.com/office/drawing/2014/main" id="{DAA2805A-8F85-7204-02FE-ACA8EA22C6DC}"/>
+              </a:ext>
+            </a:extLst>
+          </p:cNvPr>
+          <p:cNvCxnSpPr>
+            <a:cxnSpLocks/>
+          </p:cNvCxnSpPr>
+          <p:nvPr/>
+        </p:nvCxnSpPr>
+        <p:spPr>
+          <a:xfrm flipH="1">
+            <a:off x="3717533" y="3878439"/>
+            <a:ext cx="5200436" cy="0"/>
+          </a:xfrm>
+          <a:prstGeom prst="line">
+            <a:avLst/>
+          </a:prstGeom>
+          <a:ln w="19050">
+            <a:solidFill>
+              <a:schemeClr val="tx1"/>
+            </a:solidFill>
+            <a:prstDash val="dash"/>
+            <a:tailEnd type="none"/>
+          </a:ln>
+        </p:spPr>
+        <p:style>
+          <a:lnRef idx="1">
+            <a:schemeClr val="accent1"/>
+          </a:lnRef>
+          <a:fillRef idx="0">
+            <a:schemeClr val="accent1"/>
+          </a:fillRef>
+          <a:effectRef idx="0">
+            <a:schemeClr val="accent1"/>
+          </a:effectRef>
+          <a:fontRef idx="minor">
+            <a:schemeClr val="tx1"/>
+          </a:fontRef>
+        </p:style>
+      </p:cxnSp>
+    </p:spTree>
+    <p:extLst>
+      <p:ext uri="{BB962C8B-B14F-4D97-AF65-F5344CB8AC3E}">
+        <p14:creationId xmlns:p14="http://schemas.microsoft.com/office/powerpoint/2010/main" val="147466885"/>
+      </p:ext>
+    </p:extLst>
+  </p:cSld>
+  <p:clrMapOvr>
+    <a:masterClrMapping/>
+  </p:clrMapOvr>
+</p:sld>
+</file>
+
+<file path=ppt/slides/slide7.xml><?xml version="1.0" encoding="utf-8"?>
+<p:sld xmlns:a="http://schemas.openxmlformats.org/drawingml/2006/main" xmlns:r="http://schemas.openxmlformats.org/officeDocument/2006/relationships" xmlns:p="http://schemas.openxmlformats.org/presentationml/2006/main">
+  <p:cSld>
+    <p:spTree>
+      <p:nvGrpSpPr>
+        <p:cNvPr id="1" name=""/>
+        <p:cNvGrpSpPr/>
+        <p:nvPr/>
+      </p:nvGrpSpPr>
+      <p:grpSpPr>
+        <a:xfrm>
+          <a:off x="0" y="0"/>
+          <a:ext cx="0" cy="0"/>
+          <a:chOff x="0" y="0"/>
+          <a:chExt cx="0" cy="0"/>
+        </a:xfrm>
+      </p:grpSpPr>
+      <p:sp>
+        <p:nvSpPr>
           <p:cNvPr id="2" name="タイトル 1">
             <a:extLst>
               <a:ext uri="{FF2B5EF4-FFF2-40B4-BE49-F238E27FC236}">
@@ -8264,7 +10831,7 @@
         <p:spPr>
           <a:xfrm>
             <a:off x="6822039" y="1249188"/>
-            <a:ext cx="2284287" cy="1343365"/>
+            <a:ext cx="2568649" cy="1510595"/>
           </a:xfrm>
           <a:prstGeom prst="rect">
             <a:avLst/>
@@ -8285,7 +10852,7 @@
         </p:nvSpPr>
         <p:spPr>
           <a:xfrm>
-            <a:off x="1983299" y="4353780"/>
+            <a:off x="1688769" y="4353780"/>
             <a:ext cx="3749681" cy="1754326"/>
           </a:xfrm>
           <a:prstGeom prst="rect">
@@ -8391,8 +10958,8 @@
         </p:blipFill>
         <p:spPr bwMode="auto">
           <a:xfrm>
-            <a:off x="7128552" y="2927341"/>
-            <a:ext cx="3676650" cy="2657475"/>
+            <a:off x="6391274" y="3476699"/>
+            <a:ext cx="3088348" cy="2232252"/>
           </a:xfrm>
           <a:prstGeom prst="rect">
             <a:avLst/>
@@ -8416,8 +10983,8 @@
         </p:nvSpPr>
         <p:spPr>
           <a:xfrm>
-            <a:off x="4623369" y="5877274"/>
-            <a:ext cx="7017250" cy="830997"/>
+            <a:off x="3174715" y="5877274"/>
+            <a:ext cx="5291191" cy="830997"/>
           </a:xfrm>
           <a:prstGeom prst="rect">
             <a:avLst/>
@@ -8432,7 +10999,7 @@
           <a:p>
             <a:r>
               <a:rPr kumimoji="1" lang="en-US" altLang="ja-JP" sz="2400" dirty="0"/>
-              <a:t>All the methods are divided by source in this project</a:t>
+              <a:t>All the methods are divided by source</a:t>
             </a:r>
           </a:p>
           <a:p>
@@ -8554,8 +11121,8 @@
         </p:nvCxnSpPr>
         <p:spPr>
           <a:xfrm flipV="1">
-            <a:off x="4837416" y="5198724"/>
-            <a:ext cx="1553858" cy="388598"/>
+            <a:off x="4703750" y="5075434"/>
+            <a:ext cx="1576118" cy="289577"/>
           </a:xfrm>
           <a:prstGeom prst="straightConnector1">
             <a:avLst/>
@@ -8582,6 +11149,475 @@
           </a:fontRef>
         </p:style>
       </p:cxnSp>
+      <p:sp>
+        <p:nvSpPr>
+          <p:cNvPr id="4" name="テキスト ボックス 3">
+            <a:extLst>
+              <a:ext uri="{FF2B5EF4-FFF2-40B4-BE49-F238E27FC236}">
+                <a16:creationId xmlns:a16="http://schemas.microsoft.com/office/drawing/2014/main" id="{35C27CE2-1C72-9B1E-D299-20F4EC5A8E1D}"/>
+              </a:ext>
+            </a:extLst>
+          </p:cNvPr>
+          <p:cNvSpPr txBox="1"/>
+          <p:nvPr/>
+        </p:nvSpPr>
+        <p:spPr>
+          <a:xfrm>
+            <a:off x="1232899" y="1664413"/>
+            <a:ext cx="2106202" cy="369332"/>
+          </a:xfrm>
+          <a:prstGeom prst="rect">
+            <a:avLst/>
+          </a:prstGeom>
+          <a:noFill/>
+        </p:spPr>
+        <p:txBody>
+          <a:bodyPr wrap="square" rtlCol="0">
+            <a:spAutoFit/>
+          </a:bodyPr>
+          <a:lstStyle/>
+          <a:p>
+            <a:r>
+              <a:rPr kumimoji="1" lang="en-US" altLang="ja-JP" dirty="0">
+                <a:solidFill>
+                  <a:schemeClr val="bg1"/>
+                </a:solidFill>
+              </a:rPr>
+              <a:t>Mean ratings</a:t>
+            </a:r>
+            <a:endParaRPr kumimoji="1" lang="ja-JP" altLang="en-US" dirty="0">
+              <a:solidFill>
+                <a:schemeClr val="bg1"/>
+              </a:solidFill>
+            </a:endParaRPr>
+          </a:p>
+        </p:txBody>
+      </p:sp>
+      <p:grpSp>
+        <p:nvGrpSpPr>
+          <p:cNvPr id="17" name="グループ化 16">
+            <a:extLst>
+              <a:ext uri="{FF2B5EF4-FFF2-40B4-BE49-F238E27FC236}">
+                <a16:creationId xmlns:a16="http://schemas.microsoft.com/office/drawing/2014/main" id="{91157A32-281A-421B-4C48-77D8DEC2196D}"/>
+              </a:ext>
+            </a:extLst>
+          </p:cNvPr>
+          <p:cNvGrpSpPr/>
+          <p:nvPr/>
+        </p:nvGrpSpPr>
+        <p:grpSpPr>
+          <a:xfrm>
+            <a:off x="753431" y="2085115"/>
+            <a:ext cx="5271881" cy="1288492"/>
+            <a:chOff x="753431" y="2085115"/>
+            <a:chExt cx="5271881" cy="1288492"/>
+          </a:xfrm>
+        </p:grpSpPr>
+        <p:sp>
+          <p:nvSpPr>
+            <p:cNvPr id="5" name="楕円 4">
+              <a:extLst>
+                <a:ext uri="{FF2B5EF4-FFF2-40B4-BE49-F238E27FC236}">
+                  <a16:creationId xmlns:a16="http://schemas.microsoft.com/office/drawing/2014/main" id="{B295B094-7936-DFB7-4682-FD3842F62949}"/>
+                </a:ext>
+              </a:extLst>
+            </p:cNvPr>
+            <p:cNvSpPr/>
+            <p:nvPr/>
+          </p:nvSpPr>
+          <p:spPr>
+            <a:xfrm>
+              <a:off x="3174715" y="2085115"/>
+              <a:ext cx="452063" cy="379232"/>
+            </a:xfrm>
+            <a:prstGeom prst="ellipse">
+              <a:avLst/>
+            </a:prstGeom>
+            <a:ln w="25400">
+              <a:solidFill>
+                <a:srgbClr val="0070C0"/>
+              </a:solidFill>
+              <a:prstDash val="solid"/>
+            </a:ln>
+          </p:spPr>
+          <p:style>
+            <a:lnRef idx="1">
+              <a:schemeClr val="accent1"/>
+            </a:lnRef>
+            <a:fillRef idx="0">
+              <a:schemeClr val="accent1"/>
+            </a:fillRef>
+            <a:effectRef idx="0">
+              <a:schemeClr val="accent1"/>
+            </a:effectRef>
+            <a:fontRef idx="minor">
+              <a:schemeClr val="tx1"/>
+            </a:fontRef>
+          </p:style>
+          <p:txBody>
+            <a:bodyPr rtlCol="0" anchor="ctr"/>
+            <a:lstStyle/>
+            <a:p>
+              <a:pPr algn="ctr"/>
+              <a:endParaRPr kumimoji="1" lang="ja-JP" altLang="en-US"/>
+            </a:p>
+          </p:txBody>
+        </p:sp>
+        <p:sp>
+          <p:nvSpPr>
+            <p:cNvPr id="6" name="楕円 5">
+              <a:extLst>
+                <a:ext uri="{FF2B5EF4-FFF2-40B4-BE49-F238E27FC236}">
+                  <a16:creationId xmlns:a16="http://schemas.microsoft.com/office/drawing/2014/main" id="{E2A28283-11EB-841A-FB9E-A0F42864B153}"/>
+                </a:ext>
+              </a:extLst>
+            </p:cNvPr>
+            <p:cNvSpPr/>
+            <p:nvPr/>
+          </p:nvSpPr>
+          <p:spPr>
+            <a:xfrm>
+              <a:off x="5573249" y="2104213"/>
+              <a:ext cx="452063" cy="379232"/>
+            </a:xfrm>
+            <a:prstGeom prst="ellipse">
+              <a:avLst/>
+            </a:prstGeom>
+            <a:ln w="25400">
+              <a:solidFill>
+                <a:srgbClr val="0070C0"/>
+              </a:solidFill>
+              <a:prstDash val="solid"/>
+            </a:ln>
+          </p:spPr>
+          <p:style>
+            <a:lnRef idx="1">
+              <a:schemeClr val="accent1"/>
+            </a:lnRef>
+            <a:fillRef idx="0">
+              <a:schemeClr val="accent1"/>
+            </a:fillRef>
+            <a:effectRef idx="0">
+              <a:schemeClr val="accent1"/>
+            </a:effectRef>
+            <a:fontRef idx="minor">
+              <a:schemeClr val="tx1"/>
+            </a:fontRef>
+          </p:style>
+          <p:txBody>
+            <a:bodyPr rtlCol="0" anchor="ctr"/>
+            <a:lstStyle/>
+            <a:p>
+              <a:pPr algn="ctr"/>
+              <a:endParaRPr kumimoji="1" lang="ja-JP" altLang="en-US"/>
+            </a:p>
+          </p:txBody>
+        </p:sp>
+        <p:sp>
+          <p:nvSpPr>
+            <p:cNvPr id="7" name="楕円 6">
+              <a:extLst>
+                <a:ext uri="{FF2B5EF4-FFF2-40B4-BE49-F238E27FC236}">
+                  <a16:creationId xmlns:a16="http://schemas.microsoft.com/office/drawing/2014/main" id="{67EF4144-7A42-4F2E-7E35-02EFAC790950}"/>
+                </a:ext>
+              </a:extLst>
+            </p:cNvPr>
+            <p:cNvSpPr/>
+            <p:nvPr/>
+          </p:nvSpPr>
+          <p:spPr>
+            <a:xfrm>
+              <a:off x="1375031" y="2514915"/>
+              <a:ext cx="1049670" cy="369332"/>
+            </a:xfrm>
+            <a:prstGeom prst="ellipse">
+              <a:avLst/>
+            </a:prstGeom>
+            <a:ln w="25400">
+              <a:solidFill>
+                <a:srgbClr val="FF9900"/>
+              </a:solidFill>
+              <a:prstDash val="solid"/>
+            </a:ln>
+          </p:spPr>
+          <p:style>
+            <a:lnRef idx="1">
+              <a:schemeClr val="accent1"/>
+            </a:lnRef>
+            <a:fillRef idx="0">
+              <a:schemeClr val="accent1"/>
+            </a:fillRef>
+            <a:effectRef idx="0">
+              <a:schemeClr val="accent1"/>
+            </a:effectRef>
+            <a:fontRef idx="minor">
+              <a:schemeClr val="tx1"/>
+            </a:fontRef>
+          </p:style>
+          <p:txBody>
+            <a:bodyPr rtlCol="0" anchor="ctr"/>
+            <a:lstStyle/>
+            <a:p>
+              <a:pPr algn="ctr"/>
+              <a:endParaRPr kumimoji="1" lang="ja-JP" altLang="en-US"/>
+            </a:p>
+          </p:txBody>
+        </p:sp>
+        <p:sp>
+          <p:nvSpPr>
+            <p:cNvPr id="8" name="楕円 7">
+              <a:extLst>
+                <a:ext uri="{FF2B5EF4-FFF2-40B4-BE49-F238E27FC236}">
+                  <a16:creationId xmlns:a16="http://schemas.microsoft.com/office/drawing/2014/main" id="{DC4FA51E-12F0-F30D-D84B-12CF3D8CFF06}"/>
+                </a:ext>
+              </a:extLst>
+            </p:cNvPr>
+            <p:cNvSpPr/>
+            <p:nvPr/>
+          </p:nvSpPr>
+          <p:spPr>
+            <a:xfrm>
+              <a:off x="4940153" y="2504641"/>
+              <a:ext cx="452063" cy="379232"/>
+            </a:xfrm>
+            <a:prstGeom prst="ellipse">
+              <a:avLst/>
+            </a:prstGeom>
+            <a:ln w="25400">
+              <a:solidFill>
+                <a:srgbClr val="FF9900"/>
+              </a:solidFill>
+              <a:prstDash val="solid"/>
+            </a:ln>
+          </p:spPr>
+          <p:style>
+            <a:lnRef idx="1">
+              <a:schemeClr val="accent1"/>
+            </a:lnRef>
+            <a:fillRef idx="0">
+              <a:schemeClr val="accent1"/>
+            </a:fillRef>
+            <a:effectRef idx="0">
+              <a:schemeClr val="accent1"/>
+            </a:effectRef>
+            <a:fontRef idx="minor">
+              <a:schemeClr val="tx1"/>
+            </a:fontRef>
+          </p:style>
+          <p:txBody>
+            <a:bodyPr rtlCol="0" anchor="ctr"/>
+            <a:lstStyle/>
+            <a:p>
+              <a:pPr algn="ctr"/>
+              <a:endParaRPr kumimoji="1" lang="ja-JP" altLang="en-US"/>
+            </a:p>
+          </p:txBody>
+        </p:sp>
+        <p:sp>
+          <p:nvSpPr>
+            <p:cNvPr id="9" name="楕円 8">
+              <a:extLst>
+                <a:ext uri="{FF2B5EF4-FFF2-40B4-BE49-F238E27FC236}">
+                  <a16:creationId xmlns:a16="http://schemas.microsoft.com/office/drawing/2014/main" id="{BF1573FA-93D2-02EA-EAA9-C3B1D6A44D4D}"/>
+                </a:ext>
+              </a:extLst>
+            </p:cNvPr>
+            <p:cNvSpPr/>
+            <p:nvPr/>
+          </p:nvSpPr>
+          <p:spPr>
+            <a:xfrm>
+              <a:off x="2544564" y="2759783"/>
+              <a:ext cx="452063" cy="379232"/>
+            </a:xfrm>
+            <a:prstGeom prst="ellipse">
+              <a:avLst/>
+            </a:prstGeom>
+            <a:noFill/>
+            <a:ln w="25400">
+              <a:solidFill>
+                <a:srgbClr val="339966"/>
+              </a:solidFill>
+              <a:prstDash val="solid"/>
+            </a:ln>
+          </p:spPr>
+          <p:style>
+            <a:lnRef idx="1">
+              <a:schemeClr val="accent1"/>
+            </a:lnRef>
+            <a:fillRef idx="0">
+              <a:schemeClr val="accent1"/>
+            </a:fillRef>
+            <a:effectRef idx="0">
+              <a:schemeClr val="accent1"/>
+            </a:effectRef>
+            <a:fontRef idx="minor">
+              <a:schemeClr val="tx1"/>
+            </a:fontRef>
+          </p:style>
+          <p:txBody>
+            <a:bodyPr rtlCol="0" anchor="ctr"/>
+            <a:lstStyle/>
+            <a:p>
+              <a:pPr algn="ctr"/>
+              <a:endParaRPr kumimoji="1" lang="ja-JP" altLang="en-US"/>
+            </a:p>
+          </p:txBody>
+        </p:sp>
+        <p:sp>
+          <p:nvSpPr>
+            <p:cNvPr id="12" name="楕円 11">
+              <a:extLst>
+                <a:ext uri="{FF2B5EF4-FFF2-40B4-BE49-F238E27FC236}">
+                  <a16:creationId xmlns:a16="http://schemas.microsoft.com/office/drawing/2014/main" id="{843F043D-0946-573E-5DDD-3CF72ACD7C50}"/>
+                </a:ext>
+              </a:extLst>
+            </p:cNvPr>
+            <p:cNvSpPr/>
+            <p:nvPr/>
+          </p:nvSpPr>
+          <p:spPr>
+            <a:xfrm>
+              <a:off x="3765473" y="2655331"/>
+              <a:ext cx="452063" cy="379232"/>
+            </a:xfrm>
+            <a:prstGeom prst="ellipse">
+              <a:avLst/>
+            </a:prstGeom>
+            <a:noFill/>
+            <a:ln w="25400">
+              <a:solidFill>
+                <a:srgbClr val="339966"/>
+              </a:solidFill>
+              <a:prstDash val="solid"/>
+            </a:ln>
+          </p:spPr>
+          <p:style>
+            <a:lnRef idx="1">
+              <a:schemeClr val="accent1"/>
+            </a:lnRef>
+            <a:fillRef idx="0">
+              <a:schemeClr val="accent1"/>
+            </a:fillRef>
+            <a:effectRef idx="0">
+              <a:schemeClr val="accent1"/>
+            </a:effectRef>
+            <a:fontRef idx="minor">
+              <a:schemeClr val="tx1"/>
+            </a:fontRef>
+          </p:style>
+          <p:txBody>
+            <a:bodyPr rtlCol="0" anchor="ctr"/>
+            <a:lstStyle/>
+            <a:p>
+              <a:pPr algn="ctr"/>
+              <a:endParaRPr kumimoji="1" lang="ja-JP" altLang="en-US"/>
+            </a:p>
+          </p:txBody>
+        </p:sp>
+        <p:sp>
+          <p:nvSpPr>
+            <p:cNvPr id="13" name="楕円 12">
+              <a:extLst>
+                <a:ext uri="{FF2B5EF4-FFF2-40B4-BE49-F238E27FC236}">
+                  <a16:creationId xmlns:a16="http://schemas.microsoft.com/office/drawing/2014/main" id="{17656169-9700-0778-9997-A6610A456E28}"/>
+                </a:ext>
+              </a:extLst>
+            </p:cNvPr>
+            <p:cNvSpPr/>
+            <p:nvPr/>
+          </p:nvSpPr>
+          <p:spPr>
+            <a:xfrm>
+              <a:off x="4371650" y="2994375"/>
+              <a:ext cx="452063" cy="379232"/>
+            </a:xfrm>
+            <a:prstGeom prst="ellipse">
+              <a:avLst/>
+            </a:prstGeom>
+            <a:noFill/>
+            <a:ln w="25400">
+              <a:solidFill>
+                <a:srgbClr val="FF3300"/>
+              </a:solidFill>
+              <a:prstDash val="solid"/>
+            </a:ln>
+          </p:spPr>
+          <p:style>
+            <a:lnRef idx="1">
+              <a:schemeClr val="accent1"/>
+            </a:lnRef>
+            <a:fillRef idx="0">
+              <a:schemeClr val="accent1"/>
+            </a:fillRef>
+            <a:effectRef idx="0">
+              <a:schemeClr val="accent1"/>
+            </a:effectRef>
+            <a:fontRef idx="minor">
+              <a:schemeClr val="tx1"/>
+            </a:fontRef>
+          </p:style>
+          <p:txBody>
+            <a:bodyPr rtlCol="0" anchor="ctr"/>
+            <a:lstStyle/>
+            <a:p>
+              <a:pPr algn="ctr"/>
+              <a:endParaRPr kumimoji="1" lang="ja-JP" altLang="en-US"/>
+            </a:p>
+          </p:txBody>
+        </p:sp>
+        <p:sp>
+          <p:nvSpPr>
+            <p:cNvPr id="16" name="楕円 15">
+              <a:extLst>
+                <a:ext uri="{FF2B5EF4-FFF2-40B4-BE49-F238E27FC236}">
+                  <a16:creationId xmlns:a16="http://schemas.microsoft.com/office/drawing/2014/main" id="{952F253A-39F7-9D6D-CBF5-48D2884F4E5E}"/>
+                </a:ext>
+              </a:extLst>
+            </p:cNvPr>
+            <p:cNvSpPr/>
+            <p:nvPr/>
+          </p:nvSpPr>
+          <p:spPr>
+            <a:xfrm>
+              <a:off x="753431" y="2324843"/>
+              <a:ext cx="452063" cy="379232"/>
+            </a:xfrm>
+            <a:prstGeom prst="ellipse">
+              <a:avLst/>
+            </a:prstGeom>
+            <a:noFill/>
+            <a:ln w="25400">
+              <a:solidFill>
+                <a:srgbClr val="7030A0"/>
+              </a:solidFill>
+              <a:prstDash val="solid"/>
+            </a:ln>
+          </p:spPr>
+          <p:style>
+            <a:lnRef idx="1">
+              <a:schemeClr val="accent1"/>
+            </a:lnRef>
+            <a:fillRef idx="0">
+              <a:schemeClr val="accent1"/>
+            </a:fillRef>
+            <a:effectRef idx="0">
+              <a:schemeClr val="accent1"/>
+            </a:effectRef>
+            <a:fontRef idx="minor">
+              <a:schemeClr val="tx1"/>
+            </a:fontRef>
+          </p:style>
+          <p:txBody>
+            <a:bodyPr rtlCol="0" anchor="ctr"/>
+            <a:lstStyle/>
+            <a:p>
+              <a:pPr algn="ctr"/>
+              <a:endParaRPr kumimoji="1" lang="ja-JP" altLang="en-US"/>
+            </a:p>
+          </p:txBody>
+        </p:sp>
+      </p:grpSp>
     </p:spTree>
     <p:extLst>
       <p:ext uri="{BB962C8B-B14F-4D97-AF65-F5344CB8AC3E}">
@@ -8592,10 +11628,93 @@
   <p:clrMapOvr>
     <a:masterClrMapping/>
   </p:clrMapOvr>
+  <p:timing>
+    <p:tnLst>
+      <p:par>
+        <p:cTn id="1" dur="indefinite" restart="never" nodeType="tmRoot">
+          <p:childTnLst>
+            <p:seq concurrent="1" nextAc="seek">
+              <p:cTn id="2" dur="indefinite" nodeType="mainSeq">
+                <p:childTnLst>
+                  <p:par>
+                    <p:cTn id="3" fill="hold">
+                      <p:stCondLst>
+                        <p:cond delay="indefinite"/>
+                      </p:stCondLst>
+                      <p:childTnLst>
+                        <p:par>
+                          <p:cTn id="4" fill="hold">
+                            <p:stCondLst>
+                              <p:cond delay="0"/>
+                            </p:stCondLst>
+                            <p:childTnLst>
+                              <p:par>
+                                <p:cTn id="5" presetID="10" presetClass="entr" presetSubtype="0" fill="hold" nodeType="clickEffect">
+                                  <p:stCondLst>
+                                    <p:cond delay="0"/>
+                                  </p:stCondLst>
+                                  <p:childTnLst>
+                                    <p:set>
+                                      <p:cBhvr>
+                                        <p:cTn id="6" dur="1" fill="hold">
+                                          <p:stCondLst>
+                                            <p:cond delay="0"/>
+                                          </p:stCondLst>
+                                        </p:cTn>
+                                        <p:tgtEl>
+                                          <p:spTgt spid="17"/>
+                                        </p:tgtEl>
+                                        <p:attrNameLst>
+                                          <p:attrName>style.visibility</p:attrName>
+                                        </p:attrNameLst>
+                                      </p:cBhvr>
+                                      <p:to>
+                                        <p:strVal val="visible"/>
+                                      </p:to>
+                                    </p:set>
+                                    <p:animEffect transition="in" filter="fade">
+                                      <p:cBhvr>
+                                        <p:cTn id="7" dur="500"/>
+                                        <p:tgtEl>
+                                          <p:spTgt spid="17"/>
+                                        </p:tgtEl>
+                                      </p:cBhvr>
+                                    </p:animEffect>
+                                  </p:childTnLst>
+                                </p:cTn>
+                              </p:par>
+                            </p:childTnLst>
+                          </p:cTn>
+                        </p:par>
+                      </p:childTnLst>
+                    </p:cTn>
+                  </p:par>
+                </p:childTnLst>
+              </p:cTn>
+              <p:prevCondLst>
+                <p:cond evt="onPrev" delay="0">
+                  <p:tgtEl>
+                    <p:sldTgt/>
+                  </p:tgtEl>
+                </p:cond>
+              </p:prevCondLst>
+              <p:nextCondLst>
+                <p:cond evt="onNext" delay="0">
+                  <p:tgtEl>
+                    <p:sldTgt/>
+                  </p:tgtEl>
+                </p:cond>
+              </p:nextCondLst>
+            </p:seq>
+          </p:childTnLst>
+        </p:cTn>
+      </p:par>
+    </p:tnLst>
+  </p:timing>
 </p:sld>
 </file>
 
-<file path=ppt/slides/slide6.xml><?xml version="1.0" encoding="utf-8"?>
+<file path=ppt/slides/slide8.xml><?xml version="1.0" encoding="utf-8"?>
 <p:sld xmlns:a="http://schemas.openxmlformats.org/drawingml/2006/main" xmlns:r="http://schemas.openxmlformats.org/officeDocument/2006/relationships" xmlns:p="http://schemas.openxmlformats.org/presentationml/2006/main">
   <p:cSld>
     <p:spTree>
@@ -8646,7 +11765,7 @@
                   <a:schemeClr val="tx1"/>
                 </a:solidFill>
               </a:rPr>
-              <a:t>Item features and mea</a:t>
+              <a:t>mea</a:t>
             </a:r>
             <a:r>
               <a:rPr lang="en-US" altLang="ja-JP" dirty="0">
@@ -8654,7 +11773,7 @@
                   <a:schemeClr val="tx1"/>
                 </a:solidFill>
               </a:rPr>
-              <a:t>n rating</a:t>
+              <a:t>n ratings of features</a:t>
             </a:r>
             <a:endParaRPr kumimoji="1" lang="ja-JP" altLang="en-US" dirty="0">
               <a:solidFill>
@@ -8773,7 +11892,7 @@
         </p:blipFill>
         <p:spPr bwMode="auto">
           <a:xfrm>
-            <a:off x="8127501" y="1891515"/>
+            <a:off x="8127499" y="1891515"/>
             <a:ext cx="3743325" cy="2705100"/>
           </a:xfrm>
           <a:prstGeom prst="rect">
@@ -8858,42 +11977,6 @@
       </p:sp>
       <p:sp>
         <p:nvSpPr>
-          <p:cNvPr id="5" name="テキスト ボックス 4">
-            <a:extLst>
-              <a:ext uri="{FF2B5EF4-FFF2-40B4-BE49-F238E27FC236}">
-                <a16:creationId xmlns:a16="http://schemas.microsoft.com/office/drawing/2014/main" id="{EF1C8FAF-2C83-C622-4602-D1F618ACCD4C}"/>
-              </a:ext>
-            </a:extLst>
-          </p:cNvPr>
-          <p:cNvSpPr txBox="1"/>
-          <p:nvPr/>
-        </p:nvSpPr>
-        <p:spPr>
-          <a:xfrm>
-            <a:off x="8653248" y="4978299"/>
-            <a:ext cx="2874356" cy="707886"/>
-          </a:xfrm>
-          <a:prstGeom prst="rect">
-            <a:avLst/>
-          </a:prstGeom>
-          <a:noFill/>
-        </p:spPr>
-        <p:txBody>
-          <a:bodyPr wrap="square" rtlCol="0">
-            <a:spAutoFit/>
-          </a:bodyPr>
-          <a:lstStyle/>
-          <a:p>
-            <a:r>
-              <a:rPr kumimoji="1" lang="en-US" altLang="ja-JP" sz="2000" dirty="0"/>
-              <a:t>Songs become less popular as time goes by</a:t>
-            </a:r>
-            <a:endParaRPr kumimoji="1" lang="ja-JP" altLang="en-US" sz="2000" dirty="0"/>
-          </a:p>
-        </p:txBody>
-      </p:sp>
-      <p:sp>
-        <p:nvSpPr>
           <p:cNvPr id="6" name="テキスト ボックス 5">
             <a:extLst>
               <a:ext uri="{FF2B5EF4-FFF2-40B4-BE49-F238E27FC236}">
@@ -8906,8 +11989,8 @@
         </p:nvSpPr>
         <p:spPr>
           <a:xfrm>
-            <a:off x="8345023" y="1376737"/>
-            <a:ext cx="3308279" cy="369332"/>
+            <a:off x="8364555" y="1514442"/>
+            <a:ext cx="3638549" cy="369332"/>
           </a:xfrm>
           <a:prstGeom prst="rect">
             <a:avLst/>
@@ -8923,9 +12006,8 @@
             <a:pPr algn="ctr"/>
             <a:r>
               <a:rPr kumimoji="1" lang="en-US" altLang="ja-JP" b="1" dirty="0"/>
-              <a:t>Time since 1st play</a:t>
-            </a:r>
-            <a:endParaRPr kumimoji="1" lang="ja-JP" altLang="en-US" b="1" dirty="0"/>
+              <a:t>Time (index) since 1st play in data</a:t>
+            </a:r>
           </a:p>
         </p:txBody>
       </p:sp>
@@ -9000,6 +12082,94 @@
               <a:t>Artists</a:t>
             </a:r>
             <a:endParaRPr kumimoji="1" lang="ja-JP" altLang="en-US" b="1" dirty="0"/>
+          </a:p>
+        </p:txBody>
+      </p:sp>
+      <p:sp>
+        <p:nvSpPr>
+          <p:cNvPr id="9" name="テキスト ボックス 8">
+            <a:extLst>
+              <a:ext uri="{FF2B5EF4-FFF2-40B4-BE49-F238E27FC236}">
+                <a16:creationId xmlns:a16="http://schemas.microsoft.com/office/drawing/2014/main" id="{0095B1B5-5981-5B3F-0325-C3C87A099221}"/>
+              </a:ext>
+            </a:extLst>
+          </p:cNvPr>
+          <p:cNvSpPr txBox="1"/>
+          <p:nvPr/>
+        </p:nvSpPr>
+        <p:spPr>
+          <a:xfrm>
+            <a:off x="9602912" y="2275258"/>
+            <a:ext cx="1277421" cy="400110"/>
+          </a:xfrm>
+          <a:prstGeom prst="rect">
+            <a:avLst/>
+          </a:prstGeom>
+          <a:noFill/>
+        </p:spPr>
+        <p:txBody>
+          <a:bodyPr wrap="square" rtlCol="0">
+            <a:spAutoFit/>
+          </a:bodyPr>
+          <a:lstStyle/>
+          <a:p>
+            <a:r>
+              <a:rPr kumimoji="1" lang="en-US" altLang="ja-JP" sz="2000" dirty="0">
+                <a:solidFill>
+                  <a:schemeClr val="bg1"/>
+                </a:solidFill>
+              </a:rPr>
+              <a:t>decays</a:t>
+            </a:r>
+            <a:endParaRPr kumimoji="1" lang="ja-JP" altLang="en-US" sz="2000" dirty="0">
+              <a:solidFill>
+                <a:schemeClr val="bg1"/>
+              </a:solidFill>
+            </a:endParaRPr>
+          </a:p>
+        </p:txBody>
+      </p:sp>
+      <p:sp>
+        <p:nvSpPr>
+          <p:cNvPr id="11" name="テキスト ボックス 10">
+            <a:extLst>
+              <a:ext uri="{FF2B5EF4-FFF2-40B4-BE49-F238E27FC236}">
+                <a16:creationId xmlns:a16="http://schemas.microsoft.com/office/drawing/2014/main" id="{EF4FEA34-4FA6-F2D9-335B-0F2326D3D3CE}"/>
+              </a:ext>
+            </a:extLst>
+          </p:cNvPr>
+          <p:cNvSpPr txBox="1"/>
+          <p:nvPr/>
+        </p:nvSpPr>
+        <p:spPr>
+          <a:xfrm>
+            <a:off x="11142160" y="3878124"/>
+            <a:ext cx="882778" cy="369332"/>
+          </a:xfrm>
+          <a:prstGeom prst="rect">
+            <a:avLst/>
+          </a:prstGeom>
+          <a:noFill/>
+        </p:spPr>
+        <p:txBody>
+          <a:bodyPr wrap="square" rtlCol="0">
+            <a:spAutoFit/>
+          </a:bodyPr>
+          <a:lstStyle/>
+          <a:p>
+            <a:r>
+              <a:rPr kumimoji="1" lang="en-US" altLang="ja-JP" dirty="0">
+                <a:solidFill>
+                  <a:schemeClr val="bg1"/>
+                </a:solidFill>
+              </a:rPr>
+              <a:t>5e+5</a:t>
+            </a:r>
+            <a:endParaRPr kumimoji="1" lang="ja-JP" altLang="en-US" dirty="0">
+              <a:solidFill>
+                <a:schemeClr val="bg1"/>
+              </a:solidFill>
+            </a:endParaRPr>
           </a:p>
         </p:txBody>
       </p:sp>
@@ -9016,7 +12186,7 @@
 </p:sld>
 </file>
 
-<file path=ppt/slides/slide7.xml><?xml version="1.0" encoding="utf-8"?>
+<file path=ppt/slides/slide9.xml><?xml version="1.0" encoding="utf-8"?>
 <p:sld xmlns:a="http://schemas.openxmlformats.org/drawingml/2006/main" xmlns:r="http://schemas.openxmlformats.org/officeDocument/2006/relationships" xmlns:p="http://schemas.openxmlformats.org/presentationml/2006/main">
   <p:cSld>
     <p:spTree>
@@ -9423,786 +12593,6 @@
     <p:extLst>
       <p:ext uri="{BB962C8B-B14F-4D97-AF65-F5344CB8AC3E}">
         <p14:creationId xmlns:p14="http://schemas.microsoft.com/office/powerpoint/2010/main" val="2421885381"/>
-      </p:ext>
-    </p:extLst>
-  </p:cSld>
-  <p:clrMapOvr>
-    <a:masterClrMapping/>
-  </p:clrMapOvr>
-</p:sld>
-</file>
-
-<file path=ppt/slides/slide8.xml><?xml version="1.0" encoding="utf-8"?>
-<p:sld xmlns:a="http://schemas.openxmlformats.org/drawingml/2006/main" xmlns:r="http://schemas.openxmlformats.org/officeDocument/2006/relationships" xmlns:p="http://schemas.openxmlformats.org/presentationml/2006/main">
-  <p:cSld>
-    <p:spTree>
-      <p:nvGrpSpPr>
-        <p:cNvPr id="1" name=""/>
-        <p:cNvGrpSpPr/>
-        <p:nvPr/>
-      </p:nvGrpSpPr>
-      <p:grpSpPr>
-        <a:xfrm>
-          <a:off x="0" y="0"/>
-          <a:ext cx="0" cy="0"/>
-          <a:chOff x="0" y="0"/>
-          <a:chExt cx="0" cy="0"/>
-        </a:xfrm>
-      </p:grpSpPr>
-      <p:sp>
-        <p:nvSpPr>
-          <p:cNvPr id="2" name="タイトル 1">
-            <a:extLst>
-              <a:ext uri="{FF2B5EF4-FFF2-40B4-BE49-F238E27FC236}">
-                <a16:creationId xmlns:a16="http://schemas.microsoft.com/office/drawing/2014/main" id="{EC8E20D5-12AF-6682-0D58-C7F1611B7999}"/>
-              </a:ext>
-            </a:extLst>
-          </p:cNvPr>
-          <p:cNvSpPr>
-            <a:spLocks noGrp="1"/>
-          </p:cNvSpPr>
-          <p:nvPr>
-            <p:ph type="title"/>
-          </p:nvPr>
-        </p:nvSpPr>
-        <p:spPr/>
-        <p:txBody>
-          <a:bodyPr/>
-          <a:lstStyle/>
-          <a:p>
-            <a:r>
-              <a:rPr kumimoji="1" lang="en-US" altLang="ja-JP" dirty="0">
-                <a:solidFill>
-                  <a:schemeClr val="tx1"/>
-                </a:solidFill>
-              </a:rPr>
-              <a:t>Content based approach</a:t>
-            </a:r>
-            <a:endParaRPr kumimoji="1" lang="ja-JP" altLang="en-US" dirty="0">
-              <a:solidFill>
-                <a:schemeClr val="tx1"/>
-              </a:solidFill>
-            </a:endParaRPr>
-          </a:p>
-        </p:txBody>
-      </p:sp>
-      <p:sp>
-        <p:nvSpPr>
-          <p:cNvPr id="3" name="テキスト ボックス 2">
-            <a:extLst>
-              <a:ext uri="{FF2B5EF4-FFF2-40B4-BE49-F238E27FC236}">
-                <a16:creationId xmlns:a16="http://schemas.microsoft.com/office/drawing/2014/main" id="{E75A09CF-456A-C7BA-B8FD-38C4E4C03000}"/>
-              </a:ext>
-            </a:extLst>
-          </p:cNvPr>
-          <p:cNvSpPr txBox="1"/>
-          <p:nvPr/>
-        </p:nvSpPr>
-        <p:spPr>
-          <a:xfrm>
-            <a:off x="441788" y="2568539"/>
-            <a:ext cx="8075488" cy="2677656"/>
-          </a:xfrm>
-          <a:prstGeom prst="rect">
-            <a:avLst/>
-          </a:prstGeom>
-          <a:noFill/>
-        </p:spPr>
-        <p:txBody>
-          <a:bodyPr wrap="square" rtlCol="0">
-            <a:spAutoFit/>
-          </a:bodyPr>
-          <a:lstStyle/>
-          <a:p>
-            <a:r>
-              <a:rPr kumimoji="1" lang="en-US" altLang="ja-JP" sz="2400" b="1" dirty="0"/>
-              <a:t>Feature only CB</a:t>
-            </a:r>
-          </a:p>
-          <a:p>
-            <a:r>
-              <a:rPr kumimoji="1" lang="en-US" altLang="ja-JP" sz="2400" b="1" dirty="0"/>
-              <a:t>mean (artist mean, song minute, time)		0.6046</a:t>
-            </a:r>
-          </a:p>
-          <a:p>
-            <a:endParaRPr kumimoji="1" lang="en-US" altLang="ja-JP" sz="2400" b="1" dirty="0"/>
-          </a:p>
-          <a:p>
-            <a:r>
-              <a:rPr kumimoji="1" lang="en-US" altLang="ja-JP" sz="2400" b="1" dirty="0"/>
-              <a:t>CB + item bias (for frequent items)			0.6217</a:t>
-            </a:r>
-          </a:p>
-          <a:p>
-            <a:endParaRPr kumimoji="1" lang="en-US" altLang="ja-JP" sz="2400" b="1" dirty="0"/>
-          </a:p>
-          <a:p>
-            <a:r>
-              <a:rPr kumimoji="1" lang="en-US" altLang="ja-JP" sz="2400" b="1" dirty="0"/>
-              <a:t>0.5*(CB + item bias) + 0.5*user bias 			0.6565</a:t>
-            </a:r>
-          </a:p>
-          <a:p>
-            <a:endParaRPr kumimoji="1" lang="ja-JP" altLang="en-US" sz="2400" b="1" dirty="0"/>
-          </a:p>
-        </p:txBody>
-      </p:sp>
-      <p:sp>
-        <p:nvSpPr>
-          <p:cNvPr id="5" name="テキスト ボックス 4">
-            <a:extLst>
-              <a:ext uri="{FF2B5EF4-FFF2-40B4-BE49-F238E27FC236}">
-                <a16:creationId xmlns:a16="http://schemas.microsoft.com/office/drawing/2014/main" id="{6DCCE55F-9DC1-27D5-4B22-9BBA165751DF}"/>
-              </a:ext>
-            </a:extLst>
-          </p:cNvPr>
-          <p:cNvSpPr txBox="1"/>
-          <p:nvPr/>
-        </p:nvSpPr>
-        <p:spPr>
-          <a:xfrm>
-            <a:off x="1494893" y="5537771"/>
-            <a:ext cx="2270588" cy="400110"/>
-          </a:xfrm>
-          <a:prstGeom prst="rect">
-            <a:avLst/>
-          </a:prstGeom>
-          <a:noFill/>
-        </p:spPr>
-        <p:txBody>
-          <a:bodyPr wrap="square" rtlCol="0">
-            <a:spAutoFit/>
-          </a:bodyPr>
-          <a:lstStyle/>
-          <a:p>
-            <a:r>
-              <a:rPr kumimoji="1" lang="en-US" altLang="ja-JP" sz="2000" b="1" dirty="0">
-                <a:solidFill>
-                  <a:schemeClr val="accent1">
-                    <a:lumMod val="20000"/>
-                    <a:lumOff val="80000"/>
-                  </a:schemeClr>
-                </a:solidFill>
-              </a:rPr>
-              <a:t>Tuned </a:t>
-            </a:r>
-            <a:r>
-              <a:rPr kumimoji="1" lang="en-US" altLang="ja-JP" sz="2000" b="1" dirty="0" err="1">
-                <a:solidFill>
-                  <a:schemeClr val="accent1">
-                    <a:lumMod val="20000"/>
-                    <a:lumOff val="80000"/>
-                  </a:schemeClr>
-                </a:solidFill>
-              </a:rPr>
-              <a:t>mix_rate</a:t>
-            </a:r>
-            <a:endParaRPr kumimoji="1" lang="ja-JP" altLang="en-US" sz="2000" b="1" dirty="0">
-              <a:solidFill>
-                <a:schemeClr val="accent1">
-                  <a:lumMod val="20000"/>
-                  <a:lumOff val="80000"/>
-                </a:schemeClr>
-              </a:solidFill>
-            </a:endParaRPr>
-          </a:p>
-        </p:txBody>
-      </p:sp>
-      <p:cxnSp>
-        <p:nvCxnSpPr>
-          <p:cNvPr id="6" name="直線矢印コネクタ 5">
-            <a:extLst>
-              <a:ext uri="{FF2B5EF4-FFF2-40B4-BE49-F238E27FC236}">
-                <a16:creationId xmlns:a16="http://schemas.microsoft.com/office/drawing/2014/main" id="{BFA7F6C5-B89F-9D82-9BF0-CB00DF8E4FC6}"/>
-              </a:ext>
-            </a:extLst>
-          </p:cNvPr>
-          <p:cNvCxnSpPr>
-            <a:cxnSpLocks/>
-          </p:cNvCxnSpPr>
-          <p:nvPr/>
-        </p:nvCxnSpPr>
-        <p:spPr>
-          <a:xfrm flipV="1">
-            <a:off x="3010328" y="4890499"/>
-            <a:ext cx="698643" cy="647272"/>
-          </a:xfrm>
-          <a:prstGeom prst="straightConnector1">
-            <a:avLst/>
-          </a:prstGeom>
-          <a:ln w="19050">
-            <a:solidFill>
-              <a:schemeClr val="tx1"/>
-            </a:solidFill>
-            <a:tailEnd type="arrow"/>
-          </a:ln>
-        </p:spPr>
-        <p:style>
-          <a:lnRef idx="1">
-            <a:schemeClr val="accent1"/>
-          </a:lnRef>
-          <a:fillRef idx="0">
-            <a:schemeClr val="accent1"/>
-          </a:fillRef>
-          <a:effectRef idx="0">
-            <a:schemeClr val="accent1"/>
-          </a:effectRef>
-          <a:fontRef idx="minor">
-            <a:schemeClr val="tx1"/>
-          </a:fontRef>
-        </p:style>
-      </p:cxnSp>
-      <p:cxnSp>
-        <p:nvCxnSpPr>
-          <p:cNvPr id="8" name="直線矢印コネクタ 7">
-            <a:extLst>
-              <a:ext uri="{FF2B5EF4-FFF2-40B4-BE49-F238E27FC236}">
-                <a16:creationId xmlns:a16="http://schemas.microsoft.com/office/drawing/2014/main" id="{19F9D81A-BDE2-668A-0CBA-60CE8346B4F0}"/>
-              </a:ext>
-            </a:extLst>
-          </p:cNvPr>
-          <p:cNvCxnSpPr>
-            <a:cxnSpLocks/>
-          </p:cNvCxnSpPr>
-          <p:nvPr/>
-        </p:nvCxnSpPr>
-        <p:spPr>
-          <a:xfrm flipH="1" flipV="1">
-            <a:off x="996593" y="4890499"/>
-            <a:ext cx="914400" cy="647272"/>
-          </a:xfrm>
-          <a:prstGeom prst="straightConnector1">
-            <a:avLst/>
-          </a:prstGeom>
-          <a:ln w="19050">
-            <a:solidFill>
-              <a:schemeClr val="tx1"/>
-            </a:solidFill>
-            <a:tailEnd type="arrow"/>
-          </a:ln>
-        </p:spPr>
-        <p:style>
-          <a:lnRef idx="1">
-            <a:schemeClr val="accent1"/>
-          </a:lnRef>
-          <a:fillRef idx="0">
-            <a:schemeClr val="accent1"/>
-          </a:fillRef>
-          <a:effectRef idx="0">
-            <a:schemeClr val="accent1"/>
-          </a:effectRef>
-          <a:fontRef idx="minor">
-            <a:schemeClr val="tx1"/>
-          </a:fontRef>
-        </p:style>
-      </p:cxnSp>
-      <p:sp>
-        <p:nvSpPr>
-          <p:cNvPr id="16" name="テキスト ボックス 15">
-            <a:extLst>
-              <a:ext uri="{FF2B5EF4-FFF2-40B4-BE49-F238E27FC236}">
-                <a16:creationId xmlns:a16="http://schemas.microsoft.com/office/drawing/2014/main" id="{562100FD-19EA-6999-72FA-D00BF5645F99}"/>
-              </a:ext>
-            </a:extLst>
-          </p:cNvPr>
-          <p:cNvSpPr txBox="1"/>
-          <p:nvPr/>
-        </p:nvSpPr>
-        <p:spPr>
-          <a:xfrm>
-            <a:off x="6236413" y="5476216"/>
-            <a:ext cx="3698697" cy="461665"/>
-          </a:xfrm>
-          <a:prstGeom prst="rect">
-            <a:avLst/>
-          </a:prstGeom>
-          <a:noFill/>
-        </p:spPr>
-        <p:txBody>
-          <a:bodyPr wrap="square" rtlCol="0">
-            <a:spAutoFit/>
-          </a:bodyPr>
-          <a:lstStyle/>
-          <a:p>
-            <a:r>
-              <a:rPr kumimoji="1" lang="en-US" altLang="ja-JP" sz="2400" b="1" dirty="0">
-                <a:solidFill>
-                  <a:srgbClr val="FFFF00"/>
-                </a:solidFill>
-              </a:rPr>
-              <a:t>Ensemble is effective </a:t>
-            </a:r>
-            <a:endParaRPr kumimoji="1" lang="ja-JP" altLang="en-US" sz="2400" b="1" dirty="0">
-              <a:solidFill>
-                <a:srgbClr val="FFFF00"/>
-              </a:solidFill>
-            </a:endParaRPr>
-          </a:p>
-        </p:txBody>
-      </p:sp>
-      <p:sp>
-        <p:nvSpPr>
-          <p:cNvPr id="17" name="テキスト ボックス 16">
-            <a:extLst>
-              <a:ext uri="{FF2B5EF4-FFF2-40B4-BE49-F238E27FC236}">
-                <a16:creationId xmlns:a16="http://schemas.microsoft.com/office/drawing/2014/main" id="{36CEDBB1-B440-A80F-A5D4-E6EE0FE26465}"/>
-              </a:ext>
-            </a:extLst>
-          </p:cNvPr>
-          <p:cNvSpPr txBox="1"/>
-          <p:nvPr/>
-        </p:nvSpPr>
-        <p:spPr>
-          <a:xfrm>
-            <a:off x="6090676" y="2334528"/>
-            <a:ext cx="1599344" cy="400110"/>
-          </a:xfrm>
-          <a:prstGeom prst="rect">
-            <a:avLst/>
-          </a:prstGeom>
-          <a:noFill/>
-        </p:spPr>
-        <p:txBody>
-          <a:bodyPr wrap="square" rtlCol="0">
-            <a:spAutoFit/>
-          </a:bodyPr>
-          <a:lstStyle/>
-          <a:p>
-            <a:pPr algn="ctr"/>
-            <a:r>
-              <a:rPr kumimoji="1" lang="en-US" altLang="ja-JP" sz="2000" b="1" dirty="0">
-                <a:solidFill>
-                  <a:schemeClr val="accent1">
-                    <a:lumMod val="20000"/>
-                    <a:lumOff val="80000"/>
-                  </a:schemeClr>
-                </a:solidFill>
-              </a:rPr>
-              <a:t>Val AUC</a:t>
-            </a:r>
-            <a:endParaRPr kumimoji="1" lang="ja-JP" altLang="en-US" sz="2000" b="1" dirty="0">
-              <a:solidFill>
-                <a:schemeClr val="accent1">
-                  <a:lumMod val="20000"/>
-                  <a:lumOff val="80000"/>
-                </a:schemeClr>
-              </a:solidFill>
-            </a:endParaRPr>
-          </a:p>
-        </p:txBody>
-      </p:sp>
-    </p:spTree>
-    <p:extLst>
-      <p:ext uri="{BB962C8B-B14F-4D97-AF65-F5344CB8AC3E}">
-        <p14:creationId xmlns:p14="http://schemas.microsoft.com/office/powerpoint/2010/main" val="2305374949"/>
-      </p:ext>
-    </p:extLst>
-  </p:cSld>
-  <p:clrMapOvr>
-    <a:masterClrMapping/>
-  </p:clrMapOvr>
-</p:sld>
-</file>
-
-<file path=ppt/slides/slide9.xml><?xml version="1.0" encoding="utf-8"?>
-<p:sld xmlns:a="http://schemas.openxmlformats.org/drawingml/2006/main" xmlns:r="http://schemas.openxmlformats.org/officeDocument/2006/relationships" xmlns:p="http://schemas.openxmlformats.org/presentationml/2006/main">
-  <p:cSld>
-    <p:spTree>
-      <p:nvGrpSpPr>
-        <p:cNvPr id="1" name=""/>
-        <p:cNvGrpSpPr/>
-        <p:nvPr/>
-      </p:nvGrpSpPr>
-      <p:grpSpPr>
-        <a:xfrm>
-          <a:off x="0" y="0"/>
-          <a:ext cx="0" cy="0"/>
-          <a:chOff x="0" y="0"/>
-          <a:chExt cx="0" cy="0"/>
-        </a:xfrm>
-      </p:grpSpPr>
-      <p:sp>
-        <p:nvSpPr>
-          <p:cNvPr id="2" name="タイトル 1">
-            <a:extLst>
-              <a:ext uri="{FF2B5EF4-FFF2-40B4-BE49-F238E27FC236}">
-                <a16:creationId xmlns:a16="http://schemas.microsoft.com/office/drawing/2014/main" id="{4350E44F-8D1B-A5FA-A39E-B102D8273D38}"/>
-              </a:ext>
-            </a:extLst>
-          </p:cNvPr>
-          <p:cNvSpPr>
-            <a:spLocks noGrp="1"/>
-          </p:cNvSpPr>
-          <p:nvPr>
-            <p:ph type="title"/>
-          </p:nvPr>
-        </p:nvSpPr>
-        <p:spPr>
-          <a:xfrm>
-            <a:off x="919119" y="280827"/>
-            <a:ext cx="10353762" cy="684944"/>
-          </a:xfrm>
-        </p:spPr>
-        <p:txBody>
-          <a:bodyPr>
-            <a:normAutofit fontScale="90000"/>
-          </a:bodyPr>
-          <a:lstStyle/>
-          <a:p>
-            <a:r>
-              <a:rPr kumimoji="1" lang="en-US" altLang="ja-JP" dirty="0">
-                <a:solidFill>
-                  <a:schemeClr val="tx1"/>
-                </a:solidFill>
-              </a:rPr>
-              <a:t>Collaborative filtering: SVD</a:t>
-            </a:r>
-            <a:endParaRPr kumimoji="1" lang="ja-JP" altLang="en-US" dirty="0">
-              <a:solidFill>
-                <a:schemeClr val="tx1"/>
-              </a:solidFill>
-            </a:endParaRPr>
-          </a:p>
-        </p:txBody>
-      </p:sp>
-      <p:sp>
-        <p:nvSpPr>
-          <p:cNvPr id="3" name="コンテンツ プレースホルダー 2">
-            <a:extLst>
-              <a:ext uri="{FF2B5EF4-FFF2-40B4-BE49-F238E27FC236}">
-                <a16:creationId xmlns:a16="http://schemas.microsoft.com/office/drawing/2014/main" id="{95DCC4D1-9B47-267C-F16D-029C0CAF16E1}"/>
-              </a:ext>
-            </a:extLst>
-          </p:cNvPr>
-          <p:cNvSpPr>
-            <a:spLocks noGrp="1"/>
-          </p:cNvSpPr>
-          <p:nvPr>
-            <p:ph idx="1"/>
-          </p:nvPr>
-        </p:nvSpPr>
-        <p:spPr>
-          <a:xfrm>
-            <a:off x="913795" y="1243174"/>
-            <a:ext cx="10353762" cy="2085654"/>
-          </a:xfrm>
-        </p:spPr>
-        <p:txBody>
-          <a:bodyPr>
-            <a:normAutofit/>
-          </a:bodyPr>
-          <a:lstStyle/>
-          <a:p>
-            <a:pPr marL="36900" indent="0">
-              <a:buNone/>
-            </a:pPr>
-            <a:r>
-              <a:rPr lang="en-US" altLang="ja-JP" sz="2400" b="1" dirty="0">
-                <a:solidFill>
-                  <a:schemeClr val="tx1"/>
-                </a:solidFill>
-              </a:rPr>
-              <a:t>C</a:t>
-            </a:r>
-            <a:r>
-              <a:rPr kumimoji="1" lang="en-US" altLang="ja-JP" sz="2400" b="1" dirty="0">
-                <a:solidFill>
-                  <a:schemeClr val="tx1"/>
-                </a:solidFill>
-              </a:rPr>
-              <a:t>onventional SVD (</a:t>
-            </a:r>
-            <a:r>
-              <a:rPr kumimoji="1" lang="en-US" altLang="ja-JP" sz="2400" b="1" dirty="0" err="1">
-                <a:solidFill>
-                  <a:schemeClr val="tx1"/>
-                </a:solidFill>
-              </a:rPr>
-              <a:t>numpy</a:t>
-            </a:r>
-            <a:r>
-              <a:rPr kumimoji="1" lang="en-US" altLang="ja-JP" sz="2400" b="1" dirty="0">
-                <a:solidFill>
-                  <a:schemeClr val="tx1"/>
-                </a:solidFill>
-              </a:rPr>
-              <a:t>, </a:t>
-            </a:r>
-            <a:r>
-              <a:rPr kumimoji="1" lang="en-US" altLang="ja-JP" sz="2400" b="1" dirty="0" err="1">
-                <a:solidFill>
-                  <a:schemeClr val="tx1"/>
-                </a:solidFill>
-              </a:rPr>
-              <a:t>sklearn</a:t>
-            </a:r>
-            <a:r>
-              <a:rPr kumimoji="1" lang="en-US" altLang="ja-JP" sz="2400" b="1" dirty="0">
-                <a:solidFill>
-                  <a:schemeClr val="tx1"/>
-                </a:solidFill>
-              </a:rPr>
-              <a:t>) is not optimized for Recommender</a:t>
-            </a:r>
-          </a:p>
-          <a:p>
-            <a:pPr marL="36900" indent="0">
-              <a:buNone/>
-            </a:pPr>
-            <a:r>
-              <a:rPr lang="en-US" altLang="ja-JP" sz="2400" b="1" dirty="0">
-                <a:solidFill>
-                  <a:srgbClr val="FFFF00"/>
-                </a:solidFill>
-              </a:rPr>
-              <a:t>Surprise package’s SVD </a:t>
-            </a:r>
-            <a:r>
-              <a:rPr lang="en-US" altLang="ja-JP" sz="2400" b="1" dirty="0">
-                <a:solidFill>
-                  <a:schemeClr val="tx1"/>
-                </a:solidFill>
-              </a:rPr>
-              <a:t>is selected for </a:t>
-            </a:r>
-            <a:r>
-              <a:rPr lang="en-US" altLang="ja-JP" sz="2400" b="1" dirty="0">
-                <a:solidFill>
-                  <a:srgbClr val="FFC000"/>
-                </a:solidFill>
-              </a:rPr>
-              <a:t>frequent items and users.</a:t>
-            </a:r>
-          </a:p>
-          <a:p>
-            <a:pPr marL="36900" indent="0">
-              <a:buNone/>
-            </a:pPr>
-            <a:r>
-              <a:rPr lang="en-US" altLang="ja-JP" sz="2400" b="1" dirty="0">
-                <a:solidFill>
-                  <a:schemeClr val="tx1"/>
-                </a:solidFill>
-              </a:rPr>
-              <a:t>Hyper parameter: </a:t>
-            </a:r>
-            <a:r>
-              <a:rPr lang="en-US" altLang="ja-JP" sz="2400" b="1" dirty="0" err="1">
-                <a:solidFill>
-                  <a:schemeClr val="accent1">
-                    <a:lumMod val="20000"/>
-                    <a:lumOff val="80000"/>
-                  </a:schemeClr>
-                </a:solidFill>
-              </a:rPr>
-              <a:t>n_factor</a:t>
-            </a:r>
-            <a:r>
-              <a:rPr lang="en-US" altLang="ja-JP" sz="2400" b="1" dirty="0">
-                <a:solidFill>
-                  <a:schemeClr val="accent1">
-                    <a:lumMod val="20000"/>
-                    <a:lumOff val="80000"/>
-                  </a:schemeClr>
-                </a:solidFill>
-              </a:rPr>
-              <a:t> </a:t>
-            </a:r>
-            <a:r>
-              <a:rPr lang="en-US" altLang="ja-JP" sz="2400" b="1" dirty="0">
-                <a:solidFill>
-                  <a:schemeClr val="tx1"/>
-                </a:solidFill>
-              </a:rPr>
-              <a:t>of SVD, </a:t>
-            </a:r>
-            <a:r>
-              <a:rPr lang="en-US" altLang="ja-JP" sz="2400" b="1" dirty="0" err="1">
-                <a:solidFill>
-                  <a:schemeClr val="accent1">
-                    <a:lumMod val="20000"/>
-                    <a:lumOff val="80000"/>
-                  </a:schemeClr>
-                </a:solidFill>
-              </a:rPr>
-              <a:t>mix_rate</a:t>
-            </a:r>
-            <a:r>
-              <a:rPr lang="en-US" altLang="ja-JP" sz="2400" b="1" dirty="0">
-                <a:solidFill>
-                  <a:schemeClr val="accent1">
-                    <a:lumMod val="20000"/>
-                    <a:lumOff val="80000"/>
-                  </a:schemeClr>
-                </a:solidFill>
-              </a:rPr>
-              <a:t> </a:t>
-            </a:r>
-            <a:r>
-              <a:rPr lang="en-US" altLang="ja-JP" sz="2400" b="1" dirty="0">
-                <a:solidFill>
-                  <a:schemeClr val="tx1"/>
-                </a:solidFill>
-              </a:rPr>
-              <a:t>for hybridization</a:t>
-            </a:r>
-          </a:p>
-          <a:p>
-            <a:pPr marL="36900" indent="0">
-              <a:buNone/>
-            </a:pPr>
-            <a:endParaRPr kumimoji="1" lang="en-US" altLang="ja-JP" sz="2400" b="1" dirty="0">
-              <a:solidFill>
-                <a:schemeClr val="tx1"/>
-              </a:solidFill>
-            </a:endParaRPr>
-          </a:p>
-          <a:p>
-            <a:pPr marL="36900" indent="0">
-              <a:buNone/>
-            </a:pPr>
-            <a:endParaRPr kumimoji="1" lang="ja-JP" altLang="en-US" sz="2400" dirty="0">
-              <a:solidFill>
-                <a:schemeClr val="tx1"/>
-              </a:solidFill>
-            </a:endParaRPr>
-          </a:p>
-        </p:txBody>
-      </p:sp>
-      <p:pic>
-        <p:nvPicPr>
-          <p:cNvPr id="4098" name="Picture 2">
-            <a:extLst>
-              <a:ext uri="{FF2B5EF4-FFF2-40B4-BE49-F238E27FC236}">
-                <a16:creationId xmlns:a16="http://schemas.microsoft.com/office/drawing/2014/main" id="{92A57616-5C48-76FC-2BE0-DC8B5B02DF79}"/>
-              </a:ext>
-            </a:extLst>
-          </p:cNvPr>
-          <p:cNvPicPr>
-            <a:picLocks noChangeAspect="1" noChangeArrowheads="1"/>
-          </p:cNvPicPr>
-          <p:nvPr/>
-        </p:nvPicPr>
-        <p:blipFill>
-          <a:blip r:embed="rId2">
-            <a:extLst>
-              <a:ext uri="{28A0092B-C50C-407E-A947-70E740481C1C}">
-                <a14:useLocalDpi xmlns:a14="http://schemas.microsoft.com/office/drawing/2010/main" val="0"/>
-              </a:ext>
-            </a:extLst>
-          </a:blip>
-          <a:srcRect/>
-          <a:stretch>
-            <a:fillRect/>
-          </a:stretch>
-        </p:blipFill>
-        <p:spPr bwMode="auto">
-          <a:xfrm>
-            <a:off x="3232240" y="2884507"/>
-            <a:ext cx="5213117" cy="3578387"/>
-          </a:xfrm>
-          <a:prstGeom prst="rect">
-            <a:avLst/>
-          </a:prstGeom>
-          <a:solidFill>
-            <a:schemeClr val="tx1"/>
-          </a:solidFill>
-        </p:spPr>
-      </p:pic>
-      <p:sp>
-        <p:nvSpPr>
-          <p:cNvPr id="4" name="テキスト ボックス 3">
-            <a:extLst>
-              <a:ext uri="{FF2B5EF4-FFF2-40B4-BE49-F238E27FC236}">
-                <a16:creationId xmlns:a16="http://schemas.microsoft.com/office/drawing/2014/main" id="{01E84E7F-E19B-28C4-BE8A-FAC7F7DC0874}"/>
-              </a:ext>
-            </a:extLst>
-          </p:cNvPr>
-          <p:cNvSpPr txBox="1"/>
-          <p:nvPr/>
-        </p:nvSpPr>
-        <p:spPr>
-          <a:xfrm>
-            <a:off x="8774129" y="3606231"/>
-            <a:ext cx="2640459" cy="2677656"/>
-          </a:xfrm>
-          <a:prstGeom prst="rect">
-            <a:avLst/>
-          </a:prstGeom>
-          <a:noFill/>
-        </p:spPr>
-        <p:txBody>
-          <a:bodyPr wrap="square" rtlCol="0">
-            <a:spAutoFit/>
-          </a:bodyPr>
-          <a:lstStyle/>
-          <a:p>
-            <a:r>
-              <a:rPr kumimoji="1" lang="en-US" altLang="ja-JP" sz="2400" dirty="0"/>
-              <a:t>Best params:</a:t>
-            </a:r>
-          </a:p>
-          <a:p>
-            <a:pPr marL="342900" indent="-342900">
-              <a:buFont typeface="Arial" panose="020B0604020202020204" pitchFamily="34" charset="0"/>
-              <a:buChar char="•"/>
-            </a:pPr>
-            <a:r>
-              <a:rPr kumimoji="1" lang="en-US" altLang="ja-JP" sz="2400" dirty="0" err="1"/>
-              <a:t>n_factor</a:t>
-            </a:r>
-            <a:r>
-              <a:rPr kumimoji="1" lang="en-US" altLang="ja-JP" sz="2400" dirty="0"/>
-              <a:t> = 25</a:t>
-            </a:r>
-          </a:p>
-          <a:p>
-            <a:pPr marL="342900" indent="-342900">
-              <a:buFont typeface="Arial" panose="020B0604020202020204" pitchFamily="34" charset="0"/>
-              <a:buChar char="•"/>
-            </a:pPr>
-            <a:r>
-              <a:rPr kumimoji="1" lang="en-US" altLang="ja-JP" sz="2400" dirty="0" err="1"/>
-              <a:t>mix_rate</a:t>
-            </a:r>
-            <a:r>
-              <a:rPr kumimoji="1" lang="en-US" altLang="ja-JP" sz="2400" dirty="0"/>
-              <a:t> = 0.5</a:t>
-            </a:r>
-          </a:p>
-          <a:p>
-            <a:pPr marL="342900" indent="-342900">
-              <a:buFont typeface="Arial" panose="020B0604020202020204" pitchFamily="34" charset="0"/>
-              <a:buChar char="•"/>
-            </a:pPr>
-            <a:endParaRPr kumimoji="1" lang="en-US" altLang="ja-JP" sz="2400" dirty="0"/>
-          </a:p>
-          <a:p>
-            <a:pPr marL="342900" indent="-342900">
-              <a:buFont typeface="Arial" panose="020B0604020202020204" pitchFamily="34" charset="0"/>
-              <a:buChar char="•"/>
-            </a:pPr>
-            <a:endParaRPr kumimoji="1" lang="en-US" altLang="ja-JP" sz="2400" dirty="0"/>
-          </a:p>
-          <a:p>
-            <a:r>
-              <a:rPr kumimoji="1" lang="en-US" altLang="ja-JP" sz="2400" dirty="0"/>
-              <a:t>AUC: 0.6659</a:t>
-            </a:r>
-          </a:p>
-          <a:p>
-            <a:r>
-              <a:rPr kumimoji="1" lang="en-US" altLang="ja-JP" sz="2400" dirty="0"/>
-              <a:t>(0.013 improved)</a:t>
-            </a:r>
-          </a:p>
-        </p:txBody>
-      </p:sp>
-    </p:spTree>
-    <p:extLst>
-      <p:ext uri="{BB962C8B-B14F-4D97-AF65-F5344CB8AC3E}">
-        <p14:creationId xmlns:p14="http://schemas.microsoft.com/office/powerpoint/2010/main" val="3205628383"/>
       </p:ext>
     </p:extLst>
   </p:cSld>
@@ -10508,4 +12898,299 @@
     </a:ext>
   </a:extLst>
 </a:theme>
+</file>
+
+<file path=ppt/theme/theme2.xml><?xml version="1.0" encoding="utf-8"?>
+<a:theme xmlns:a="http://schemas.openxmlformats.org/drawingml/2006/main" name="Office テーマ">
+  <a:themeElements>
+    <a:clrScheme name="Office">
+      <a:dk1>
+        <a:sysClr val="windowText" lastClr="000000"/>
+      </a:dk1>
+      <a:lt1>
+        <a:sysClr val="window" lastClr="FFFFFF"/>
+      </a:lt1>
+      <a:dk2>
+        <a:srgbClr val="44546A"/>
+      </a:dk2>
+      <a:lt2>
+        <a:srgbClr val="E7E6E6"/>
+      </a:lt2>
+      <a:accent1>
+        <a:srgbClr val="4472C4"/>
+      </a:accent1>
+      <a:accent2>
+        <a:srgbClr val="ED7D31"/>
+      </a:accent2>
+      <a:accent3>
+        <a:srgbClr val="A5A5A5"/>
+      </a:accent3>
+      <a:accent4>
+        <a:srgbClr val="FFC000"/>
+      </a:accent4>
+      <a:accent5>
+        <a:srgbClr val="5B9BD5"/>
+      </a:accent5>
+      <a:accent6>
+        <a:srgbClr val="70AD47"/>
+      </a:accent6>
+      <a:hlink>
+        <a:srgbClr val="0563C1"/>
+      </a:hlink>
+      <a:folHlink>
+        <a:srgbClr val="954F72"/>
+      </a:folHlink>
+    </a:clrScheme>
+    <a:fontScheme name="Office">
+      <a:majorFont>
+        <a:latin typeface="游ゴシック Light" panose="020F0302020204030204"/>
+        <a:ea typeface=""/>
+        <a:cs typeface=""/>
+        <a:font script="Jpan" typeface="游ゴシック Light"/>
+        <a:font script="Hang" typeface="맑은 고딕"/>
+        <a:font script="Hans" typeface="等线 Light"/>
+        <a:font script="Hant" typeface="新細明體"/>
+        <a:font script="Arab" typeface="Times New Roman"/>
+        <a:font script="Hebr" typeface="Times New Roman"/>
+        <a:font script="Thai" typeface="Angsana New"/>
+        <a:font script="Ethi" typeface="Nyala"/>
+        <a:font script="Beng" typeface="Vrinda"/>
+        <a:font script="Gujr" typeface="Shruti"/>
+        <a:font script="Khmr" typeface="MoolBoran"/>
+        <a:font script="Knda" typeface="Tunga"/>
+        <a:font script="Guru" typeface="Raavi"/>
+        <a:font script="Cans" typeface="Euphemia"/>
+        <a:font script="Cher" typeface="Plantagenet Cherokee"/>
+        <a:font script="Yiii" typeface="Microsoft Yi Baiti"/>
+        <a:font script="Tibt" typeface="Microsoft Himalaya"/>
+        <a:font script="Thaa" typeface="MV Boli"/>
+        <a:font script="Deva" typeface="Mangal"/>
+        <a:font script="Telu" typeface="Gautami"/>
+        <a:font script="Taml" typeface="Latha"/>
+        <a:font script="Syrc" typeface="Estrangelo Edessa"/>
+        <a:font script="Orya" typeface="Kalinga"/>
+        <a:font script="Mlym" typeface="Kartika"/>
+        <a:font script="Laoo" typeface="DokChampa"/>
+        <a:font script="Sinh" typeface="Iskoola Pota"/>
+        <a:font script="Mong" typeface="Mongolian Baiti"/>
+        <a:font script="Viet" typeface="Times New Roman"/>
+        <a:font script="Uigh" typeface="Microsoft Uighur"/>
+        <a:font script="Geor" typeface="Sylfaen"/>
+        <a:font script="Armn" typeface="Arial"/>
+        <a:font script="Bugi" typeface="Leelawadee UI"/>
+        <a:font script="Bopo" typeface="Microsoft JhengHei"/>
+        <a:font script="Java" typeface="Javanese Text"/>
+        <a:font script="Lisu" typeface="Segoe UI"/>
+        <a:font script="Mymr" typeface="Myanmar Text"/>
+        <a:font script="Nkoo" typeface="Ebrima"/>
+        <a:font script="Olck" typeface="Nirmala UI"/>
+        <a:font script="Osma" typeface="Ebrima"/>
+        <a:font script="Phag" typeface="Phagspa"/>
+        <a:font script="Syrn" typeface="Estrangelo Edessa"/>
+        <a:font script="Syrj" typeface="Estrangelo Edessa"/>
+        <a:font script="Syre" typeface="Estrangelo Edessa"/>
+        <a:font script="Sora" typeface="Nirmala UI"/>
+        <a:font script="Tale" typeface="Microsoft Tai Le"/>
+        <a:font script="Talu" typeface="Microsoft New Tai Lue"/>
+        <a:font script="Tfng" typeface="Ebrima"/>
+      </a:majorFont>
+      <a:minorFont>
+        <a:latin typeface="游ゴシック" panose="020F0502020204030204"/>
+        <a:ea typeface=""/>
+        <a:cs typeface=""/>
+        <a:font script="Jpan" typeface="游ゴシック"/>
+        <a:font script="Hang" typeface="맑은 고딕"/>
+        <a:font script="Hans" typeface="等线"/>
+        <a:font script="Hant" typeface="新細明體"/>
+        <a:font script="Arab" typeface="Arial"/>
+        <a:font script="Hebr" typeface="Arial"/>
+        <a:font script="Thai" typeface="Cordia New"/>
+        <a:font script="Ethi" typeface="Nyala"/>
+        <a:font script="Beng" typeface="Vrinda"/>
+        <a:font script="Gujr" typeface="Shruti"/>
+        <a:font script="Khmr" typeface="DaunPenh"/>
+        <a:font script="Knda" typeface="Tunga"/>
+        <a:font script="Guru" typeface="Raavi"/>
+        <a:font script="Cans" typeface="Euphemia"/>
+        <a:font script="Cher" typeface="Plantagenet Cherokee"/>
+        <a:font script="Yiii" typeface="Microsoft Yi Baiti"/>
+        <a:font script="Tibt" typeface="Microsoft Himalaya"/>
+        <a:font script="Thaa" typeface="MV Boli"/>
+        <a:font script="Deva" typeface="Mangal"/>
+        <a:font script="Telu" typeface="Gautami"/>
+        <a:font script="Taml" typeface="Latha"/>
+        <a:font script="Syrc" typeface="Estrangelo Edessa"/>
+        <a:font script="Orya" typeface="Kalinga"/>
+        <a:font script="Mlym" typeface="Kartika"/>
+        <a:font script="Laoo" typeface="DokChampa"/>
+        <a:font script="Sinh" typeface="Iskoola Pota"/>
+        <a:font script="Mong" typeface="Mongolian Baiti"/>
+        <a:font script="Viet" typeface="Arial"/>
+        <a:font script="Uigh" typeface="Microsoft Uighur"/>
+        <a:font script="Geor" typeface="Sylfaen"/>
+        <a:font script="Armn" typeface="Arial"/>
+        <a:font script="Bugi" typeface="Leelawadee UI"/>
+        <a:font script="Bopo" typeface="Microsoft JhengHei"/>
+        <a:font script="Java" typeface="Javanese Text"/>
+        <a:font script="Lisu" typeface="Segoe UI"/>
+        <a:font script="Mymr" typeface="Myanmar Text"/>
+        <a:font script="Nkoo" typeface="Ebrima"/>
+        <a:font script="Olck" typeface="Nirmala UI"/>
+        <a:font script="Osma" typeface="Ebrima"/>
+        <a:font script="Phag" typeface="Phagspa"/>
+        <a:font script="Syrn" typeface="Estrangelo Edessa"/>
+        <a:font script="Syrj" typeface="Estrangelo Edessa"/>
+        <a:font script="Syre" typeface="Estrangelo Edessa"/>
+        <a:font script="Sora" typeface="Nirmala UI"/>
+        <a:font script="Tale" typeface="Microsoft Tai Le"/>
+        <a:font script="Talu" typeface="Microsoft New Tai Lue"/>
+        <a:font script="Tfng" typeface="Ebrima"/>
+      </a:minorFont>
+    </a:fontScheme>
+    <a:fmtScheme name="Office">
+      <a:fillStyleLst>
+        <a:solidFill>
+          <a:schemeClr val="phClr"/>
+        </a:solidFill>
+        <a:gradFill rotWithShape="1">
+          <a:gsLst>
+            <a:gs pos="0">
+              <a:schemeClr val="phClr">
+                <a:lumMod val="110000"/>
+                <a:satMod val="105000"/>
+                <a:tint val="67000"/>
+              </a:schemeClr>
+            </a:gs>
+            <a:gs pos="50000">
+              <a:schemeClr val="phClr">
+                <a:lumMod val="105000"/>
+                <a:satMod val="103000"/>
+                <a:tint val="73000"/>
+              </a:schemeClr>
+            </a:gs>
+            <a:gs pos="100000">
+              <a:schemeClr val="phClr">
+                <a:lumMod val="105000"/>
+                <a:satMod val="109000"/>
+                <a:tint val="81000"/>
+              </a:schemeClr>
+            </a:gs>
+          </a:gsLst>
+          <a:lin ang="5400000" scaled="0"/>
+        </a:gradFill>
+        <a:gradFill rotWithShape="1">
+          <a:gsLst>
+            <a:gs pos="0">
+              <a:schemeClr val="phClr">
+                <a:satMod val="103000"/>
+                <a:lumMod val="102000"/>
+                <a:tint val="94000"/>
+              </a:schemeClr>
+            </a:gs>
+            <a:gs pos="50000">
+              <a:schemeClr val="phClr">
+                <a:satMod val="110000"/>
+                <a:lumMod val="100000"/>
+                <a:shade val="100000"/>
+              </a:schemeClr>
+            </a:gs>
+            <a:gs pos="100000">
+              <a:schemeClr val="phClr">
+                <a:lumMod val="99000"/>
+                <a:satMod val="120000"/>
+                <a:shade val="78000"/>
+              </a:schemeClr>
+            </a:gs>
+          </a:gsLst>
+          <a:lin ang="5400000" scaled="0"/>
+        </a:gradFill>
+      </a:fillStyleLst>
+      <a:lnStyleLst>
+        <a:ln w="6350" cap="flat" cmpd="sng" algn="ctr">
+          <a:solidFill>
+            <a:schemeClr val="phClr"/>
+          </a:solidFill>
+          <a:prstDash val="solid"/>
+          <a:miter lim="800000"/>
+        </a:ln>
+        <a:ln w="12700" cap="flat" cmpd="sng" algn="ctr">
+          <a:solidFill>
+            <a:schemeClr val="phClr"/>
+          </a:solidFill>
+          <a:prstDash val="solid"/>
+          <a:miter lim="800000"/>
+        </a:ln>
+        <a:ln w="19050" cap="flat" cmpd="sng" algn="ctr">
+          <a:solidFill>
+            <a:schemeClr val="phClr"/>
+          </a:solidFill>
+          <a:prstDash val="solid"/>
+          <a:miter lim="800000"/>
+        </a:ln>
+      </a:lnStyleLst>
+      <a:effectStyleLst>
+        <a:effectStyle>
+          <a:effectLst/>
+        </a:effectStyle>
+        <a:effectStyle>
+          <a:effectLst/>
+        </a:effectStyle>
+        <a:effectStyle>
+          <a:effectLst>
+            <a:outerShdw blurRad="57150" dist="19050" dir="5400000" algn="ctr" rotWithShape="0">
+              <a:srgbClr val="000000">
+                <a:alpha val="63000"/>
+              </a:srgbClr>
+            </a:outerShdw>
+          </a:effectLst>
+        </a:effectStyle>
+      </a:effectStyleLst>
+      <a:bgFillStyleLst>
+        <a:solidFill>
+          <a:schemeClr val="phClr"/>
+        </a:solidFill>
+        <a:solidFill>
+          <a:schemeClr val="phClr">
+            <a:tint val="95000"/>
+            <a:satMod val="170000"/>
+          </a:schemeClr>
+        </a:solidFill>
+        <a:gradFill rotWithShape="1">
+          <a:gsLst>
+            <a:gs pos="0">
+              <a:schemeClr val="phClr">
+                <a:tint val="93000"/>
+                <a:satMod val="150000"/>
+                <a:shade val="98000"/>
+                <a:lumMod val="102000"/>
+              </a:schemeClr>
+            </a:gs>
+            <a:gs pos="50000">
+              <a:schemeClr val="phClr">
+                <a:tint val="98000"/>
+                <a:satMod val="130000"/>
+                <a:shade val="90000"/>
+                <a:lumMod val="103000"/>
+              </a:schemeClr>
+            </a:gs>
+            <a:gs pos="100000">
+              <a:schemeClr val="phClr">
+                <a:shade val="63000"/>
+                <a:satMod val="120000"/>
+              </a:schemeClr>
+            </a:gs>
+          </a:gsLst>
+          <a:lin ang="5400000" scaled="0"/>
+        </a:gradFill>
+      </a:bgFillStyleLst>
+    </a:fmtScheme>
+  </a:themeElements>
+  <a:objectDefaults/>
+  <a:extraClrSchemeLst/>
+  <a:extLst>
+    <a:ext uri="{05A4C25C-085E-4340-85A3-A5531E510DB2}">
+      <thm15:themeFamily xmlns:thm15="http://schemas.microsoft.com/office/thememl/2012/main" name="Office Theme" id="{62F939B6-93AF-4DB8-9C6B-D6C7DFDC589F}" vid="{4A3C46E8-61CC-4603-A589-7422A47A8E4A}"/>
+    </a:ext>
+  </a:extLst>
+</a:theme>
 </file>